--- a/Hardware_description.pptx
+++ b/Hardware_description.pptx
@@ -257,11 +257,26 @@
   </pc:docChgLst>
   <pc:docChgLst>
     <pc:chgData name="Carlo Emilio Montanari" userId="c30cf62a-023f-42a5-9fb8-249fbb46a2c7" providerId="ADAL" clId="{DABDDCAC-99A0-44EF-B8ED-C3208A30340E}"/>
-    <pc:docChg chg="addSld delSld modSld">
-      <pc:chgData name="Carlo Emilio Montanari" userId="c30cf62a-023f-42a5-9fb8-249fbb46a2c7" providerId="ADAL" clId="{DABDDCAC-99A0-44EF-B8ED-C3208A30340E}" dt="2018-12-16T23:00:52.340" v="87" actId="2696"/>
+    <pc:docChg chg="custSel addSld delSld modSld">
+      <pc:chgData name="Carlo Emilio Montanari" userId="c30cf62a-023f-42a5-9fb8-249fbb46a2c7" providerId="ADAL" clId="{DABDDCAC-99A0-44EF-B8ED-C3208A30340E}" dt="2018-12-17T10:42:46.783" v="341" actId="20577"/>
       <pc:docMkLst>
         <pc:docMk/>
       </pc:docMkLst>
+      <pc:sldChg chg="modSp">
+        <pc:chgData name="Carlo Emilio Montanari" userId="c30cf62a-023f-42a5-9fb8-249fbb46a2c7" providerId="ADAL" clId="{DABDDCAC-99A0-44EF-B8ED-C3208A30340E}" dt="2018-12-17T10:42:46.783" v="341" actId="20577"/>
+        <pc:sldMkLst>
+          <pc:docMk/>
+          <pc:sldMk cId="2870039045" sldId="258"/>
+        </pc:sldMkLst>
+        <pc:spChg chg="mod">
+          <ac:chgData name="Carlo Emilio Montanari" userId="c30cf62a-023f-42a5-9fb8-249fbb46a2c7" providerId="ADAL" clId="{DABDDCAC-99A0-44EF-B8ED-C3208A30340E}" dt="2018-12-17T10:42:46.783" v="341" actId="20577"/>
+          <ac:spMkLst>
+            <pc:docMk/>
+            <pc:sldMk cId="2870039045" sldId="258"/>
+            <ac:spMk id="4" creationId="{CCD45C55-CEF2-4A7F-A1EC-DD8A142D35E1}"/>
+          </ac:spMkLst>
+        </pc:spChg>
+      </pc:sldChg>
       <pc:sldChg chg="modSp add del">
         <pc:chgData name="Carlo Emilio Montanari" userId="c30cf62a-023f-42a5-9fb8-249fbb46a2c7" providerId="ADAL" clId="{DABDDCAC-99A0-44EF-B8ED-C3208A30340E}" dt="2018-12-16T23:00:52.301" v="85" actId="2696"/>
         <pc:sldMkLst>
@@ -15033,7 +15048,7 @@
         <p:spPr/>
         <p:txBody>
           <a:bodyPr>
-            <a:normAutofit fontScale="62500" lnSpcReduction="20000"/>
+            <a:normAutofit fontScale="77500" lnSpcReduction="20000"/>
           </a:bodyPr>
           <a:lstStyle/>
           <a:p>
@@ -15044,15 +15059,23 @@
               <a:rPr lang="en-US" b="1" dirty="0"/>
               <a:t>Main idea behind it</a:t>
             </a:r>
-            <a:br>
-              <a:rPr lang="en-US" b="1" dirty="0"/>
-            </a:br>
-            <a:br>
-              <a:rPr lang="en-US" b="1" dirty="0"/>
-            </a:br>
+          </a:p>
+          <a:p>
+            <a:pPr marL="0" indent="0">
+              <a:buNone/>
+            </a:pPr>
             <a:r>
               <a:rPr lang="en-US" dirty="0"/>
               <a:t>An IR led shines on a reflective/absorbing surface. A photoresistor then changes its resistance depending on the received IR radiation and the resulting voltage is then compared by an LM393 dual comparator chip.</a:t>
+            </a:r>
+          </a:p>
+          <a:p>
+            <a:pPr marL="0" indent="0">
+              <a:buNone/>
+            </a:pPr>
+            <a:r>
+              <a:rPr lang="en-US" b="1" dirty="0"/>
+              <a:t>Interface</a:t>
             </a:r>
             <a:br>
               <a:rPr lang="en-US" dirty="0"/>
@@ -15061,38 +15084,17 @@
               <a:rPr lang="en-US" dirty="0"/>
             </a:br>
             <a:r>
-              <a:rPr lang="en-US" b="1" dirty="0"/>
-              <a:t>Observations on the schematics</a:t>
-            </a:r>
-            <a:br>
-              <a:rPr lang="en-US" b="1" dirty="0"/>
-            </a:br>
-            <a:br>
-              <a:rPr lang="en-US" b="1" dirty="0"/>
-            </a:br>
-            <a:r>
               <a:rPr lang="en-US" dirty="0"/>
-              <a:t>Block A contains the U2 module that has the IR led and the Photoresistor. Block B contains a simple comparing circuit with two status led (D1 and D2) and one potentiometer R3 for manual regulating the threshold of the entire sensor. D1 indicates whether the sensor is powered up or not. D2 indicates if the signal is positive (SIG=VCC). LM393 is constituted by 2 standard low offset voltage comparators (only one is used) that returns VCC as +VCC and GND as -VCC, working indeed as a sort of Boolean operator. Capacitors C1 and C2 are placed in order to maintain SIG and 1IN- stable in case of power supplying problems.</a:t>
-            </a:r>
-            <a:br>
+              <a:t>A standard IR Tracking Sensor has a 3 Pin interface. VCC and GND for power suppling and a SIG pin for checking if the reflectance is beyond the threshold.</a:t>
+            </a:r>
+          </a:p>
+          <a:p>
+            <a:pPr marL="0" indent="0">
+              <a:buNone/>
+            </a:pPr>
+            <a:r>
               <a:rPr lang="en-US" dirty="0"/>
-            </a:br>
-            <a:br>
-              <a:rPr lang="en-US" dirty="0"/>
-            </a:br>
-            <a:r>
-              <a:rPr lang="en-US" b="1" dirty="0"/>
-              <a:t>Remarks</a:t>
-            </a:r>
-            <a:br>
-              <a:rPr lang="en-US" dirty="0"/>
-            </a:br>
-            <a:br>
-              <a:rPr lang="en-US" dirty="0"/>
-            </a:br>
-            <a:r>
-              <a:rPr lang="en-US" dirty="0"/>
-              <a:t>Our IR Tracking Sensor Module has a fourth pin that allows the user to read the voltage signal at node 4 in block A. However, we do not use that pin in our project.</a:t>
+              <a:t>Our IR Tracking Sensor Module has also a fourth pin that allows the user to read the actual voltage signal of the sensor. However, we do not use that pin in our project.</a:t>
             </a:r>
             <a:endParaRPr lang="it-IT" dirty="0"/>
           </a:p>

--- a/Hardware_description.pptx
+++ b/Hardware_description.pptx
@@ -19,8 +19,7 @@
     <p:sldId id="269" r:id="rId13"/>
     <p:sldId id="270" r:id="rId14"/>
     <p:sldId id="271" r:id="rId15"/>
-    <p:sldId id="272" r:id="rId16"/>
-    <p:sldId id="273" r:id="rId17"/>
+    <p:sldId id="275" r:id="rId16"/>
   </p:sldIdLst>
   <p:sldSz cx="12192000" cy="6858000"/>
   <p:notesSz cx="6858000" cy="9144000"/>
@@ -125,6 +124,14 @@
     </p:ext>
   </p:extLst>
 </p:presentation>
+</file>
+
+<file path=ppt/revisionInfo.xml><?xml version="1.0" encoding="utf-8"?>
+<p1510:revInfo xmlns:a="http://schemas.openxmlformats.org/drawingml/2006/main" xmlns:r="http://schemas.openxmlformats.org/officeDocument/2006/relationships" xmlns:p1510="http://schemas.microsoft.com/office/powerpoint/2015/10/main">
+  <p1510:revLst>
+    <p1510:client id="{DABDDCAC-99A0-44EF-B8ED-C3208A30340E}" v="18" dt="2018-12-17T14:04:56.792"/>
+  </p1510:revLst>
+</p1510:revInfo>
 </file>
 
 <file path=ppt/changesInfos/changesInfo1.xml><?xml version="1.0" encoding="utf-8"?>
@@ -257,23 +264,138 @@
   </pc:docChgLst>
   <pc:docChgLst>
     <pc:chgData name="Carlo Emilio Montanari" userId="c30cf62a-023f-42a5-9fb8-249fbb46a2c7" providerId="ADAL" clId="{DABDDCAC-99A0-44EF-B8ED-C3208A30340E}"/>
-    <pc:docChg chg="custSel addSld delSld modSld">
-      <pc:chgData name="Carlo Emilio Montanari" userId="c30cf62a-023f-42a5-9fb8-249fbb46a2c7" providerId="ADAL" clId="{DABDDCAC-99A0-44EF-B8ED-C3208A30340E}" dt="2018-12-17T10:42:46.783" v="341" actId="20577"/>
+    <pc:docChg chg="undo custSel addSld delSld modSld">
+      <pc:chgData name="Carlo Emilio Montanari" userId="c30cf62a-023f-42a5-9fb8-249fbb46a2c7" providerId="ADAL" clId="{DABDDCAC-99A0-44EF-B8ED-C3208A30340E}" dt="2018-12-17T14:05:06.996" v="1322" actId="478"/>
       <pc:docMkLst>
         <pc:docMk/>
       </pc:docMkLst>
       <pc:sldChg chg="modSp">
-        <pc:chgData name="Carlo Emilio Montanari" userId="c30cf62a-023f-42a5-9fb8-249fbb46a2c7" providerId="ADAL" clId="{DABDDCAC-99A0-44EF-B8ED-C3208A30340E}" dt="2018-12-17T10:42:46.783" v="341" actId="20577"/>
+        <pc:chgData name="Carlo Emilio Montanari" userId="c30cf62a-023f-42a5-9fb8-249fbb46a2c7" providerId="ADAL" clId="{DABDDCAC-99A0-44EF-B8ED-C3208A30340E}" dt="2018-12-17T10:45:38.270" v="346" actId="790"/>
         <pc:sldMkLst>
           <pc:docMk/>
           <pc:sldMk cId="2870039045" sldId="258"/>
         </pc:sldMkLst>
+        <pc:spChg chg="mod">
+          <ac:chgData name="Carlo Emilio Montanari" userId="c30cf62a-023f-42a5-9fb8-249fbb46a2c7" providerId="ADAL" clId="{DABDDCAC-99A0-44EF-B8ED-C3208A30340E}" dt="2018-12-17T10:45:38.270" v="346" actId="790"/>
+          <ac:spMkLst>
+            <pc:docMk/>
+            <pc:sldMk cId="2870039045" sldId="258"/>
+            <ac:spMk id="2" creationId="{5174C2B6-F3F7-4D56-B9AB-6F70C728A685}"/>
+          </ac:spMkLst>
+        </pc:spChg>
         <pc:spChg chg="mod">
           <ac:chgData name="Carlo Emilio Montanari" userId="c30cf62a-023f-42a5-9fb8-249fbb46a2c7" providerId="ADAL" clId="{DABDDCAC-99A0-44EF-B8ED-C3208A30340E}" dt="2018-12-17T10:42:46.783" v="341" actId="20577"/>
           <ac:spMkLst>
             <pc:docMk/>
             <pc:sldMk cId="2870039045" sldId="258"/>
             <ac:spMk id="4" creationId="{CCD45C55-CEF2-4A7F-A1EC-DD8A142D35E1}"/>
+          </ac:spMkLst>
+        </pc:spChg>
+      </pc:sldChg>
+      <pc:sldChg chg="modSp">
+        <pc:chgData name="Carlo Emilio Montanari" userId="c30cf62a-023f-42a5-9fb8-249fbb46a2c7" providerId="ADAL" clId="{DABDDCAC-99A0-44EF-B8ED-C3208A30340E}" dt="2018-12-17T10:43:59.637" v="344" actId="113"/>
+        <pc:sldMkLst>
+          <pc:docMk/>
+          <pc:sldMk cId="3370517342" sldId="259"/>
+        </pc:sldMkLst>
+        <pc:spChg chg="mod">
+          <ac:chgData name="Carlo Emilio Montanari" userId="c30cf62a-023f-42a5-9fb8-249fbb46a2c7" providerId="ADAL" clId="{DABDDCAC-99A0-44EF-B8ED-C3208A30340E}" dt="2018-12-17T10:43:59.637" v="344" actId="113"/>
+          <ac:spMkLst>
+            <pc:docMk/>
+            <pc:sldMk cId="3370517342" sldId="259"/>
+            <ac:spMk id="4" creationId="{C4773E17-5535-4F1C-8AC5-0505C8379899}"/>
+          </ac:spMkLst>
+        </pc:spChg>
+      </pc:sldChg>
+      <pc:sldChg chg="modSp">
+        <pc:chgData name="Carlo Emilio Montanari" userId="c30cf62a-023f-42a5-9fb8-249fbb46a2c7" providerId="ADAL" clId="{DABDDCAC-99A0-44EF-B8ED-C3208A30340E}" dt="2018-12-17T11:42:10.103" v="1286" actId="313"/>
+        <pc:sldMkLst>
+          <pc:docMk/>
+          <pc:sldMk cId="3685251101" sldId="261"/>
+        </pc:sldMkLst>
+        <pc:spChg chg="mod">
+          <ac:chgData name="Carlo Emilio Montanari" userId="c30cf62a-023f-42a5-9fb8-249fbb46a2c7" providerId="ADAL" clId="{DABDDCAC-99A0-44EF-B8ED-C3208A30340E}" dt="2018-12-17T11:42:10.103" v="1286" actId="313"/>
+          <ac:spMkLst>
+            <pc:docMk/>
+            <pc:sldMk cId="3685251101" sldId="261"/>
+            <ac:spMk id="2" creationId="{17A37FF2-594D-459E-BB41-C1F57E1F7194}"/>
+          </ac:spMkLst>
+        </pc:spChg>
+        <pc:spChg chg="mod">
+          <ac:chgData name="Carlo Emilio Montanari" userId="c30cf62a-023f-42a5-9fb8-249fbb46a2c7" providerId="ADAL" clId="{DABDDCAC-99A0-44EF-B8ED-C3208A30340E}" dt="2018-12-17T11:42:03.446" v="1285" actId="313"/>
+          <ac:spMkLst>
+            <pc:docMk/>
+            <pc:sldMk cId="3685251101" sldId="261"/>
+            <ac:spMk id="3" creationId="{8565AF7B-C16E-45B1-A353-858A4F867357}"/>
+          </ac:spMkLst>
+        </pc:spChg>
+      </pc:sldChg>
+      <pc:sldChg chg="modSp">
+        <pc:chgData name="Carlo Emilio Montanari" userId="c30cf62a-023f-42a5-9fb8-249fbb46a2c7" providerId="ADAL" clId="{DABDDCAC-99A0-44EF-B8ED-C3208A30340E}" dt="2018-12-17T11:41:39.890" v="1281" actId="790"/>
+        <pc:sldMkLst>
+          <pc:docMk/>
+          <pc:sldMk cId="3066535113" sldId="263"/>
+        </pc:sldMkLst>
+        <pc:spChg chg="mod">
+          <ac:chgData name="Carlo Emilio Montanari" userId="c30cf62a-023f-42a5-9fb8-249fbb46a2c7" providerId="ADAL" clId="{DABDDCAC-99A0-44EF-B8ED-C3208A30340E}" dt="2018-12-17T11:41:39.890" v="1281" actId="790"/>
+          <ac:spMkLst>
+            <pc:docMk/>
+            <pc:sldMk cId="3066535113" sldId="263"/>
+            <ac:spMk id="2" creationId="{C3E49D8D-BEAC-4774-BF8F-CA783E0474F7}"/>
+          </ac:spMkLst>
+        </pc:spChg>
+        <pc:spChg chg="mod">
+          <ac:chgData name="Carlo Emilio Montanari" userId="c30cf62a-023f-42a5-9fb8-249fbb46a2c7" providerId="ADAL" clId="{DABDDCAC-99A0-44EF-B8ED-C3208A30340E}" dt="2018-12-17T11:41:27.194" v="1279" actId="790"/>
+          <ac:spMkLst>
+            <pc:docMk/>
+            <pc:sldMk cId="3066535113" sldId="263"/>
+            <ac:spMk id="4" creationId="{D9ECA094-B4F7-45B4-8F3F-040298F70D40}"/>
+          </ac:spMkLst>
+        </pc:spChg>
+      </pc:sldChg>
+      <pc:sldChg chg="modSp">
+        <pc:chgData name="Carlo Emilio Montanari" userId="c30cf62a-023f-42a5-9fb8-249fbb46a2c7" providerId="ADAL" clId="{DABDDCAC-99A0-44EF-B8ED-C3208A30340E}" dt="2018-12-17T11:41:21.439" v="1278" actId="790"/>
+        <pc:sldMkLst>
+          <pc:docMk/>
+          <pc:sldMk cId="3938828487" sldId="264"/>
+        </pc:sldMkLst>
+        <pc:spChg chg="mod">
+          <ac:chgData name="Carlo Emilio Montanari" userId="c30cf62a-023f-42a5-9fb8-249fbb46a2c7" providerId="ADAL" clId="{DABDDCAC-99A0-44EF-B8ED-C3208A30340E}" dt="2018-12-17T11:41:21.439" v="1278" actId="790"/>
+          <ac:spMkLst>
+            <pc:docMk/>
+            <pc:sldMk cId="3938828487" sldId="264"/>
+            <ac:spMk id="2" creationId="{FA5AA503-3CD4-4227-9737-F8A8EB29B21D}"/>
+          </ac:spMkLst>
+        </pc:spChg>
+        <pc:spChg chg="mod">
+          <ac:chgData name="Carlo Emilio Montanari" userId="c30cf62a-023f-42a5-9fb8-249fbb46a2c7" providerId="ADAL" clId="{DABDDCAC-99A0-44EF-B8ED-C3208A30340E}" dt="2018-12-17T11:41:16.563" v="1277" actId="790"/>
+          <ac:spMkLst>
+            <pc:docMk/>
+            <pc:sldMk cId="3938828487" sldId="264"/>
+            <ac:spMk id="4" creationId="{CB947AEC-6AB3-4A05-8CE4-42FAB2DA5357}"/>
+          </ac:spMkLst>
+        </pc:spChg>
+      </pc:sldChg>
+      <pc:sldChg chg="modSp">
+        <pc:chgData name="Carlo Emilio Montanari" userId="c30cf62a-023f-42a5-9fb8-249fbb46a2c7" providerId="ADAL" clId="{DABDDCAC-99A0-44EF-B8ED-C3208A30340E}" dt="2018-12-17T11:41:09.344" v="1276" actId="20577"/>
+        <pc:sldMkLst>
+          <pc:docMk/>
+          <pc:sldMk cId="3035432455" sldId="266"/>
+        </pc:sldMkLst>
+        <pc:spChg chg="mod">
+          <ac:chgData name="Carlo Emilio Montanari" userId="c30cf62a-023f-42a5-9fb8-249fbb46a2c7" providerId="ADAL" clId="{DABDDCAC-99A0-44EF-B8ED-C3208A30340E}" dt="2018-12-17T11:41:02.118" v="1274" actId="790"/>
+          <ac:spMkLst>
+            <pc:docMk/>
+            <pc:sldMk cId="3035432455" sldId="266"/>
+            <ac:spMk id="2" creationId="{2150BD83-C161-4317-860A-DD46AC2D5030}"/>
+          </ac:spMkLst>
+        </pc:spChg>
+        <pc:spChg chg="mod">
+          <ac:chgData name="Carlo Emilio Montanari" userId="c30cf62a-023f-42a5-9fb8-249fbb46a2c7" providerId="ADAL" clId="{DABDDCAC-99A0-44EF-B8ED-C3208A30340E}" dt="2018-12-17T11:41:09.344" v="1276" actId="20577"/>
+          <ac:spMkLst>
+            <pc:docMk/>
+            <pc:sldMk cId="3035432455" sldId="266"/>
+            <ac:spMk id="4" creationId="{5DFB0323-3EDA-49D2-AFD4-E87C75856F39}"/>
           </ac:spMkLst>
         </pc:spChg>
       </pc:sldChg>
@@ -299,6 +421,21 @@
           <pc:sldMk cId="1897143954" sldId="268"/>
         </pc:sldMkLst>
       </pc:sldChg>
+      <pc:sldChg chg="modSp">
+        <pc:chgData name="Carlo Emilio Montanari" userId="c30cf62a-023f-42a5-9fb8-249fbb46a2c7" providerId="ADAL" clId="{DABDDCAC-99A0-44EF-B8ED-C3208A30340E}" dt="2018-12-17T11:40:51.071" v="1272" actId="790"/>
+        <pc:sldMkLst>
+          <pc:docMk/>
+          <pc:sldMk cId="2216593587" sldId="268"/>
+        </pc:sldMkLst>
+        <pc:spChg chg="mod">
+          <ac:chgData name="Carlo Emilio Montanari" userId="c30cf62a-023f-42a5-9fb8-249fbb46a2c7" providerId="ADAL" clId="{DABDDCAC-99A0-44EF-B8ED-C3208A30340E}" dt="2018-12-17T11:40:51.071" v="1272" actId="790"/>
+          <ac:spMkLst>
+            <pc:docMk/>
+            <pc:sldMk cId="2216593587" sldId="268"/>
+            <ac:spMk id="4" creationId="{0016C880-F2C2-4B17-8831-97D5054EADD5}"/>
+          </ac:spMkLst>
+        </pc:spChg>
+      </pc:sldChg>
       <pc:sldChg chg="modSp add del">
         <pc:chgData name="Carlo Emilio Montanari" userId="c30cf62a-023f-42a5-9fb8-249fbb46a2c7" providerId="ADAL" clId="{DABDDCAC-99A0-44EF-B8ED-C3208A30340E}" dt="2018-12-16T23:00:52.319" v="86" actId="2696"/>
         <pc:sldMkLst>
@@ -311,6 +448,29 @@
             <pc:docMk/>
             <pc:sldMk cId="2041745738" sldId="269"/>
             <ac:spMk id="2" creationId="{F6B45307-5FA2-4CE8-9538-75F06180C438}"/>
+          </ac:spMkLst>
+        </pc:spChg>
+      </pc:sldChg>
+      <pc:sldChg chg="modSp">
+        <pc:chgData name="Carlo Emilio Montanari" userId="c30cf62a-023f-42a5-9fb8-249fbb46a2c7" providerId="ADAL" clId="{DABDDCAC-99A0-44EF-B8ED-C3208A30340E}" dt="2018-12-17T11:40:45.268" v="1271" actId="790"/>
+        <pc:sldMkLst>
+          <pc:docMk/>
+          <pc:sldMk cId="3214162779" sldId="269"/>
+        </pc:sldMkLst>
+        <pc:spChg chg="mod">
+          <ac:chgData name="Carlo Emilio Montanari" userId="c30cf62a-023f-42a5-9fb8-249fbb46a2c7" providerId="ADAL" clId="{DABDDCAC-99A0-44EF-B8ED-C3208A30340E}" dt="2018-12-17T11:40:41.172" v="1270" actId="790"/>
+          <ac:spMkLst>
+            <pc:docMk/>
+            <pc:sldMk cId="3214162779" sldId="269"/>
+            <ac:spMk id="2" creationId="{28F82B32-9754-4ACF-84F2-E4659B529AE8}"/>
+          </ac:spMkLst>
+        </pc:spChg>
+        <pc:spChg chg="mod">
+          <ac:chgData name="Carlo Emilio Montanari" userId="c30cf62a-023f-42a5-9fb8-249fbb46a2c7" providerId="ADAL" clId="{DABDDCAC-99A0-44EF-B8ED-C3208A30340E}" dt="2018-12-17T11:40:45.268" v="1271" actId="790"/>
+          <ac:spMkLst>
+            <pc:docMk/>
+            <pc:sldMk cId="3214162779" sldId="269"/>
+            <ac:spMk id="4" creationId="{F4C15C1D-0DC9-44E3-93E5-984897230C6E}"/>
           </ac:spMkLst>
         </pc:spChg>
       </pc:sldChg>
@@ -328,6 +488,176 @@
             <ac:spMk id="2" creationId="{9AE25796-C41F-4E2E-8A77-AF8F75DB77CB}"/>
           </ac:spMkLst>
         </pc:spChg>
+      </pc:sldChg>
+      <pc:sldChg chg="modSp">
+        <pc:chgData name="Carlo Emilio Montanari" userId="c30cf62a-023f-42a5-9fb8-249fbb46a2c7" providerId="ADAL" clId="{DABDDCAC-99A0-44EF-B8ED-C3208A30340E}" dt="2018-12-17T11:40:33.948" v="1269" actId="790"/>
+        <pc:sldMkLst>
+          <pc:docMk/>
+          <pc:sldMk cId="4273559403" sldId="270"/>
+        </pc:sldMkLst>
+        <pc:spChg chg="mod">
+          <ac:chgData name="Carlo Emilio Montanari" userId="c30cf62a-023f-42a5-9fb8-249fbb46a2c7" providerId="ADAL" clId="{DABDDCAC-99A0-44EF-B8ED-C3208A30340E}" dt="2018-12-17T11:40:28.424" v="1268" actId="790"/>
+          <ac:spMkLst>
+            <pc:docMk/>
+            <pc:sldMk cId="4273559403" sldId="270"/>
+            <ac:spMk id="2" creationId="{58D37BE1-7B10-432F-8F78-62B82A49FE6F}"/>
+          </ac:spMkLst>
+        </pc:spChg>
+        <pc:spChg chg="mod">
+          <ac:chgData name="Carlo Emilio Montanari" userId="c30cf62a-023f-42a5-9fb8-249fbb46a2c7" providerId="ADAL" clId="{DABDDCAC-99A0-44EF-B8ED-C3208A30340E}" dt="2018-12-17T11:40:33.948" v="1269" actId="790"/>
+          <ac:spMkLst>
+            <pc:docMk/>
+            <pc:sldMk cId="4273559403" sldId="270"/>
+            <ac:spMk id="4" creationId="{A6F01312-6F12-4776-B345-3E351C63A65E}"/>
+          </ac:spMkLst>
+        </pc:spChg>
+      </pc:sldChg>
+      <pc:sldChg chg="addSp delSp modSp">
+        <pc:chgData name="Carlo Emilio Montanari" userId="c30cf62a-023f-42a5-9fb8-249fbb46a2c7" providerId="ADAL" clId="{DABDDCAC-99A0-44EF-B8ED-C3208A30340E}" dt="2018-12-17T11:40:19.320" v="1267" actId="790"/>
+        <pc:sldMkLst>
+          <pc:docMk/>
+          <pc:sldMk cId="4276872005" sldId="271"/>
+        </pc:sldMkLst>
+        <pc:spChg chg="mod">
+          <ac:chgData name="Carlo Emilio Montanari" userId="c30cf62a-023f-42a5-9fb8-249fbb46a2c7" providerId="ADAL" clId="{DABDDCAC-99A0-44EF-B8ED-C3208A30340E}" dt="2018-12-17T11:40:19.320" v="1267" actId="790"/>
+          <ac:spMkLst>
+            <pc:docMk/>
+            <pc:sldMk cId="4276872005" sldId="271"/>
+            <ac:spMk id="2" creationId="{F78FF46E-D81C-416E-9047-5B7F39DC94D3}"/>
+          </ac:spMkLst>
+        </pc:spChg>
+        <pc:spChg chg="del mod">
+          <ac:chgData name="Carlo Emilio Montanari" userId="c30cf62a-023f-42a5-9fb8-249fbb46a2c7" providerId="ADAL" clId="{DABDDCAC-99A0-44EF-B8ED-C3208A30340E}" dt="2018-12-17T10:57:38.660" v="909" actId="478"/>
+          <ac:spMkLst>
+            <pc:docMk/>
+            <pc:sldMk cId="4276872005" sldId="271"/>
+            <ac:spMk id="3" creationId="{C7637D0D-51BA-4A99-A137-E400C157260F}"/>
+          </ac:spMkLst>
+        </pc:spChg>
+        <pc:spChg chg="mod">
+          <ac:chgData name="Carlo Emilio Montanari" userId="c30cf62a-023f-42a5-9fb8-249fbb46a2c7" providerId="ADAL" clId="{DABDDCAC-99A0-44EF-B8ED-C3208A30340E}" dt="2018-12-17T11:40:09.626" v="1266" actId="790"/>
+          <ac:spMkLst>
+            <pc:docMk/>
+            <pc:sldMk cId="4276872005" sldId="271"/>
+            <ac:spMk id="4" creationId="{E90A77A4-69EF-4B9B-8285-7655C704FC80}"/>
+          </ac:spMkLst>
+        </pc:spChg>
+        <pc:picChg chg="add mod">
+          <ac:chgData name="Carlo Emilio Montanari" userId="c30cf62a-023f-42a5-9fb8-249fbb46a2c7" providerId="ADAL" clId="{DABDDCAC-99A0-44EF-B8ED-C3208A30340E}" dt="2018-12-17T10:59:06.120" v="926" actId="1076"/>
+          <ac:picMkLst>
+            <pc:docMk/>
+            <pc:sldMk cId="4276872005" sldId="271"/>
+            <ac:picMk id="1026" creationId="{DDF6D593-5AF4-430C-B9CD-2377E81C4B3C}"/>
+          </ac:picMkLst>
+        </pc:picChg>
+        <pc:picChg chg="add mod">
+          <ac:chgData name="Carlo Emilio Montanari" userId="c30cf62a-023f-42a5-9fb8-249fbb46a2c7" providerId="ADAL" clId="{DABDDCAC-99A0-44EF-B8ED-C3208A30340E}" dt="2018-12-17T10:59:08.651" v="927" actId="1076"/>
+          <ac:picMkLst>
+            <pc:docMk/>
+            <pc:sldMk cId="4276872005" sldId="271"/>
+            <ac:picMk id="1028" creationId="{9CCE7C99-F1CF-42E8-ACED-CC7D2C69C581}"/>
+          </ac:picMkLst>
+        </pc:picChg>
+      </pc:sldChg>
+      <pc:sldChg chg="del">
+        <pc:chgData name="Carlo Emilio Montanari" userId="c30cf62a-023f-42a5-9fb8-249fbb46a2c7" providerId="ADAL" clId="{DABDDCAC-99A0-44EF-B8ED-C3208A30340E}" dt="2018-12-17T10:47:18.870" v="349" actId="2696"/>
+        <pc:sldMkLst>
+          <pc:docMk/>
+          <pc:sldMk cId="2128042162" sldId="272"/>
+        </pc:sldMkLst>
+      </pc:sldChg>
+      <pc:sldChg chg="del">
+        <pc:chgData name="Carlo Emilio Montanari" userId="c30cf62a-023f-42a5-9fb8-249fbb46a2c7" providerId="ADAL" clId="{DABDDCAC-99A0-44EF-B8ED-C3208A30340E}" dt="2018-12-17T10:47:18.892" v="350" actId="2696"/>
+        <pc:sldMkLst>
+          <pc:docMk/>
+          <pc:sldMk cId="601580569" sldId="273"/>
+        </pc:sldMkLst>
+      </pc:sldChg>
+      <pc:sldChg chg="delSp modSp">
+        <pc:chgData name="Carlo Emilio Montanari" userId="c30cf62a-023f-42a5-9fb8-249fbb46a2c7" providerId="ADAL" clId="{DABDDCAC-99A0-44EF-B8ED-C3208A30340E}" dt="2018-12-17T14:05:06.996" v="1322" actId="478"/>
+        <pc:sldMkLst>
+          <pc:docMk/>
+          <pc:sldMk cId="2630696969" sldId="274"/>
+        </pc:sldMkLst>
+        <pc:spChg chg="mod">
+          <ac:chgData name="Carlo Emilio Montanari" userId="c30cf62a-023f-42a5-9fb8-249fbb46a2c7" providerId="ADAL" clId="{DABDDCAC-99A0-44EF-B8ED-C3208A30340E}" dt="2018-12-17T14:04:44.630" v="1318"/>
+          <ac:spMkLst>
+            <pc:docMk/>
+            <pc:sldMk cId="2630696969" sldId="274"/>
+            <ac:spMk id="2" creationId="{61B5CE4B-EBB3-4372-9295-8CA3D98CD9AA}"/>
+          </ac:spMkLst>
+        </pc:spChg>
+        <pc:spChg chg="del mod">
+          <ac:chgData name="Carlo Emilio Montanari" userId="c30cf62a-023f-42a5-9fb8-249fbb46a2c7" providerId="ADAL" clId="{DABDDCAC-99A0-44EF-B8ED-C3208A30340E}" dt="2018-12-17T14:05:04.931" v="1321" actId="478"/>
+          <ac:spMkLst>
+            <pc:docMk/>
+            <pc:sldMk cId="2630696969" sldId="274"/>
+            <ac:spMk id="3" creationId="{37D264A2-441C-4634-AE1B-E11752327A24}"/>
+          </ac:spMkLst>
+        </pc:spChg>
+        <pc:spChg chg="del mod">
+          <ac:chgData name="Carlo Emilio Montanari" userId="c30cf62a-023f-42a5-9fb8-249fbb46a2c7" providerId="ADAL" clId="{DABDDCAC-99A0-44EF-B8ED-C3208A30340E}" dt="2018-12-17T14:04:56.792" v="1319"/>
+          <ac:spMkLst>
+            <pc:docMk/>
+            <pc:sldMk cId="2630696969" sldId="274"/>
+            <ac:spMk id="4" creationId="{EB6015D0-0AEA-4DC8-A4AD-129D5FF9BE81}"/>
+          </ac:spMkLst>
+        </pc:spChg>
+        <pc:spChg chg="del mod">
+          <ac:chgData name="Carlo Emilio Montanari" userId="c30cf62a-023f-42a5-9fb8-249fbb46a2c7" providerId="ADAL" clId="{DABDDCAC-99A0-44EF-B8ED-C3208A30340E}" dt="2018-12-17T14:05:06.996" v="1322" actId="478"/>
+          <ac:spMkLst>
+            <pc:docMk/>
+            <pc:sldMk cId="2630696969" sldId="274"/>
+            <ac:spMk id="5" creationId="{CE9CDA53-2FA7-4230-9AFC-D14D7EE77C2D}"/>
+          </ac:spMkLst>
+        </pc:spChg>
+        <pc:spChg chg="mod">
+          <ac:chgData name="Carlo Emilio Montanari" userId="c30cf62a-023f-42a5-9fb8-249fbb46a2c7" providerId="ADAL" clId="{DABDDCAC-99A0-44EF-B8ED-C3208A30340E}" dt="2018-12-17T14:04:56.878" v="1320" actId="27636"/>
+          <ac:spMkLst>
+            <pc:docMk/>
+            <pc:sldMk cId="2630696969" sldId="274"/>
+            <ac:spMk id="6" creationId="{85C8DDE9-8080-4E8F-826C-CC853D0B6595}"/>
+          </ac:spMkLst>
+        </pc:spChg>
+      </pc:sldChg>
+      <pc:sldChg chg="addSp delSp modSp add">
+        <pc:chgData name="Carlo Emilio Montanari" userId="c30cf62a-023f-42a5-9fb8-249fbb46a2c7" providerId="ADAL" clId="{DABDDCAC-99A0-44EF-B8ED-C3208A30340E}" dt="2018-12-17T11:37:05.492" v="1264" actId="20577"/>
+        <pc:sldMkLst>
+          <pc:docMk/>
+          <pc:sldMk cId="3886677347" sldId="275"/>
+        </pc:sldMkLst>
+        <pc:spChg chg="mod">
+          <ac:chgData name="Carlo Emilio Montanari" userId="c30cf62a-023f-42a5-9fb8-249fbb46a2c7" providerId="ADAL" clId="{DABDDCAC-99A0-44EF-B8ED-C3208A30340E}" dt="2018-12-17T11:37:05.492" v="1264" actId="20577"/>
+          <ac:spMkLst>
+            <pc:docMk/>
+            <pc:sldMk cId="3886677347" sldId="275"/>
+            <ac:spMk id="2" creationId="{0166452C-4E3E-470A-9390-53DC0A235417}"/>
+          </ac:spMkLst>
+        </pc:spChg>
+        <pc:spChg chg="del">
+          <ac:chgData name="Carlo Emilio Montanari" userId="c30cf62a-023f-42a5-9fb8-249fbb46a2c7" providerId="ADAL" clId="{DABDDCAC-99A0-44EF-B8ED-C3208A30340E}" dt="2018-12-17T11:31:07.815" v="972" actId="478"/>
+          <ac:spMkLst>
+            <pc:docMk/>
+            <pc:sldMk cId="3886677347" sldId="275"/>
+            <ac:spMk id="3" creationId="{809845E1-B9EE-47C8-A015-C7A4F04DD930}"/>
+          </ac:spMkLst>
+        </pc:spChg>
+        <pc:spChg chg="mod">
+          <ac:chgData name="Carlo Emilio Montanari" userId="c30cf62a-023f-42a5-9fb8-249fbb46a2c7" providerId="ADAL" clId="{DABDDCAC-99A0-44EF-B8ED-C3208A30340E}" dt="2018-12-17T11:35:28.346" v="1262" actId="113"/>
+          <ac:spMkLst>
+            <pc:docMk/>
+            <pc:sldMk cId="3886677347" sldId="275"/>
+            <ac:spMk id="4" creationId="{1C278273-47CA-4A2E-BE99-DE41FA0DDA84}"/>
+          </ac:spMkLst>
+        </pc:spChg>
+        <pc:picChg chg="add mod">
+          <ac:chgData name="Carlo Emilio Montanari" userId="c30cf62a-023f-42a5-9fb8-249fbb46a2c7" providerId="ADAL" clId="{DABDDCAC-99A0-44EF-B8ED-C3208A30340E}" dt="2018-12-17T11:35:43.017" v="1263" actId="1076"/>
+          <ac:picMkLst>
+            <pc:docMk/>
+            <pc:sldMk cId="3886677347" sldId="275"/>
+            <ac:picMk id="2050" creationId="{AD8273CF-82AF-44DD-9A38-2951C128AE36}"/>
+          </ac:picMkLst>
+        </pc:picChg>
       </pc:sldChg>
     </pc:docChg>
   </pc:docChgLst>
@@ -15022,10 +15352,9 @@
               <a:t>IR Tracking Sensor </a:t>
             </a:r>
             <a:r>
-              <a:rPr lang="it-IT" dirty="0" err="1"/>
+              <a:rPr lang="en-US" dirty="0"/>
               <a:t>Module</a:t>
             </a:r>
-            <a:endParaRPr lang="it-IT" dirty="0"/>
           </a:p>
         </p:txBody>
       </p:sp>
@@ -15205,30 +15534,17 @@
           <a:lstStyle/>
           <a:p>
             <a:r>
-              <a:rPr lang="it-IT" dirty="0"/>
+              <a:rPr lang="en-US" dirty="0"/>
               <a:t>IR </a:t>
             </a:r>
             <a:r>
-              <a:rPr lang="it-IT" dirty="0" err="1"/>
+              <a:rPr lang="en-US" dirty="0" err="1"/>
               <a:t>Reciever</a:t>
             </a:r>
             <a:r>
-              <a:rPr lang="it-IT" dirty="0"/>
-              <a:t> </a:t>
-            </a:r>
-            <a:r>
-              <a:rPr lang="it-IT" dirty="0" err="1"/>
-              <a:t>Module</a:t>
-            </a:r>
-            <a:r>
-              <a:rPr lang="it-IT" dirty="0"/>
-              <a:t> – </a:t>
-            </a:r>
-            <a:r>
-              <a:rPr lang="it-IT" dirty="0" err="1"/>
-              <a:t>Schematic</a:t>
-            </a:r>
-            <a:endParaRPr lang="en-US" dirty="0"/>
+              <a:rPr lang="en-US" dirty="0"/>
+              <a:t> Module – Schematic</a:t>
+            </a:r>
           </a:p>
         </p:txBody>
       </p:sp>
@@ -15303,72 +15619,8 @@
               <a:buNone/>
             </a:pPr>
             <a:r>
-              <a:rPr lang="it-IT" dirty="0"/>
-              <a:t>The </a:t>
-            </a:r>
-            <a:r>
-              <a:rPr lang="it-IT" dirty="0" err="1"/>
-              <a:t>interface</a:t>
-            </a:r>
-            <a:r>
-              <a:rPr lang="it-IT" dirty="0"/>
-              <a:t> on the PCB </a:t>
-            </a:r>
-            <a:r>
-              <a:rPr lang="it-IT" dirty="0" err="1"/>
-              <a:t>is</a:t>
-            </a:r>
-            <a:r>
-              <a:rPr lang="it-IT" dirty="0"/>
-              <a:t> a </a:t>
-            </a:r>
-            <a:r>
-              <a:rPr lang="it-IT" dirty="0" err="1"/>
-              <a:t>simple</a:t>
-            </a:r>
-            <a:r>
-              <a:rPr lang="it-IT" dirty="0"/>
-              <a:t> </a:t>
-            </a:r>
-            <a:r>
-              <a:rPr lang="it-IT" dirty="0" err="1"/>
-              <a:t>wrapping</a:t>
-            </a:r>
-            <a:r>
-              <a:rPr lang="it-IT" dirty="0"/>
-              <a:t> </a:t>
-            </a:r>
-            <a:r>
-              <a:rPr lang="it-IT" dirty="0" err="1"/>
-              <a:t>circuit</a:t>
-            </a:r>
-            <a:r>
-              <a:rPr lang="it-IT" dirty="0"/>
-              <a:t> with a power </a:t>
-            </a:r>
-            <a:r>
-              <a:rPr lang="it-IT" dirty="0" err="1"/>
-              <a:t>stauts</a:t>
-            </a:r>
-            <a:r>
-              <a:rPr lang="it-IT" dirty="0"/>
-              <a:t> led (D1), a SIG status led (D2) and a </a:t>
-            </a:r>
-            <a:r>
-              <a:rPr lang="it-IT" dirty="0" err="1"/>
-              <a:t>capacitor</a:t>
-            </a:r>
-            <a:r>
-              <a:rPr lang="it-IT" dirty="0"/>
-              <a:t> for power </a:t>
-            </a:r>
-            <a:r>
-              <a:rPr lang="it-IT" dirty="0" err="1"/>
-              <a:t>stability</a:t>
-            </a:r>
-            <a:r>
-              <a:rPr lang="it-IT" dirty="0"/>
-              <a:t> (C1).</a:t>
+              <a:rPr lang="en-US" dirty="0"/>
+              <a:t>The interface on the PCB is a simple wrapping circuit with a power status led (D1), a SIG status led (D2) and a capacitor for power stability (C1).</a:t>
             </a:r>
           </a:p>
           <a:p>
@@ -15376,12 +15628,8 @@
               <a:buNone/>
             </a:pPr>
             <a:r>
-              <a:rPr lang="it-IT" b="1" dirty="0" err="1"/>
-              <a:t>Remarks</a:t>
-            </a:r>
-            <a:r>
-              <a:rPr lang="it-IT" b="1" dirty="0"/>
-              <a:t> on the TL1838</a:t>
+              <a:rPr lang="en-US" b="1" dirty="0"/>
+              <a:t>Remarks on the TL1838</a:t>
             </a:r>
           </a:p>
           <a:p>
@@ -15389,64 +15637,8 @@
               <a:buNone/>
             </a:pPr>
             <a:r>
-              <a:rPr lang="it-IT" dirty="0"/>
-              <a:t>The component has </a:t>
-            </a:r>
-            <a:r>
-              <a:rPr lang="it-IT" dirty="0" err="1"/>
-              <a:t>all</a:t>
-            </a:r>
-            <a:r>
-              <a:rPr lang="it-IT" dirty="0"/>
-              <a:t> the </a:t>
-            </a:r>
-            <a:r>
-              <a:rPr lang="it-IT" dirty="0" err="1"/>
-              <a:t>elements</a:t>
-            </a:r>
-            <a:r>
-              <a:rPr lang="it-IT" dirty="0"/>
-              <a:t> for </a:t>
-            </a:r>
-            <a:r>
-              <a:rPr lang="it-IT" dirty="0" err="1"/>
-              <a:t>receiving</a:t>
-            </a:r>
-            <a:r>
-              <a:rPr lang="it-IT" dirty="0"/>
-              <a:t> 35-40KHz </a:t>
-            </a:r>
-            <a:r>
-              <a:rPr lang="it-IT" dirty="0" err="1"/>
-              <a:t>modulated</a:t>
-            </a:r>
-            <a:r>
-              <a:rPr lang="it-IT" dirty="0"/>
-              <a:t> </a:t>
-            </a:r>
-            <a:r>
-              <a:rPr lang="it-IT" dirty="0" err="1"/>
-              <a:t>signals</a:t>
-            </a:r>
-            <a:r>
-              <a:rPr lang="it-IT" dirty="0"/>
-              <a:t> in </a:t>
-            </a:r>
-            <a:r>
-              <a:rPr lang="it-IT" dirty="0" err="1"/>
-              <a:t>intervals</a:t>
-            </a:r>
-            <a:r>
-              <a:rPr lang="it-IT" dirty="0"/>
-              <a:t> of 600</a:t>
-            </a:r>
-            <a:r>
-              <a:rPr lang="el-GR" dirty="0"/>
-              <a:t> μ</a:t>
-            </a:r>
-            <a:r>
-              <a:rPr lang="it-IT" dirty="0"/>
-              <a:t>s.</a:t>
+              <a:rPr lang="en-US" dirty="0"/>
+              <a:t>The component has all the elements for receiving 35-40KHz modulated signals in intervals of 600μs.</a:t>
             </a:r>
             <a:br>
               <a:rPr lang="en-US" dirty="0"/>
@@ -15455,7 +15647,6 @@
               <a:rPr lang="en-US" dirty="0"/>
               <a:t>Unfortunately, we did not find the precise schematics of the component but only black-box schemes of its functioning.</a:t>
             </a:r>
-            <a:endParaRPr lang="it-IT" dirty="0"/>
           </a:p>
         </p:txBody>
       </p:sp>
@@ -15648,134 +15839,17 @@
               <a:buNone/>
             </a:pPr>
             <a:r>
-              <a:rPr lang="it-IT" b="1" dirty="0"/>
-              <a:t>From </a:t>
-            </a:r>
-            <a:r>
-              <a:rPr lang="it-IT" b="1" dirty="0" err="1"/>
-              <a:t>electrical</a:t>
-            </a:r>
-            <a:r>
-              <a:rPr lang="it-IT" b="1" dirty="0"/>
-              <a:t> to </a:t>
-            </a:r>
-            <a:r>
-              <a:rPr lang="it-IT" b="1" dirty="0" err="1"/>
-              <a:t>rotational</a:t>
-            </a:r>
-            <a:r>
-              <a:rPr lang="it-IT" b="1" dirty="0"/>
-              <a:t> </a:t>
-            </a:r>
-            <a:r>
-              <a:rPr lang="it-IT" b="1" dirty="0" err="1"/>
-              <a:t>energy</a:t>
-            </a:r>
-            <a:endParaRPr lang="it-IT" b="1" dirty="0"/>
+              <a:rPr lang="en-US" b="1" dirty="0"/>
+              <a:t>From electrical to rotational energy</a:t>
+            </a:r>
           </a:p>
           <a:p>
             <a:pPr marL="0" indent="0">
               <a:buNone/>
             </a:pPr>
             <a:r>
-              <a:rPr lang="it-IT" dirty="0"/>
-              <a:t>Two </a:t>
-            </a:r>
-            <a:r>
-              <a:rPr lang="it-IT" dirty="0" err="1"/>
-              <a:t>permanent</a:t>
-            </a:r>
-            <a:r>
-              <a:rPr lang="it-IT" dirty="0"/>
-              <a:t> </a:t>
-            </a:r>
-            <a:r>
-              <a:rPr lang="it-IT" dirty="0" err="1"/>
-              <a:t>magnets</a:t>
-            </a:r>
-            <a:r>
-              <a:rPr lang="it-IT" dirty="0"/>
-              <a:t> are </a:t>
-            </a:r>
-            <a:r>
-              <a:rPr lang="it-IT" dirty="0" err="1"/>
-              <a:t>placed</a:t>
-            </a:r>
-            <a:r>
-              <a:rPr lang="it-IT" dirty="0"/>
-              <a:t> </a:t>
-            </a:r>
-            <a:r>
-              <a:rPr lang="it-IT" dirty="0" err="1"/>
-              <a:t>next</a:t>
-            </a:r>
-            <a:r>
-              <a:rPr lang="it-IT" dirty="0"/>
-              <a:t> to an </a:t>
-            </a:r>
-            <a:r>
-              <a:rPr lang="it-IT" dirty="0" err="1"/>
-              <a:t>electromagnet</a:t>
-            </a:r>
-            <a:r>
-              <a:rPr lang="it-IT" dirty="0"/>
-              <a:t> </a:t>
-            </a:r>
-            <a:r>
-              <a:rPr lang="it-IT" dirty="0" err="1"/>
-              <a:t>whose</a:t>
-            </a:r>
-            <a:r>
-              <a:rPr lang="it-IT" dirty="0"/>
-              <a:t> </a:t>
-            </a:r>
-            <a:r>
-              <a:rPr lang="it-IT" dirty="0" err="1"/>
-              <a:t>inductor</a:t>
-            </a:r>
-            <a:r>
-              <a:rPr lang="it-IT" dirty="0"/>
-              <a:t> </a:t>
-            </a:r>
-            <a:r>
-              <a:rPr lang="it-IT" dirty="0" err="1"/>
-              <a:t>connectors</a:t>
-            </a:r>
-            <a:r>
-              <a:rPr lang="it-IT" dirty="0"/>
-              <a:t> (a </a:t>
-            </a:r>
-            <a:r>
               <a:rPr lang="en-US" dirty="0"/>
-              <a:t>pair of brushes</a:t>
-            </a:r>
-            <a:r>
-              <a:rPr lang="it-IT" dirty="0"/>
-              <a:t>) are </a:t>
-            </a:r>
-            <a:r>
-              <a:rPr lang="it-IT" dirty="0" err="1"/>
-              <a:t>placed</a:t>
-            </a:r>
-            <a:r>
-              <a:rPr lang="it-IT" dirty="0"/>
-              <a:t> in </a:t>
-            </a:r>
-            <a:r>
-              <a:rPr lang="it-IT" dirty="0" err="1"/>
-              <a:t>contact</a:t>
-            </a:r>
-            <a:r>
-              <a:rPr lang="it-IT" dirty="0"/>
-              <a:t> with a </a:t>
-            </a:r>
-            <a:r>
-              <a:rPr lang="en-US" dirty="0"/>
-              <a:t>split-ring commutator</a:t>
-            </a:r>
-            <a:r>
-              <a:rPr lang="it-IT" dirty="0"/>
-              <a:t>.</a:t>
+              <a:t>Two permanent magnets are placed next to an electromagnet whose inductor connectors (a pair of brushes) are placed in contact with a split-ring commutator.</a:t>
             </a:r>
           </a:p>
           <a:p>
@@ -15783,94 +15857,9 @@
               <a:buNone/>
             </a:pPr>
             <a:r>
-              <a:rPr lang="it-IT" dirty="0"/>
-              <a:t>With </a:t>
-            </a:r>
-            <a:r>
-              <a:rPr lang="it-IT" dirty="0" err="1"/>
-              <a:t>this</a:t>
-            </a:r>
-            <a:r>
-              <a:rPr lang="it-IT" dirty="0"/>
-              <a:t> </a:t>
-            </a:r>
-            <a:r>
-              <a:rPr lang="it-IT" dirty="0" err="1"/>
-              <a:t>simple</a:t>
-            </a:r>
-            <a:r>
-              <a:rPr lang="it-IT" dirty="0"/>
-              <a:t> </a:t>
-            </a:r>
-            <a:r>
-              <a:rPr lang="it-IT" dirty="0" err="1"/>
-              <a:t>configuration</a:t>
-            </a:r>
-            <a:r>
-              <a:rPr lang="it-IT" dirty="0"/>
-              <a:t> </a:t>
-            </a:r>
-            <a:r>
-              <a:rPr lang="it-IT" dirty="0" err="1"/>
-              <a:t>shown</a:t>
-            </a:r>
-            <a:r>
-              <a:rPr lang="it-IT" dirty="0"/>
-              <a:t> in </a:t>
-            </a:r>
-            <a:r>
-              <a:rPr lang="it-IT" dirty="0" err="1"/>
-              <a:t>these</a:t>
-            </a:r>
-            <a:r>
-              <a:rPr lang="it-IT" dirty="0"/>
-              <a:t> pictures (</a:t>
-            </a:r>
-            <a:r>
-              <a:rPr lang="it-IT" dirty="0" err="1"/>
-              <a:t>real</a:t>
-            </a:r>
-            <a:r>
-              <a:rPr lang="it-IT" dirty="0"/>
-              <a:t> DC </a:t>
-            </a:r>
-            <a:r>
-              <a:rPr lang="it-IT" dirty="0" err="1"/>
-              <a:t>motors</a:t>
-            </a:r>
-            <a:r>
-              <a:rPr lang="it-IT" dirty="0"/>
-              <a:t> </a:t>
-            </a:r>
-            <a:r>
-              <a:rPr lang="it-IT" dirty="0" err="1"/>
-              <a:t>may</a:t>
-            </a:r>
-            <a:r>
-              <a:rPr lang="it-IT" dirty="0"/>
-              <a:t> </a:t>
-            </a:r>
-            <a:r>
-              <a:rPr lang="it-IT" dirty="0" err="1"/>
-              <a:t>have</a:t>
-            </a:r>
-            <a:r>
-              <a:rPr lang="it-IT" dirty="0"/>
-              <a:t> more </a:t>
-            </a:r>
-            <a:r>
-              <a:rPr lang="it-IT" dirty="0" err="1"/>
-              <a:t>than</a:t>
-            </a:r>
-            <a:r>
-              <a:rPr lang="it-IT" dirty="0"/>
-              <a:t> 2 sectors), </a:t>
-            </a:r>
-            <a:r>
               <a:rPr lang="en-US" dirty="0"/>
-              <a:t>as the electromagnet is moving its polarity is changing and the shaft may keep rotating.</a:t>
-            </a:r>
-            <a:endParaRPr lang="it-IT" dirty="0"/>
+              <a:t>With this simple configuration shown in these pictures (real DC motors may have more than 2 sectors), as the electromagnet is moving its polarity is changing and the shaft may keep rotating.</a:t>
+            </a:r>
           </a:p>
         </p:txBody>
       </p:sp>
@@ -16032,12 +16021,8 @@
           <a:lstStyle/>
           <a:p>
             <a:r>
-              <a:rPr lang="it-IT" dirty="0" err="1"/>
-              <a:t>Controlling</a:t>
-            </a:r>
-            <a:r>
-              <a:rPr lang="it-IT" dirty="0"/>
-              <a:t> the Speed with PWM</a:t>
+              <a:rPr lang="en-US" dirty="0"/>
+              <a:t>Controlling the Speed with PWM</a:t>
             </a:r>
           </a:p>
         </p:txBody>
@@ -16101,180 +16086,24 @@
               <a:buNone/>
             </a:pPr>
             <a:r>
-              <a:rPr lang="it-IT" dirty="0"/>
-              <a:t>In </a:t>
-            </a:r>
-            <a:r>
-              <a:rPr lang="it-IT" dirty="0" err="1"/>
-              <a:t>order</a:t>
-            </a:r>
-            <a:r>
-              <a:rPr lang="it-IT" dirty="0"/>
-              <a:t> to </a:t>
-            </a:r>
-            <a:r>
-              <a:rPr lang="it-IT" dirty="0" err="1"/>
-              <a:t>have</a:t>
-            </a:r>
-            <a:r>
-              <a:rPr lang="it-IT" dirty="0"/>
+              <a:rPr lang="en-US" dirty="0"/>
+              <a:t>In order to have different speeds on a DC motor, it’s </a:t>
+            </a:r>
+            <a:r>
+              <a:rPr lang="en-US" dirty="0" err="1"/>
+              <a:t>sufficent</a:t>
+            </a:r>
+            <a:r>
+              <a:rPr lang="en-US" dirty="0"/>
+              <a:t> to provide different values of voltage.</a:t>
+            </a:r>
+            <a:r>
+              <a:rPr lang="en-US" b="1" dirty="0"/>
               <a:t> </a:t>
             </a:r>
             <a:r>
-              <a:rPr lang="it-IT" dirty="0" err="1"/>
-              <a:t>different</a:t>
-            </a:r>
-            <a:r>
-              <a:rPr lang="it-IT" dirty="0"/>
-              <a:t> speeds on a DC </a:t>
-            </a:r>
-            <a:r>
-              <a:rPr lang="it-IT" dirty="0" err="1"/>
-              <a:t>motor</a:t>
-            </a:r>
-            <a:r>
-              <a:rPr lang="it-IT" dirty="0"/>
-              <a:t>, </a:t>
-            </a:r>
-            <a:r>
-              <a:rPr lang="it-IT" dirty="0" err="1"/>
-              <a:t>it’s</a:t>
-            </a:r>
-            <a:r>
-              <a:rPr lang="it-IT" dirty="0"/>
-              <a:t> </a:t>
-            </a:r>
-            <a:r>
-              <a:rPr lang="it-IT" dirty="0" err="1"/>
-              <a:t>sufficent</a:t>
-            </a:r>
-            <a:r>
-              <a:rPr lang="it-IT" dirty="0"/>
-              <a:t> to </a:t>
-            </a:r>
-            <a:r>
-              <a:rPr lang="it-IT" dirty="0" err="1"/>
-              <a:t>provide</a:t>
-            </a:r>
-            <a:r>
-              <a:rPr lang="it-IT" dirty="0"/>
-              <a:t> </a:t>
-            </a:r>
-            <a:r>
-              <a:rPr lang="it-IT" dirty="0" err="1"/>
-              <a:t>different</a:t>
-            </a:r>
-            <a:r>
-              <a:rPr lang="it-IT" dirty="0"/>
-              <a:t> </a:t>
-            </a:r>
-            <a:r>
-              <a:rPr lang="it-IT" dirty="0" err="1"/>
-              <a:t>values</a:t>
-            </a:r>
-            <a:r>
-              <a:rPr lang="it-IT" dirty="0"/>
-              <a:t> of </a:t>
-            </a:r>
-            <a:r>
-              <a:rPr lang="it-IT" dirty="0" err="1"/>
-              <a:t>voltage</a:t>
-            </a:r>
-            <a:r>
-              <a:rPr lang="it-IT" dirty="0"/>
-              <a:t>.</a:t>
-            </a:r>
-            <a:r>
-              <a:rPr lang="it-IT" b="1" dirty="0"/>
-              <a:t> </a:t>
-            </a:r>
-            <a:r>
-              <a:rPr lang="it-IT" dirty="0" err="1"/>
-              <a:t>But</a:t>
-            </a:r>
-            <a:r>
-              <a:rPr lang="it-IT" dirty="0"/>
-              <a:t> </a:t>
-            </a:r>
-            <a:r>
-              <a:rPr lang="it-IT" dirty="0" err="1"/>
-              <a:t>how</a:t>
-            </a:r>
-            <a:r>
-              <a:rPr lang="it-IT" dirty="0"/>
-              <a:t> can </a:t>
-            </a:r>
-            <a:r>
-              <a:rPr lang="it-IT" dirty="0" err="1"/>
-              <a:t>we</a:t>
-            </a:r>
-            <a:r>
-              <a:rPr lang="it-IT" dirty="0"/>
-              <a:t> </a:t>
-            </a:r>
-            <a:r>
-              <a:rPr lang="it-IT" dirty="0" err="1"/>
-              <a:t>provide</a:t>
-            </a:r>
-            <a:r>
-              <a:rPr lang="it-IT" dirty="0"/>
-              <a:t> </a:t>
-            </a:r>
-            <a:r>
-              <a:rPr lang="it-IT" dirty="0" err="1"/>
-              <a:t>such</a:t>
-            </a:r>
-            <a:r>
-              <a:rPr lang="it-IT" dirty="0"/>
-              <a:t> </a:t>
-            </a:r>
-            <a:r>
-              <a:rPr lang="it-IT" dirty="0" err="1"/>
-              <a:t>values</a:t>
-            </a:r>
-            <a:r>
-              <a:rPr lang="it-IT" dirty="0"/>
-              <a:t> </a:t>
-            </a:r>
-            <a:r>
-              <a:rPr lang="it-IT" dirty="0" err="1"/>
-              <a:t>when</a:t>
-            </a:r>
-            <a:r>
-              <a:rPr lang="it-IT" dirty="0"/>
-              <a:t> or </a:t>
-            </a:r>
-            <a:r>
-              <a:rPr lang="it-IT" dirty="0" err="1"/>
-              <a:t>microcontrollers</a:t>
-            </a:r>
-            <a:r>
-              <a:rPr lang="it-IT" dirty="0"/>
-              <a:t> </a:t>
-            </a:r>
-            <a:r>
-              <a:rPr lang="it-IT" dirty="0" err="1"/>
-              <a:t>only</a:t>
-            </a:r>
-            <a:r>
-              <a:rPr lang="it-IT" dirty="0"/>
-              <a:t> support Digital </a:t>
-            </a:r>
-            <a:r>
-              <a:rPr lang="it-IT" dirty="0" err="1"/>
-              <a:t>Outputs</a:t>
-            </a:r>
-            <a:r>
-              <a:rPr lang="it-IT" dirty="0"/>
-              <a:t> (e.g. </a:t>
-            </a:r>
-            <a:r>
-              <a:rPr lang="it-IT" dirty="0" err="1"/>
-              <a:t>all</a:t>
-            </a:r>
-            <a:r>
-              <a:rPr lang="it-IT" dirty="0"/>
-              <a:t> or nothing)?</a:t>
+              <a:rPr lang="en-US" dirty="0"/>
+              <a:t>But how can we provide such values when or microcontrollers only support Digital Outputs (e.g. all or nothing)?</a:t>
             </a:r>
           </a:p>
           <a:p>
@@ -16292,11 +16121,7 @@
             </a:pPr>
             <a:r>
               <a:rPr lang="en-US" dirty="0"/>
-              <a:t>PWM is a technique which permits to adjust the average value of the voltage that’s going to the electronic device by turning on and off the power at a fast rate. The average voltage depends on the duty cycle</a:t>
-            </a:r>
-            <a:r>
-              <a:rPr lang="it-IT" dirty="0"/>
-              <a:t>.</a:t>
+              <a:t>PWM is a technique which permits to adjust the average value of the voltage that’s going to the electronic device by turning on and off the power at a fast rate. The average voltage depends on the duty cycle.</a:t>
             </a:r>
           </a:p>
           <a:p>
@@ -16304,60 +16129,8 @@
               <a:buNone/>
             </a:pPr>
             <a:r>
-              <a:rPr lang="it-IT" dirty="0" err="1"/>
-              <a:t>Almost</a:t>
-            </a:r>
-            <a:r>
-              <a:rPr lang="it-IT" dirty="0"/>
-              <a:t> </a:t>
-            </a:r>
-            <a:r>
-              <a:rPr lang="it-IT" dirty="0" err="1"/>
-              <a:t>every</a:t>
-            </a:r>
-            <a:r>
-              <a:rPr lang="it-IT" dirty="0"/>
-              <a:t> Arduino </a:t>
-            </a:r>
-            <a:r>
-              <a:rPr lang="it-IT" dirty="0" err="1"/>
-              <a:t>module</a:t>
-            </a:r>
-            <a:r>
-              <a:rPr lang="it-IT" dirty="0"/>
-              <a:t> and shield </a:t>
-            </a:r>
-            <a:r>
-              <a:rPr lang="it-IT" dirty="0" err="1"/>
-              <a:t>comes</a:t>
-            </a:r>
-            <a:r>
-              <a:rPr lang="it-IT" dirty="0"/>
-              <a:t> with </a:t>
-            </a:r>
-            <a:r>
-              <a:rPr lang="it-IT" dirty="0" err="1"/>
-              <a:t>at</a:t>
-            </a:r>
-            <a:r>
-              <a:rPr lang="it-IT" dirty="0"/>
-              <a:t> </a:t>
-            </a:r>
-            <a:r>
-              <a:rPr lang="it-IT" dirty="0" err="1"/>
-              <a:t>least</a:t>
-            </a:r>
-            <a:r>
-              <a:rPr lang="it-IT" dirty="0"/>
-              <a:t> one GPIO </a:t>
-            </a:r>
-            <a:r>
-              <a:rPr lang="it-IT" dirty="0" err="1"/>
-              <a:t>which</a:t>
-            </a:r>
-            <a:r>
-              <a:rPr lang="it-IT" dirty="0"/>
-              <a:t> supports PWM.</a:t>
+              <a:rPr lang="en-US" dirty="0"/>
+              <a:t>Almost every Arduino module and shield comes with at least one GPIO which supports PWM.</a:t>
             </a:r>
           </a:p>
         </p:txBody>
@@ -16462,26 +16235,9 @@
           <a:lstStyle/>
           <a:p>
             <a:r>
-              <a:rPr lang="it-IT" dirty="0" err="1"/>
-              <a:t>Controlling</a:t>
-            </a:r>
-            <a:r>
-              <a:rPr lang="it-IT" dirty="0"/>
-              <a:t> </a:t>
-            </a:r>
-            <a:r>
-              <a:rPr lang="it-IT" dirty="0" err="1"/>
-              <a:t>Everything</a:t>
-            </a:r>
-            <a:r>
-              <a:rPr lang="it-IT" dirty="0"/>
-              <a:t> with One </a:t>
-            </a:r>
-            <a:r>
-              <a:rPr lang="it-IT" dirty="0" err="1"/>
-              <a:t>Module</a:t>
-            </a:r>
-            <a:endParaRPr lang="it-IT" dirty="0"/>
+              <a:rPr lang="en-US" dirty="0"/>
+              <a:t>Controlling Everything with One Module</a:t>
+            </a:r>
           </a:p>
         </p:txBody>
       </p:sp>
@@ -16512,127 +16268,15 @@
               <a:buNone/>
             </a:pPr>
             <a:r>
-              <a:rPr lang="it-IT" dirty="0"/>
-              <a:t>In </a:t>
-            </a:r>
-            <a:r>
-              <a:rPr lang="it-IT" dirty="0" err="1"/>
-              <a:t>order</a:t>
-            </a:r>
-            <a:r>
-              <a:rPr lang="it-IT" dirty="0"/>
-              <a:t> to control </a:t>
-            </a:r>
-            <a:r>
-              <a:rPr lang="it-IT" dirty="0" err="1"/>
-              <a:t>both</a:t>
-            </a:r>
-            <a:r>
-              <a:rPr lang="it-IT" dirty="0"/>
-              <a:t> the PWM ‘</a:t>
-            </a:r>
-            <a:r>
-              <a:rPr lang="it-IT" dirty="0" err="1"/>
-              <a:t>voltage</a:t>
-            </a:r>
-            <a:r>
-              <a:rPr lang="it-IT" dirty="0"/>
-              <a:t>’ and the </a:t>
-            </a:r>
-            <a:r>
-              <a:rPr lang="it-IT" dirty="0" err="1"/>
-              <a:t>wheels</a:t>
-            </a:r>
-            <a:r>
-              <a:rPr lang="it-IT" dirty="0"/>
-              <a:t>’ </a:t>
-            </a:r>
-            <a:r>
-              <a:rPr lang="it-IT" dirty="0" err="1"/>
-              <a:t>direction</a:t>
-            </a:r>
-            <a:r>
-              <a:rPr lang="it-IT" dirty="0"/>
-              <a:t> (</a:t>
-            </a:r>
-            <a:r>
-              <a:rPr lang="it-IT" dirty="0" err="1"/>
-              <a:t>inverting</a:t>
-            </a:r>
-            <a:r>
-              <a:rPr lang="it-IT" dirty="0"/>
-              <a:t> the </a:t>
-            </a:r>
-            <a:r>
-              <a:rPr lang="it-IT" dirty="0" err="1"/>
-              <a:t>voltage</a:t>
-            </a:r>
-            <a:r>
-              <a:rPr lang="it-IT" dirty="0"/>
-              <a:t> </a:t>
-            </a:r>
-            <a:r>
-              <a:rPr lang="it-IT" dirty="0" err="1"/>
-              <a:t>means</a:t>
-            </a:r>
-            <a:r>
-              <a:rPr lang="it-IT" dirty="0"/>
-              <a:t> </a:t>
-            </a:r>
-            <a:r>
-              <a:rPr lang="it-IT" dirty="0" err="1"/>
-              <a:t>inverting</a:t>
-            </a:r>
-            <a:r>
-              <a:rPr lang="it-IT" dirty="0"/>
-              <a:t> the </a:t>
-            </a:r>
-            <a:r>
-              <a:rPr lang="it-IT" dirty="0" err="1"/>
-              <a:t>rotation</a:t>
-            </a:r>
-            <a:r>
-              <a:rPr lang="it-IT" dirty="0"/>
-              <a:t>), the </a:t>
-            </a:r>
-            <a:r>
-              <a:rPr lang="it-IT" dirty="0" err="1"/>
-              <a:t>most</a:t>
-            </a:r>
-            <a:r>
-              <a:rPr lang="it-IT" dirty="0"/>
-              <a:t> common </a:t>
-            </a:r>
-            <a:r>
-              <a:rPr lang="it-IT" dirty="0" err="1"/>
-              <a:t>module</a:t>
-            </a:r>
-            <a:r>
-              <a:rPr lang="it-IT" dirty="0"/>
-              <a:t> in </a:t>
-            </a:r>
-            <a:r>
-              <a:rPr lang="it-IT" dirty="0" err="1"/>
-              <a:t>amatorial</a:t>
-            </a:r>
-            <a:r>
-              <a:rPr lang="it-IT" dirty="0"/>
-              <a:t> projects </a:t>
-            </a:r>
-            <a:r>
-              <a:rPr lang="it-IT" dirty="0" err="1"/>
-              <a:t>is</a:t>
-            </a:r>
-            <a:r>
-              <a:rPr lang="it-IT" dirty="0"/>
-              <a:t> the </a:t>
-            </a:r>
-            <a:r>
-              <a:rPr lang="it-IT" b="1" dirty="0"/>
+              <a:rPr lang="en-US" dirty="0"/>
+              <a:t>In order to control both the PWM ‘voltage’ and the wheels’ direction (inverting the voltage means inverting the rotation), the most common module in amatorial projects is the </a:t>
+            </a:r>
+            <a:r>
+              <a:rPr lang="en-US" b="1" dirty="0"/>
               <a:t>L298N</a:t>
             </a:r>
             <a:r>
-              <a:rPr lang="it-IT" dirty="0"/>
+              <a:rPr lang="en-US" dirty="0"/>
               <a:t>.</a:t>
             </a:r>
           </a:p>
@@ -16641,24 +16285,8 @@
               <a:buNone/>
             </a:pPr>
             <a:r>
-              <a:rPr lang="it-IT" dirty="0" err="1"/>
-              <a:t>This</a:t>
-            </a:r>
-            <a:r>
-              <a:rPr lang="it-IT" dirty="0"/>
-              <a:t> </a:t>
-            </a:r>
-            <a:r>
-              <a:rPr lang="it-IT" dirty="0" err="1"/>
-              <a:t>module</a:t>
-            </a:r>
-            <a:r>
-              <a:rPr lang="it-IT" dirty="0"/>
-              <a:t> supports </a:t>
-            </a:r>
-            <a:r>
               <a:rPr lang="en-US" dirty="0"/>
-              <a:t>voltages between 5 and 35V, with a peak current up to 2A.</a:t>
+              <a:t>This module supports voltages between 5 and 35V, with a peak current up to 2A.</a:t>
             </a:r>
           </a:p>
           <a:p>
@@ -16669,7 +16297,6 @@
               <a:rPr lang="en-US" dirty="0"/>
               <a:t>Here we show a single module capable of controlling two wheels at the same time, but we actually make use of a bigger module with 2xL298N and some support circuits for controlling also Servo Motors.</a:t>
             </a:r>
-            <a:endParaRPr lang="it-IT" dirty="0"/>
           </a:p>
         </p:txBody>
       </p:sp>
@@ -16843,34 +16470,9 @@
           <a:lstStyle/>
           <a:p>
             <a:r>
-              <a:rPr lang="it-IT" dirty="0"/>
-              <a:t>Inside a Servo Motor</a:t>
-            </a:r>
-          </a:p>
-        </p:txBody>
-      </p:sp>
-      <p:sp>
-        <p:nvSpPr>
-          <p:cNvPr id="3" name="Segnaposto contenuto 2">
-            <a:extLst>
-              <a:ext uri="{FF2B5EF4-FFF2-40B4-BE49-F238E27FC236}">
-                <a16:creationId xmlns:a16="http://schemas.microsoft.com/office/drawing/2014/main" id="{C7637D0D-51BA-4A99-A137-E400C157260F}"/>
-              </a:ext>
-            </a:extLst>
-          </p:cNvPr>
-          <p:cNvSpPr>
-            <a:spLocks noGrp="1"/>
-          </p:cNvSpPr>
-          <p:nvPr>
-            <p:ph sz="half" idx="1"/>
-          </p:nvPr>
-        </p:nvSpPr>
-        <p:spPr/>
-        <p:txBody>
-          <a:bodyPr/>
-          <a:lstStyle/>
-          <a:p>
-            <a:endParaRPr lang="it-IT"/>
+              <a:rPr lang="en-US" dirty="0"/>
+              <a:t>Servomotors</a:t>
+            </a:r>
           </a:p>
         </p:txBody>
       </p:sp>
@@ -16890,15 +16492,149 @@
             <p:ph sz="half" idx="2"/>
           </p:nvPr>
         </p:nvSpPr>
-        <p:spPr/>
+        <p:spPr>
+          <a:xfrm>
+            <a:off x="6324600" y="1981199"/>
+            <a:ext cx="4572000" cy="3810001"/>
+          </a:xfrm>
+        </p:spPr>
         <p:txBody>
-          <a:bodyPr/>
+          <a:bodyPr>
+            <a:normAutofit fontScale="92500" lnSpcReduction="20000"/>
+          </a:bodyPr>
           <a:lstStyle/>
           <a:p>
-            <a:endParaRPr lang="it-IT"/>
+            <a:pPr marL="0" indent="0">
+              <a:buNone/>
+            </a:pPr>
+            <a:r>
+              <a:rPr lang="en-US" b="1" dirty="0"/>
+              <a:t>Perfect control over angular position</a:t>
+            </a:r>
+          </a:p>
+          <a:p>
+            <a:pPr marL="0" indent="0">
+              <a:buNone/>
+            </a:pPr>
+            <a:r>
+              <a:rPr lang="en-US" dirty="0"/>
+              <a:t>Servomotor is a term used to refer to motors suitable for use in a closed-loop control system (e.g. a system where the control action from the controller is dependent on feedback from the process).</a:t>
+            </a:r>
+          </a:p>
+          <a:p>
+            <a:pPr marL="0" indent="0">
+              <a:buNone/>
+            </a:pPr>
+            <a:r>
+              <a:rPr lang="en-US" dirty="0"/>
+              <a:t>In our contest, our servomotor is a rotary actuator whose orientation can be precisely controlled with a simple PWM signal.</a:t>
+            </a:r>
+          </a:p>
+          <a:p>
+            <a:pPr marL="0" indent="0">
+              <a:buNone/>
+            </a:pPr>
+            <a:r>
+              <a:rPr lang="en-US" dirty="0"/>
+              <a:t>This allows us to make the Echo Locator of the car ‘look around’ at precise degrees.</a:t>
+            </a:r>
           </a:p>
         </p:txBody>
       </p:sp>
+      <p:pic>
+        <p:nvPicPr>
+          <p:cNvPr id="1026" name="Picture 2" descr="Image result for servo motor arduino">
+            <a:extLst>
+              <a:ext uri="{FF2B5EF4-FFF2-40B4-BE49-F238E27FC236}">
+                <a16:creationId xmlns:a16="http://schemas.microsoft.com/office/drawing/2014/main" id="{DDF6D593-5AF4-430C-B9CD-2377E81C4B3C}"/>
+              </a:ext>
+            </a:extLst>
+          </p:cNvPr>
+          <p:cNvPicPr>
+            <a:picLocks noChangeAspect="1" noChangeArrowheads="1"/>
+          </p:cNvPicPr>
+          <p:nvPr/>
+        </p:nvPicPr>
+        <p:blipFill>
+          <a:blip r:embed="rId2">
+            <a:extLst>
+              <a:ext uri="{28A0092B-C50C-407E-A947-70E740481C1C}">
+                <a14:useLocalDpi xmlns:a14="http://schemas.microsoft.com/office/drawing/2010/main" val="0"/>
+              </a:ext>
+            </a:extLst>
+          </a:blip>
+          <a:srcRect/>
+          <a:stretch>
+            <a:fillRect/>
+          </a:stretch>
+        </p:blipFill>
+        <p:spPr bwMode="auto">
+          <a:xfrm>
+            <a:off x="669759" y="1981199"/>
+            <a:ext cx="3854116" cy="2220633"/>
+          </a:xfrm>
+          <a:prstGeom prst="rect">
+            <a:avLst/>
+          </a:prstGeom>
+          <a:noFill/>
+          <a:extLst>
+            <a:ext uri="{909E8E84-426E-40DD-AFC4-6F175D3DCCD1}">
+              <a14:hiddenFill xmlns:a14="http://schemas.microsoft.com/office/drawing/2010/main">
+                <a:solidFill>
+                  <a:srgbClr val="FFFFFF"/>
+                </a:solidFill>
+              </a14:hiddenFill>
+            </a:ext>
+          </a:extLst>
+        </p:spPr>
+      </p:pic>
+      <p:pic>
+        <p:nvPicPr>
+          <p:cNvPr id="1028" name="Picture 4" descr="Image result for servo motor arduino">
+            <a:extLst>
+              <a:ext uri="{FF2B5EF4-FFF2-40B4-BE49-F238E27FC236}">
+                <a16:creationId xmlns:a16="http://schemas.microsoft.com/office/drawing/2014/main" id="{9CCE7C99-F1CF-42E8-ACED-CC7D2C69C581}"/>
+              </a:ext>
+            </a:extLst>
+          </p:cNvPr>
+          <p:cNvPicPr>
+            <a:picLocks noChangeAspect="1" noChangeArrowheads="1"/>
+          </p:cNvPicPr>
+          <p:nvPr/>
+        </p:nvPicPr>
+        <p:blipFill>
+          <a:blip r:embed="rId3">
+            <a:extLst>
+              <a:ext uri="{28A0092B-C50C-407E-A947-70E740481C1C}">
+                <a14:useLocalDpi xmlns:a14="http://schemas.microsoft.com/office/drawing/2010/main" val="0"/>
+              </a:ext>
+            </a:extLst>
+          </a:blip>
+          <a:srcRect/>
+          <a:stretch>
+            <a:fillRect/>
+          </a:stretch>
+        </p:blipFill>
+        <p:spPr bwMode="auto">
+          <a:xfrm>
+            <a:off x="2494050" y="4260126"/>
+            <a:ext cx="2930187" cy="1681389"/>
+          </a:xfrm>
+          <a:prstGeom prst="rect">
+            <a:avLst/>
+          </a:prstGeom>
+          <a:noFill/>
+          <a:extLst>
+            <a:ext uri="{909E8E84-426E-40DD-AFC4-6F175D3DCCD1}">
+              <a14:hiddenFill xmlns:a14="http://schemas.microsoft.com/office/drawing/2010/main">
+                <a:solidFill>
+                  <a:srgbClr val="FFFFFF"/>
+                </a:solidFill>
+              </a14:hiddenFill>
+            </a:ext>
+          </a:extLst>
+        </p:spPr>
+      </p:pic>
     </p:spTree>
     <p:extLst>
       <p:ext uri="{BB962C8B-B14F-4D97-AF65-F5344CB8AC3E}">
@@ -16946,7 +16682,7 @@
           <p:cNvPr id="2" name="Titolo 1">
             <a:extLst>
               <a:ext uri="{FF2B5EF4-FFF2-40B4-BE49-F238E27FC236}">
-                <a16:creationId xmlns:a16="http://schemas.microsoft.com/office/drawing/2014/main" id="{B9220C89-53E0-4A4A-B5FC-BB9516F8D258}"/>
+                <a16:creationId xmlns:a16="http://schemas.microsoft.com/office/drawing/2014/main" id="{0166452C-4E3E-470A-9390-53DC0A235417}"/>
               </a:ext>
             </a:extLst>
           </p:cNvPr>
@@ -16963,34 +16699,9 @@
           <a:lstStyle/>
           <a:p>
             <a:r>
-              <a:rPr lang="it-IT" dirty="0"/>
-              <a:t>One more thing… About the Software</a:t>
-            </a:r>
-          </a:p>
-        </p:txBody>
-      </p:sp>
-      <p:sp>
-        <p:nvSpPr>
-          <p:cNvPr id="3" name="Segnaposto contenuto 2">
-            <a:extLst>
-              <a:ext uri="{FF2B5EF4-FFF2-40B4-BE49-F238E27FC236}">
-                <a16:creationId xmlns:a16="http://schemas.microsoft.com/office/drawing/2014/main" id="{998F4545-318E-4EA6-A73B-58FB69FE85A9}"/>
-              </a:ext>
-            </a:extLst>
-          </p:cNvPr>
-          <p:cNvSpPr>
-            <a:spLocks noGrp="1"/>
-          </p:cNvSpPr>
-          <p:nvPr>
-            <p:ph sz="half" idx="1"/>
-          </p:nvPr>
-        </p:nvSpPr>
-        <p:spPr/>
-        <p:txBody>
-          <a:bodyPr/>
-          <a:lstStyle/>
-          <a:p>
-            <a:endParaRPr lang="it-IT"/>
+              <a:rPr lang="en-US" dirty="0"/>
+              <a:t>Servomotors – How do they work?</a:t>
+            </a:r>
           </a:p>
         </p:txBody>
       </p:sp>
@@ -16999,7 +16710,7 @@
           <p:cNvPr id="4" name="Segnaposto contenuto 3">
             <a:extLst>
               <a:ext uri="{FF2B5EF4-FFF2-40B4-BE49-F238E27FC236}">
-                <a16:creationId xmlns:a16="http://schemas.microsoft.com/office/drawing/2014/main" id="{C384A994-C513-4399-90AD-F452404FD635}"/>
+                <a16:creationId xmlns:a16="http://schemas.microsoft.com/office/drawing/2014/main" id="{1C278273-47CA-4A2E-BE99-DE41FA0DDA84}"/>
               </a:ext>
             </a:extLst>
           </p:cNvPr>
@@ -17012,141 +16723,90 @@
         </p:nvSpPr>
         <p:spPr/>
         <p:txBody>
-          <a:bodyPr/>
+          <a:bodyPr>
+            <a:normAutofit fontScale="92500" lnSpcReduction="10000"/>
+          </a:bodyPr>
           <a:lstStyle/>
           <a:p>
-            <a:endParaRPr lang="it-IT"/>
+            <a:pPr marL="0" indent="0">
+              <a:buNone/>
+            </a:pPr>
+            <a:r>
+              <a:rPr lang="en-US" dirty="0"/>
+              <a:t>Servomotors are a simple combination of a DC motor, a potentiometer and a closed-loop control circuit.</a:t>
+            </a:r>
+          </a:p>
+          <a:p>
+            <a:pPr marL="0" indent="0">
+              <a:buNone/>
+            </a:pPr>
+            <a:r>
+              <a:rPr lang="en-US" dirty="0"/>
+              <a:t>The DC motor is attached by gears to control the output shaft orientation. When the shaft of the motor is at the desired position, the power supplied to the motor is stopped by the op-amp in the closed-loop control circuit.</a:t>
+            </a:r>
+          </a:p>
+          <a:p>
+            <a:pPr marL="0" indent="0">
+              <a:buNone/>
+            </a:pPr>
+            <a:r>
+              <a:rPr lang="en-US" dirty="0"/>
+              <a:t>The motor's speed is proportional to the difference between its actual position and desired position. This is called proportional control.</a:t>
+            </a:r>
           </a:p>
         </p:txBody>
       </p:sp>
+      <p:pic>
+        <p:nvPicPr>
+          <p:cNvPr id="2050" name="Picture 2" descr="Image result for servo motor diagram">
+            <a:extLst>
+              <a:ext uri="{FF2B5EF4-FFF2-40B4-BE49-F238E27FC236}">
+                <a16:creationId xmlns:a16="http://schemas.microsoft.com/office/drawing/2014/main" id="{AD8273CF-82AF-44DD-9A38-2951C128AE36}"/>
+              </a:ext>
+            </a:extLst>
+          </p:cNvPr>
+          <p:cNvPicPr>
+            <a:picLocks noChangeAspect="1" noChangeArrowheads="1"/>
+          </p:cNvPicPr>
+          <p:nvPr/>
+        </p:nvPicPr>
+        <p:blipFill>
+          <a:blip r:embed="rId2">
+            <a:extLst>
+              <a:ext uri="{28A0092B-C50C-407E-A947-70E740481C1C}">
+                <a14:useLocalDpi xmlns:a14="http://schemas.microsoft.com/office/drawing/2010/main" val="0"/>
+              </a:ext>
+            </a:extLst>
+          </a:blip>
+          <a:srcRect/>
+          <a:stretch>
+            <a:fillRect/>
+          </a:stretch>
+        </p:blipFill>
+        <p:spPr bwMode="auto">
+          <a:xfrm>
+            <a:off x="1278031" y="2117558"/>
+            <a:ext cx="4433285" cy="3228474"/>
+          </a:xfrm>
+          <a:prstGeom prst="rect">
+            <a:avLst/>
+          </a:prstGeom>
+          <a:noFill/>
+          <a:extLst>
+            <a:ext uri="{909E8E84-426E-40DD-AFC4-6F175D3DCCD1}">
+              <a14:hiddenFill xmlns:a14="http://schemas.microsoft.com/office/drawing/2010/main">
+                <a:solidFill>
+                  <a:srgbClr val="FFFFFF"/>
+                </a:solidFill>
+              </a14:hiddenFill>
+            </a:ext>
+          </a:extLst>
+        </p:spPr>
+      </p:pic>
     </p:spTree>
     <p:extLst>
       <p:ext uri="{BB962C8B-B14F-4D97-AF65-F5344CB8AC3E}">
-        <p14:creationId xmlns:p14="http://schemas.microsoft.com/office/powerpoint/2010/main" val="2128042162"/>
-      </p:ext>
-    </p:extLst>
-  </p:cSld>
-  <p:clrMapOvr>
-    <a:masterClrMapping/>
-  </p:clrMapOvr>
-  <mc:AlternateContent xmlns:mc="http://schemas.openxmlformats.org/markup-compatibility/2006" xmlns:p14="http://schemas.microsoft.com/office/powerpoint/2010/main">
-    <mc:Choice Requires="p14">
-      <p:transition spd="med" p14:dur="700">
-        <p:fade/>
-      </p:transition>
-    </mc:Choice>
-    <mc:Fallback xmlns="">
-      <p:transition spd="med">
-        <p:fade/>
-      </p:transition>
-    </mc:Fallback>
-  </mc:AlternateContent>
-</p:sld>
-</file>
-
-<file path=ppt/slides/slide16.xml><?xml version="1.0" encoding="utf-8"?>
-<p:sld xmlns:a="http://schemas.openxmlformats.org/drawingml/2006/main" xmlns:r="http://schemas.openxmlformats.org/officeDocument/2006/relationships" xmlns:p="http://schemas.openxmlformats.org/presentationml/2006/main">
-  <p:cSld>
-    <p:spTree>
-      <p:nvGrpSpPr>
-        <p:cNvPr id="1" name=""/>
-        <p:cNvGrpSpPr/>
-        <p:nvPr/>
-      </p:nvGrpSpPr>
-      <p:grpSpPr>
-        <a:xfrm>
-          <a:off x="0" y="0"/>
-          <a:ext cx="0" cy="0"/>
-          <a:chOff x="0" y="0"/>
-          <a:chExt cx="0" cy="0"/>
-        </a:xfrm>
-      </p:grpSpPr>
-      <p:sp>
-        <p:nvSpPr>
-          <p:cNvPr id="2" name="Titolo 1">
-            <a:extLst>
-              <a:ext uri="{FF2B5EF4-FFF2-40B4-BE49-F238E27FC236}">
-                <a16:creationId xmlns:a16="http://schemas.microsoft.com/office/drawing/2014/main" id="{62A32C02-B196-4756-BD52-36E0515C229C}"/>
-              </a:ext>
-            </a:extLst>
-          </p:cNvPr>
-          <p:cNvSpPr>
-            <a:spLocks noGrp="1"/>
-          </p:cNvSpPr>
-          <p:nvPr>
-            <p:ph type="title"/>
-          </p:nvPr>
-        </p:nvSpPr>
-        <p:spPr/>
-        <p:txBody>
-          <a:bodyPr/>
-          <a:lstStyle/>
-          <a:p>
-            <a:r>
-              <a:rPr lang="it-IT" dirty="0" err="1"/>
-              <a:t>Webpage</a:t>
-            </a:r>
-            <a:r>
-              <a:rPr lang="it-IT" dirty="0"/>
-              <a:t> and Access Point</a:t>
-            </a:r>
-          </a:p>
-        </p:txBody>
-      </p:sp>
-      <p:sp>
-        <p:nvSpPr>
-          <p:cNvPr id="3" name="Segnaposto contenuto 2">
-            <a:extLst>
-              <a:ext uri="{FF2B5EF4-FFF2-40B4-BE49-F238E27FC236}">
-                <a16:creationId xmlns:a16="http://schemas.microsoft.com/office/drawing/2014/main" id="{06DDF636-5068-4AE4-A86F-465C19C20C6E}"/>
-              </a:ext>
-            </a:extLst>
-          </p:cNvPr>
-          <p:cNvSpPr>
-            <a:spLocks noGrp="1"/>
-          </p:cNvSpPr>
-          <p:nvPr>
-            <p:ph sz="half" idx="1"/>
-          </p:nvPr>
-        </p:nvSpPr>
-        <p:spPr/>
-        <p:txBody>
-          <a:bodyPr/>
-          <a:lstStyle/>
-          <a:p>
-            <a:endParaRPr lang="it-IT"/>
-          </a:p>
-        </p:txBody>
-      </p:sp>
-      <p:sp>
-        <p:nvSpPr>
-          <p:cNvPr id="4" name="Segnaposto contenuto 3">
-            <a:extLst>
-              <a:ext uri="{FF2B5EF4-FFF2-40B4-BE49-F238E27FC236}">
-                <a16:creationId xmlns:a16="http://schemas.microsoft.com/office/drawing/2014/main" id="{B56B3D8C-EB1A-442B-BBAD-CF0413294D58}"/>
-              </a:ext>
-            </a:extLst>
-          </p:cNvPr>
-          <p:cNvSpPr>
-            <a:spLocks noGrp="1"/>
-          </p:cNvSpPr>
-          <p:nvPr>
-            <p:ph sz="half" idx="2"/>
-          </p:nvPr>
-        </p:nvSpPr>
-        <p:spPr/>
-        <p:txBody>
-          <a:bodyPr/>
-          <a:lstStyle/>
-          <a:p>
-            <a:endParaRPr lang="it-IT"/>
-          </a:p>
-        </p:txBody>
-      </p:sp>
-    </p:spTree>
-    <p:extLst>
-      <p:ext uri="{BB962C8B-B14F-4D97-AF65-F5344CB8AC3E}">
-        <p14:creationId xmlns:p14="http://schemas.microsoft.com/office/powerpoint/2010/main" val="601580569"/>
+        <p14:creationId xmlns:p14="http://schemas.microsoft.com/office/powerpoint/2010/main" val="3886677347"/>
       </p:ext>
     </p:extLst>
   </p:cSld>
@@ -17520,7 +17180,7 @@
         <p:spPr/>
         <p:txBody>
           <a:bodyPr>
-            <a:normAutofit fontScale="77500" lnSpcReduction="20000"/>
+            <a:normAutofit fontScale="85000" lnSpcReduction="20000"/>
           </a:bodyPr>
           <a:lstStyle/>
           <a:p>
@@ -17568,7 +17228,19 @@
             </a:pPr>
             <a:r>
               <a:rPr lang="en-US" dirty="0"/>
-              <a:t>You can send and read signals to the sensor manually setting up triggers and delays of 5-10Microseconds with a standard Arduino Board</a:t>
+              <a:t>You can send and read signals to the sensor manually setting up triggers and delays of 5-10</a:t>
+            </a:r>
+            <a:r>
+              <a:rPr lang="el-GR" dirty="0"/>
+              <a:t>μ</a:t>
+            </a:r>
+            <a:r>
+              <a:rPr lang="it-IT" dirty="0"/>
+              <a:t>s</a:t>
+            </a:r>
+            <a:r>
+              <a:rPr lang="en-US" dirty="0"/>
+              <a:t> with a standard Arduino Board</a:t>
             </a:r>
             <a:r>
               <a:rPr lang="en-US" b="1" dirty="0"/>
@@ -17760,30 +17432,10 @@
           <a:lstStyle/>
           <a:p>
             <a:r>
-              <a:rPr lang="it-IT" i="1" dirty="0"/>
-              <a:t>HC-SR04 </a:t>
-            </a:r>
-            <a:r>
-              <a:rPr lang="it-IT" i="1" dirty="0" err="1"/>
-              <a:t>Echo</a:t>
-            </a:r>
-            <a:r>
-              <a:rPr lang="it-IT" i="1" dirty="0"/>
-              <a:t> Locator – </a:t>
-            </a:r>
-            <a:r>
-              <a:rPr lang="it-IT" i="1" dirty="0" err="1"/>
-              <a:t>Schematic</a:t>
-            </a:r>
-            <a:r>
-              <a:rPr lang="it-IT" i="1" dirty="0"/>
-              <a:t> </a:t>
-            </a:r>
-            <a:r>
-              <a:rPr lang="it-IT" i="1" dirty="0" err="1"/>
-              <a:t>Analisys</a:t>
-            </a:r>
-            <a:endParaRPr lang="it-IT" dirty="0"/>
+              <a:rPr lang="en-US" i="1" dirty="0"/>
+              <a:t>HC-SR04 Echo Locator – Schematic Analysis</a:t>
+            </a:r>
+            <a:endParaRPr lang="en-US" dirty="0"/>
           </a:p>
         </p:txBody>
       </p:sp>
@@ -17814,80 +17466,8 @@
               <a:buNone/>
             </a:pPr>
             <a:r>
-              <a:rPr lang="it-IT" dirty="0"/>
-              <a:t>The HC-SR04 </a:t>
-            </a:r>
-            <a:r>
-              <a:rPr lang="it-IT" dirty="0" err="1"/>
-              <a:t>unit</a:t>
-            </a:r>
-            <a:r>
-              <a:rPr lang="it-IT" dirty="0"/>
-              <a:t> </a:t>
-            </a:r>
-            <a:r>
-              <a:rPr lang="it-IT" dirty="0" err="1"/>
-              <a:t>consists</a:t>
-            </a:r>
-            <a:r>
-              <a:rPr lang="it-IT" dirty="0"/>
-              <a:t> of </a:t>
-            </a:r>
-            <a:r>
-              <a:rPr lang="it-IT" dirty="0" err="1"/>
-              <a:t>three</a:t>
-            </a:r>
-            <a:r>
-              <a:rPr lang="it-IT" dirty="0"/>
-              <a:t> </a:t>
-            </a:r>
-            <a:r>
-              <a:rPr lang="it-IT" dirty="0" err="1"/>
-              <a:t>main</a:t>
-            </a:r>
-            <a:r>
-              <a:rPr lang="it-IT" dirty="0"/>
-              <a:t> </a:t>
-            </a:r>
-            <a:r>
-              <a:rPr lang="it-IT" dirty="0" err="1"/>
-              <a:t>parts</a:t>
-            </a:r>
-            <a:r>
-              <a:rPr lang="it-IT" dirty="0"/>
-              <a:t>: </a:t>
-            </a:r>
-            <a:r>
-              <a:rPr lang="it-IT" dirty="0" err="1"/>
-              <a:t>microcontroller</a:t>
-            </a:r>
-            <a:r>
-              <a:rPr lang="it-IT" dirty="0"/>
-              <a:t>, </a:t>
-            </a:r>
-            <a:r>
-              <a:rPr lang="it-IT" dirty="0" err="1"/>
-              <a:t>Transmitter</a:t>
-            </a:r>
-            <a:r>
-              <a:rPr lang="it-IT" dirty="0"/>
-              <a:t> and Receiver with </a:t>
-            </a:r>
-            <a:r>
-              <a:rPr lang="it-IT" dirty="0" err="1"/>
-              <a:t>associated</a:t>
-            </a:r>
-            <a:r>
-              <a:rPr lang="it-IT" dirty="0"/>
-              <a:t> </a:t>
-            </a:r>
-            <a:r>
-              <a:rPr lang="it-IT" dirty="0" err="1"/>
-              <a:t>amplifiers</a:t>
-            </a:r>
-            <a:r>
-              <a:rPr lang="it-IT" dirty="0"/>
-              <a:t>.</a:t>
+              <a:rPr lang="en-US" dirty="0"/>
+              <a:t>The HC-SR04 unit consists of three main parts: microcontroller, Transmitter and Receiver with associated amplifiers.</a:t>
             </a:r>
           </a:p>
           <a:p>
@@ -17895,134 +17475,40 @@
               <a:buNone/>
             </a:pPr>
             <a:r>
-              <a:rPr lang="it-IT" b="1" dirty="0" err="1"/>
-              <a:t>Microcontroller</a:t>
-            </a:r>
-            <a:r>
-              <a:rPr lang="it-IT" b="1" dirty="0"/>
-              <a:t> U1 (EM78P153):</a:t>
+              <a:rPr lang="en-US" b="1" dirty="0"/>
+              <a:t>Microcontroller U1 (EM78P153):</a:t>
             </a:r>
           </a:p>
           <a:p>
             <a:r>
-              <a:rPr lang="it-IT" dirty="0"/>
+              <a:rPr lang="en-US" dirty="0"/>
               <a:t>Interface with </a:t>
             </a:r>
             <a:r>
-              <a:rPr lang="it-IT" dirty="0" err="1"/>
+              <a:rPr lang="en-US" dirty="0" err="1"/>
               <a:t>Trigh</a:t>
             </a:r>
             <a:r>
-              <a:rPr lang="it-IT" dirty="0"/>
-              <a:t> an </a:t>
-            </a:r>
-            <a:r>
-              <a:rPr lang="it-IT" dirty="0" err="1"/>
-              <a:t>Echo</a:t>
-            </a:r>
-            <a:r>
-              <a:rPr lang="it-IT" dirty="0"/>
-              <a:t> </a:t>
-            </a:r>
-            <a:r>
-              <a:rPr lang="it-IT" dirty="0" err="1"/>
-              <a:t>pins</a:t>
-            </a:r>
-            <a:endParaRPr lang="it-IT" dirty="0"/>
+              <a:rPr lang="en-US" dirty="0"/>
+              <a:t> an Echo pins</a:t>
+            </a:r>
           </a:p>
           <a:p>
             <a:r>
-              <a:rPr lang="it-IT" dirty="0"/>
-              <a:t>Timing </a:t>
-            </a:r>
-            <a:r>
               <a:rPr lang="en-US" dirty="0"/>
-              <a:t>and sending antiphase burst</a:t>
-            </a:r>
-            <a:endParaRPr lang="it-IT" dirty="0"/>
+              <a:t>Timing and sending antiphase burst</a:t>
+            </a:r>
           </a:p>
           <a:p>
             <a:r>
-              <a:rPr lang="it-IT" dirty="0" err="1"/>
-              <a:t>Squelch</a:t>
-            </a:r>
-            <a:r>
-              <a:rPr lang="it-IT" dirty="0"/>
-              <a:t> control (i.e. cutting receiver </a:t>
-            </a:r>
-            <a:r>
-              <a:rPr lang="it-IT" dirty="0" err="1"/>
-              <a:t>during</a:t>
-            </a:r>
-            <a:r>
-              <a:rPr lang="it-IT" dirty="0"/>
-              <a:t> transmission in </a:t>
-            </a:r>
-            <a:r>
-              <a:rPr lang="it-IT" dirty="0" err="1"/>
-              <a:t>order</a:t>
-            </a:r>
-            <a:r>
-              <a:rPr lang="it-IT" dirty="0"/>
-              <a:t> to </a:t>
-            </a:r>
-            <a:r>
-              <a:rPr lang="it-IT" dirty="0" err="1"/>
-              <a:t>avoid</a:t>
-            </a:r>
-            <a:r>
-              <a:rPr lang="it-IT" dirty="0"/>
-              <a:t> </a:t>
-            </a:r>
-            <a:r>
-              <a:rPr lang="it-IT" dirty="0" err="1"/>
-              <a:t>bogus</a:t>
-            </a:r>
-            <a:r>
-              <a:rPr lang="it-IT" dirty="0"/>
-              <a:t> </a:t>
-            </a:r>
-            <a:r>
-              <a:rPr lang="it-IT" dirty="0" err="1"/>
-              <a:t>echos</a:t>
-            </a:r>
-            <a:r>
-              <a:rPr lang="it-IT" dirty="0"/>
-              <a:t>)</a:t>
+              <a:rPr lang="en-US" dirty="0"/>
+              <a:t>Squelch control (i.e. cutting receiver during transmission in order to avoid bogus echoes)</a:t>
             </a:r>
           </a:p>
           <a:p>
             <a:r>
-              <a:rPr lang="it-IT" dirty="0" err="1"/>
-              <a:t>Receiving</a:t>
-            </a:r>
-            <a:r>
-              <a:rPr lang="it-IT" dirty="0"/>
-              <a:t> </a:t>
-            </a:r>
-            <a:r>
-              <a:rPr lang="it-IT" dirty="0" err="1"/>
-              <a:t>processed</a:t>
-            </a:r>
-            <a:r>
-              <a:rPr lang="it-IT" dirty="0"/>
-              <a:t> signal </a:t>
-            </a:r>
-            <a:r>
-              <a:rPr lang="it-IT" dirty="0" err="1"/>
-              <a:t>as</a:t>
-            </a:r>
-            <a:r>
-              <a:rPr lang="it-IT" dirty="0"/>
-              <a:t> a Rising </a:t>
-            </a:r>
-            <a:r>
-              <a:rPr lang="it-IT" dirty="0" err="1"/>
-              <a:t>edge</a:t>
-            </a:r>
-            <a:r>
-              <a:rPr lang="it-IT" dirty="0"/>
-              <a:t> interrupt</a:t>
+              <a:rPr lang="en-US" dirty="0"/>
+              <a:t>Receiving processed signal as a Rising edge interrupt</a:t>
             </a:r>
           </a:p>
           <a:p>
@@ -18030,12 +17516,8 @@
               <a:buNone/>
             </a:pPr>
             <a:r>
-              <a:rPr lang="it-IT" b="1" dirty="0" err="1"/>
-              <a:t>Transmitter</a:t>
-            </a:r>
-            <a:r>
-              <a:rPr lang="it-IT" b="1" dirty="0"/>
-              <a:t> U3 (MAX232):</a:t>
+              <a:rPr lang="en-US" b="1" dirty="0"/>
+              <a:t>Transmitter U3 (MAX232):</a:t>
             </a:r>
           </a:p>
           <a:p>
@@ -18049,38 +17531,14 @@
               <a:buNone/>
             </a:pPr>
             <a:r>
-              <a:rPr lang="it-IT" b="1" dirty="0"/>
+              <a:rPr lang="en-US" b="1" dirty="0"/>
               <a:t>Receiver U2 (LM324):</a:t>
             </a:r>
           </a:p>
           <a:p>
             <a:r>
-              <a:rPr lang="it-IT" dirty="0"/>
-              <a:t>Quad op-</a:t>
-            </a:r>
-            <a:r>
-              <a:rPr lang="it-IT" dirty="0" err="1"/>
-              <a:t>amp</a:t>
-            </a:r>
-            <a:r>
-              <a:rPr lang="it-IT" dirty="0"/>
-              <a:t> (low grade 1MHz </a:t>
-            </a:r>
-            <a:r>
-              <a:rPr lang="it-IT" dirty="0" err="1"/>
-              <a:t>unity</a:t>
-            </a:r>
-            <a:r>
-              <a:rPr lang="it-IT" dirty="0"/>
-              <a:t> gain </a:t>
-            </a:r>
-            <a:r>
-              <a:rPr lang="it-IT" dirty="0" err="1"/>
-              <a:t>badwidth</a:t>
-            </a:r>
-            <a:r>
-              <a:rPr lang="it-IT" dirty="0"/>
-              <a:t> device)</a:t>
+              <a:rPr lang="en-US" dirty="0"/>
+              <a:t>Quad op-amp (low grade 1MHz unity gain bandwidth device)</a:t>
             </a:r>
           </a:p>
           <a:p>
@@ -18090,10 +17548,10 @@
             <a:endParaRPr lang="en-US" b="1" dirty="0"/>
           </a:p>
           <a:p>
-            <a:endParaRPr lang="it-IT" dirty="0"/>
+            <a:endParaRPr lang="en-US" dirty="0"/>
           </a:p>
           <a:p>
-            <a:endParaRPr lang="it-IT" dirty="0"/>
+            <a:endParaRPr lang="en-US" dirty="0"/>
           </a:p>
         </p:txBody>
       </p:sp>
@@ -18161,97 +17619,9 @@
           <a:lstStyle/>
           <a:p>
             <a:r>
-              <a:rPr lang="it-IT" dirty="0"/>
-              <a:t>Some more notes </a:t>
-            </a:r>
-            <a:r>
-              <a:rPr lang="it-IT" dirty="0" err="1"/>
-              <a:t>about</a:t>
-            </a:r>
-            <a:r>
-              <a:rPr lang="it-IT" dirty="0"/>
-              <a:t> the </a:t>
-            </a:r>
-            <a:r>
-              <a:rPr lang="it-IT" i="1" dirty="0"/>
-              <a:t>HC-SR04</a:t>
-            </a:r>
-            <a:endParaRPr lang="it-IT" dirty="0"/>
-          </a:p>
-        </p:txBody>
-      </p:sp>
-      <p:sp>
-        <p:nvSpPr>
-          <p:cNvPr id="3" name="Segnaposto testo 2">
-            <a:extLst>
-              <a:ext uri="{FF2B5EF4-FFF2-40B4-BE49-F238E27FC236}">
-                <a16:creationId xmlns:a16="http://schemas.microsoft.com/office/drawing/2014/main" id="{37D264A2-441C-4634-AE1B-E11752327A24}"/>
-              </a:ext>
-            </a:extLst>
-          </p:cNvPr>
-          <p:cNvSpPr>
-            <a:spLocks noGrp="1"/>
-          </p:cNvSpPr>
-          <p:nvPr>
-            <p:ph type="body" idx="1"/>
-          </p:nvPr>
-        </p:nvSpPr>
-        <p:spPr/>
-        <p:txBody>
-          <a:bodyPr/>
-          <a:lstStyle/>
-          <a:p>
-            <a:endParaRPr lang="it-IT"/>
-          </a:p>
-        </p:txBody>
-      </p:sp>
-      <p:sp>
-        <p:nvSpPr>
-          <p:cNvPr id="4" name="Segnaposto contenuto 3">
-            <a:extLst>
-              <a:ext uri="{FF2B5EF4-FFF2-40B4-BE49-F238E27FC236}">
-                <a16:creationId xmlns:a16="http://schemas.microsoft.com/office/drawing/2014/main" id="{EB6015D0-0AEA-4DC8-A4AD-129D5FF9BE81}"/>
-              </a:ext>
-            </a:extLst>
-          </p:cNvPr>
-          <p:cNvSpPr>
-            <a:spLocks noGrp="1"/>
-          </p:cNvSpPr>
-          <p:nvPr>
-            <p:ph sz="half" idx="2"/>
-          </p:nvPr>
-        </p:nvSpPr>
-        <p:spPr/>
-        <p:txBody>
-          <a:bodyPr/>
-          <a:lstStyle/>
-          <a:p>
-            <a:endParaRPr lang="it-IT"/>
-          </a:p>
-        </p:txBody>
-      </p:sp>
-      <p:sp>
-        <p:nvSpPr>
-          <p:cNvPr id="5" name="Segnaposto testo 4">
-            <a:extLst>
-              <a:ext uri="{FF2B5EF4-FFF2-40B4-BE49-F238E27FC236}">
-                <a16:creationId xmlns:a16="http://schemas.microsoft.com/office/drawing/2014/main" id="{CE9CDA53-2FA7-4230-9AFC-D14D7EE77C2D}"/>
-              </a:ext>
-            </a:extLst>
-          </p:cNvPr>
-          <p:cNvSpPr>
-            <a:spLocks noGrp="1"/>
-          </p:cNvSpPr>
-          <p:nvPr>
-            <p:ph type="body" sz="quarter" idx="3"/>
-          </p:nvPr>
-        </p:nvSpPr>
-        <p:spPr/>
-        <p:txBody>
-          <a:bodyPr/>
-          <a:lstStyle/>
-          <a:p>
-            <a:endParaRPr lang="it-IT"/>
+              <a:rPr lang="en-US" dirty="0"/>
+              <a:t>Some more notes about the LM324</a:t>
+            </a:r>
           </a:p>
         </p:txBody>
       </p:sp>
@@ -18268,15 +17638,76 @@
             <a:spLocks noGrp="1"/>
           </p:cNvSpPr>
           <p:nvPr>
-            <p:ph sz="quarter" idx="4"/>
+            <p:ph idx="1"/>
           </p:nvPr>
         </p:nvSpPr>
         <p:spPr/>
         <p:txBody>
-          <a:bodyPr/>
+          <a:bodyPr>
+            <a:normAutofit/>
+          </a:bodyPr>
           <a:lstStyle/>
           <a:p>
-            <a:endParaRPr lang="it-IT"/>
+            <a:pPr marL="0" indent="0">
+              <a:buNone/>
+            </a:pPr>
+            <a:r>
+              <a:rPr lang="en-US" dirty="0"/>
+              <a:t>The receiver is a chain of three op-amps as small signal stages, the final stage is a variable threshold </a:t>
+            </a:r>
+            <a:r>
+              <a:rPr lang="en-US" dirty="0" err="1"/>
+              <a:t>hysteris</a:t>
+            </a:r>
+            <a:r>
+              <a:rPr lang="en-US" dirty="0"/>
+              <a:t> comparator with output switch.</a:t>
+            </a:r>
+          </a:p>
+          <a:p>
+            <a:pPr marL="0" indent="0">
+              <a:buNone/>
+            </a:pPr>
+            <a:r>
+              <a:rPr lang="en-US" dirty="0"/>
+              <a:t>First stage (U2D, R1 and R2) is an inverting amplifier of the RX transducer signal, with gain around 5.6 (allowing for tolerances). The output is attenuated with reference to mid-rail by R3 and R4.</a:t>
+            </a:r>
+          </a:p>
+          <a:p>
+            <a:pPr marL="0" indent="0">
+              <a:buNone/>
+            </a:pPr>
+            <a:r>
+              <a:rPr lang="en-US" dirty="0"/>
+              <a:t>Second stage (U2C, C2, C3 and R5) is a bandpass filter, centered around 40 kHz, the frequency of the emitted pulses.</a:t>
+            </a:r>
+          </a:p>
+          <a:p>
+            <a:pPr marL="0" indent="0">
+              <a:buNone/>
+            </a:pPr>
+            <a:r>
+              <a:rPr lang="en-US" dirty="0"/>
+              <a:t>Third stage (U2B, R6 and R7) is another amplifier with gain of approximately 10.</a:t>
+            </a:r>
+          </a:p>
+          <a:p>
+            <a:pPr marL="0" indent="0">
+              <a:buNone/>
+            </a:pPr>
+            <a:r>
+              <a:rPr lang="en-US" dirty="0"/>
+              <a:t>The last op-amp stage is a variable threshold </a:t>
+            </a:r>
+            <a:r>
+              <a:rPr lang="en-US" dirty="0" err="1"/>
+              <a:t>hysteris</a:t>
+            </a:r>
+            <a:r>
+              <a:rPr lang="en-US" dirty="0"/>
+              <a:t> comparator with output switch, the output witch is formed by a transistor in U3 and pullup resistor R17.</a:t>
+            </a:r>
+            <a:endParaRPr lang="it-IT" dirty="0"/>
           </a:p>
         </p:txBody>
       </p:sp>
@@ -18344,14 +17775,9 @@
           <a:lstStyle/>
           <a:p>
             <a:r>
-              <a:rPr lang="it-IT" dirty="0" err="1"/>
-              <a:t>Piezo</a:t>
-            </a:r>
-            <a:r>
-              <a:rPr lang="it-IT" dirty="0"/>
-              <a:t> Active Buzzer</a:t>
-            </a:r>
-            <a:endParaRPr lang="en-US" dirty="0"/>
+              <a:rPr lang="en-US" dirty="0"/>
+              <a:t>Piezo Active Buzzer</a:t>
+            </a:r>
           </a:p>
         </p:txBody>
       </p:sp>
@@ -18423,16 +17849,8 @@
               <a:buNone/>
             </a:pPr>
             <a:r>
-              <a:rPr lang="it-IT" dirty="0"/>
-              <a:t>W</a:t>
-            </a:r>
-            <a:r>
-              <a:rPr lang="en-US" dirty="0" err="1"/>
-              <a:t>henever</a:t>
-            </a:r>
-            <a:r>
               <a:rPr lang="en-US" dirty="0"/>
-              <a:t> the module is powered and the trigger is set off, a membrane vibrates at a fixed frequency (Active Buzzer) generating a precise sound wave.</a:t>
+              <a:t>Whenever the module is powered and the trigger is set off, a membrane vibrates at a fixed frequency (Active Buzzer) generating a precise sound wave.</a:t>
             </a:r>
           </a:p>
           <a:p>
@@ -18449,16 +17867,8 @@
               <a:buNone/>
             </a:pPr>
             <a:r>
-              <a:rPr lang="it-IT" dirty="0"/>
-              <a:t>VCC and GND for power supply and I/O for </a:t>
-            </a:r>
-            <a:r>
-              <a:rPr lang="it-IT" dirty="0" err="1"/>
-              <a:t>triggering</a:t>
-            </a:r>
-            <a:r>
-              <a:rPr lang="it-IT" dirty="0"/>
-              <a:t> the sound.</a:t>
+              <a:rPr lang="en-US" dirty="0"/>
+              <a:t>VCC and GND for power supply and I/O for triggering the sound.</a:t>
             </a:r>
           </a:p>
           <a:p>
@@ -18466,90 +17876,9 @@
               <a:buNone/>
             </a:pPr>
             <a:r>
-              <a:rPr lang="it-IT" dirty="0"/>
-              <a:t>If </a:t>
-            </a:r>
-            <a:r>
-              <a:rPr lang="it-IT" dirty="0" err="1"/>
-              <a:t>this</a:t>
-            </a:r>
-            <a:r>
-              <a:rPr lang="it-IT" dirty="0"/>
-              <a:t> </a:t>
-            </a:r>
-            <a:r>
-              <a:rPr lang="it-IT" dirty="0" err="1"/>
-              <a:t>were</a:t>
-            </a:r>
-            <a:r>
-              <a:rPr lang="it-IT" dirty="0"/>
-              <a:t> a Passive Buzzer, </a:t>
-            </a:r>
-            <a:r>
-              <a:rPr lang="it-IT" dirty="0" err="1"/>
-              <a:t>there</a:t>
-            </a:r>
-            <a:r>
-              <a:rPr lang="it-IT" dirty="0"/>
-              <a:t> </a:t>
-            </a:r>
-            <a:r>
-              <a:rPr lang="it-IT" dirty="0" err="1"/>
-              <a:t>would</a:t>
-            </a:r>
-            <a:r>
-              <a:rPr lang="it-IT" dirty="0"/>
-              <a:t> be no I/O pin, but </a:t>
-            </a:r>
-            <a:r>
-              <a:rPr lang="it-IT" dirty="0" err="1"/>
-              <a:t>we</a:t>
-            </a:r>
-            <a:r>
-              <a:rPr lang="it-IT" dirty="0"/>
-              <a:t> </a:t>
-            </a:r>
-            <a:r>
-              <a:rPr lang="it-IT" dirty="0" err="1"/>
-              <a:t>would</a:t>
-            </a:r>
-            <a:r>
-              <a:rPr lang="it-IT" dirty="0"/>
-              <a:t> </a:t>
-            </a:r>
-            <a:r>
-              <a:rPr lang="it-IT" dirty="0" err="1"/>
-              <a:t>had</a:t>
-            </a:r>
-            <a:r>
-              <a:rPr lang="it-IT" dirty="0"/>
-              <a:t> to </a:t>
-            </a:r>
-            <a:r>
-              <a:rPr lang="it-IT" dirty="0" err="1"/>
-              <a:t>give</a:t>
-            </a:r>
-            <a:r>
-              <a:rPr lang="it-IT" dirty="0"/>
-              <a:t> the precise sound frequency </a:t>
-            </a:r>
-            <a:r>
-              <a:rPr lang="it-IT" dirty="0" err="1"/>
-              <a:t>through</a:t>
-            </a:r>
-            <a:r>
-              <a:rPr lang="it-IT" dirty="0"/>
-              <a:t> the VCC and GND </a:t>
-            </a:r>
-            <a:r>
-              <a:rPr lang="it-IT" dirty="0" err="1"/>
-              <a:t>pins</a:t>
-            </a:r>
-            <a:r>
-              <a:rPr lang="it-IT" dirty="0"/>
-              <a:t>.</a:t>
-            </a:r>
-            <a:endParaRPr lang="en-US" dirty="0"/>
+              <a:rPr lang="en-US" dirty="0"/>
+              <a:t>If this were a Passive Buzzer, there would be no I/O pin, but we would had to give the precise sound frequency through the VCC and GND pins.</a:t>
+            </a:r>
           </a:p>
         </p:txBody>
       </p:sp>
@@ -18617,18 +17946,9 @@
           <a:lstStyle/>
           <a:p>
             <a:r>
-              <a:rPr lang="it-IT" dirty="0" err="1"/>
-              <a:t>Piezo</a:t>
-            </a:r>
-            <a:r>
-              <a:rPr lang="it-IT" dirty="0"/>
-              <a:t> Active Buzzer – </a:t>
-            </a:r>
-            <a:r>
-              <a:rPr lang="it-IT" dirty="0" err="1"/>
-              <a:t>Schematic</a:t>
-            </a:r>
-            <a:endParaRPr lang="en-US" dirty="0"/>
+              <a:rPr lang="en-US" dirty="0"/>
+              <a:t>Piezo Active Buzzer – Schematic</a:t>
+            </a:r>
           </a:p>
         </p:txBody>
       </p:sp>
@@ -18698,64 +18018,8 @@
               <a:buNone/>
             </a:pPr>
             <a:r>
-              <a:rPr lang="it-IT" dirty="0"/>
-              <a:t>The </a:t>
-            </a:r>
-            <a:r>
-              <a:rPr lang="it-IT" dirty="0" err="1"/>
-              <a:t>circuit</a:t>
-            </a:r>
-            <a:r>
-              <a:rPr lang="it-IT" dirty="0"/>
-              <a:t> </a:t>
-            </a:r>
-            <a:r>
-              <a:rPr lang="it-IT" dirty="0" err="1"/>
-              <a:t>is</a:t>
-            </a:r>
-            <a:r>
-              <a:rPr lang="it-IT" dirty="0"/>
-              <a:t> </a:t>
-            </a:r>
-            <a:r>
-              <a:rPr lang="it-IT" dirty="0" err="1"/>
-              <a:t>simply</a:t>
-            </a:r>
-            <a:r>
-              <a:rPr lang="it-IT" dirty="0"/>
-              <a:t> </a:t>
-            </a:r>
-            <a:r>
-              <a:rPr lang="it-IT" dirty="0" err="1"/>
-              <a:t>constituted</a:t>
-            </a:r>
-            <a:r>
-              <a:rPr lang="it-IT" dirty="0"/>
-              <a:t> by a </a:t>
-            </a:r>
-            <a:r>
-              <a:rPr lang="it-IT" dirty="0" err="1"/>
-              <a:t>resistance</a:t>
-            </a:r>
-            <a:r>
-              <a:rPr lang="it-IT" dirty="0"/>
-              <a:t> and a transistor that </a:t>
-            </a:r>
-            <a:r>
-              <a:rPr lang="it-IT" dirty="0" err="1"/>
-              <a:t>acts</a:t>
-            </a:r>
-            <a:r>
-              <a:rPr lang="it-IT" dirty="0"/>
-              <a:t> </a:t>
-            </a:r>
-            <a:r>
-              <a:rPr lang="it-IT" dirty="0" err="1"/>
-              <a:t>as</a:t>
-            </a:r>
-            <a:r>
-              <a:rPr lang="it-IT" dirty="0"/>
-              <a:t> a switch on the I/O pin (nr. 2 connection).</a:t>
+              <a:rPr lang="en-US" dirty="0"/>
+              <a:t>The circuit is simply constituted by a resistance and a transistor that acts as a switch on the I/O pin (nr. 2 connection).</a:t>
             </a:r>
           </a:p>
           <a:p>
@@ -18763,58 +18027,9 @@
               <a:buNone/>
             </a:pPr>
             <a:r>
-              <a:rPr lang="it-IT" dirty="0"/>
-              <a:t>The Active Buzzer B1 has a </a:t>
-            </a:r>
-            <a:r>
-              <a:rPr lang="it-IT" dirty="0" err="1"/>
-              <a:t>built</a:t>
-            </a:r>
-            <a:r>
-              <a:rPr lang="it-IT" dirty="0"/>
-              <a:t>-in </a:t>
-            </a:r>
-            <a:r>
-              <a:rPr lang="it-IT" dirty="0" err="1"/>
-              <a:t>oscillating</a:t>
-            </a:r>
-            <a:r>
-              <a:rPr lang="it-IT" dirty="0"/>
-              <a:t> source that </a:t>
-            </a:r>
-            <a:r>
-              <a:rPr lang="it-IT" dirty="0" err="1"/>
-              <a:t>will</a:t>
-            </a:r>
-            <a:r>
-              <a:rPr lang="it-IT" dirty="0"/>
-              <a:t> make a precise sound </a:t>
-            </a:r>
-            <a:r>
-              <a:rPr lang="it-IT" dirty="0" err="1"/>
-              <a:t>wave</a:t>
-            </a:r>
-            <a:r>
-              <a:rPr lang="it-IT" dirty="0"/>
-              <a:t> </a:t>
-            </a:r>
-            <a:r>
-              <a:rPr lang="it-IT" dirty="0" err="1"/>
-              <a:t>when</a:t>
-            </a:r>
-            <a:r>
-              <a:rPr lang="it-IT" dirty="0"/>
-              <a:t> </a:t>
-            </a:r>
-            <a:r>
-              <a:rPr lang="it-IT" dirty="0" err="1"/>
-              <a:t>electrified</a:t>
-            </a:r>
-            <a:r>
-              <a:rPr lang="it-IT" dirty="0"/>
-              <a:t>.</a:t>
-            </a:r>
-            <a:endParaRPr lang="en-US" dirty="0"/>
+              <a:rPr lang="en-US" dirty="0"/>
+              <a:t>The Active Buzzer B1 has a built-in oscillating source that will make a precise sound wave when electrified.</a:t>
+            </a:r>
           </a:p>
         </p:txBody>
       </p:sp>

--- a/Hardware_description.pptx
+++ b/Hardware_description.pptx
@@ -3069,7 +3069,7 @@
           <a:p>
             <a:fld id="{7AAE39F4-C97E-417B-8B54-238FF5B44231}" type="datetimeFigureOut">
               <a:rPr lang="it-IT" smtClean="0"/>
-              <a:t>17/12/2018</a:t>
+              <a:t>18/12/2018</a:t>
             </a:fld>
             <a:endParaRPr lang="it-IT"/>
           </a:p>
@@ -3266,7 +3266,7 @@
           <a:p>
             <a:fld id="{7AAE39F4-C97E-417B-8B54-238FF5B44231}" type="datetimeFigureOut">
               <a:rPr lang="it-IT" smtClean="0"/>
-              <a:t>17/12/2018</a:t>
+              <a:t>18/12/2018</a:t>
             </a:fld>
             <a:endParaRPr lang="it-IT"/>
           </a:p>
@@ -3453,7 +3453,7 @@
           <a:p>
             <a:fld id="{7AAE39F4-C97E-417B-8B54-238FF5B44231}" type="datetimeFigureOut">
               <a:rPr lang="it-IT" smtClean="0"/>
-              <a:t>17/12/2018</a:t>
+              <a:t>18/12/2018</a:t>
             </a:fld>
             <a:endParaRPr lang="it-IT"/>
           </a:p>
@@ -5799,7 +5799,7 @@
           <a:p>
             <a:fld id="{7AAE39F4-C97E-417B-8B54-238FF5B44231}" type="datetimeFigureOut">
               <a:rPr lang="it-IT" smtClean="0"/>
-              <a:t>17/12/2018</a:t>
+              <a:t>18/12/2018</a:t>
             </a:fld>
             <a:endParaRPr lang="it-IT"/>
           </a:p>
@@ -6256,7 +6256,7 @@
           <a:p>
             <a:fld id="{7AAE39F4-C97E-417B-8B54-238FF5B44231}" type="datetimeFigureOut">
               <a:rPr lang="it-IT" smtClean="0"/>
-              <a:t>17/12/2018</a:t>
+              <a:t>18/12/2018</a:t>
             </a:fld>
             <a:endParaRPr lang="it-IT"/>
           </a:p>
@@ -6391,7 +6391,7 @@
           <a:p>
             <a:fld id="{7AAE39F4-C97E-417B-8B54-238FF5B44231}" type="datetimeFigureOut">
               <a:rPr lang="it-IT" smtClean="0"/>
-              <a:t>17/12/2018</a:t>
+              <a:t>18/12/2018</a:t>
             </a:fld>
             <a:endParaRPr lang="it-IT"/>
           </a:p>
@@ -8325,7 +8325,7 @@
           <a:p>
             <a:fld id="{7AAE39F4-C97E-417B-8B54-238FF5B44231}" type="datetimeFigureOut">
               <a:rPr lang="it-IT" smtClean="0"/>
-              <a:t>17/12/2018</a:t>
+              <a:t>18/12/2018</a:t>
             </a:fld>
             <a:endParaRPr lang="it-IT"/>
           </a:p>
@@ -10580,7 +10580,7 @@
           <a:p>
             <a:fld id="{7AAE39F4-C97E-417B-8B54-238FF5B44231}" type="datetimeFigureOut">
               <a:rPr lang="it-IT" smtClean="0"/>
-              <a:t>17/12/2018</a:t>
+              <a:t>18/12/2018</a:t>
             </a:fld>
             <a:endParaRPr lang="it-IT"/>
           </a:p>
@@ -14873,7 +14873,7 @@
           <a:p>
             <a:fld id="{7AAE39F4-C97E-417B-8B54-238FF5B44231}" type="datetimeFigureOut">
               <a:rPr lang="it-IT" smtClean="0"/>
-              <a:t>17/12/2018</a:t>
+              <a:t>18/12/2018</a:t>
             </a:fld>
             <a:endParaRPr lang="it-IT"/>
           </a:p>
@@ -15342,7 +15342,12 @@
             <p:ph type="title"/>
           </p:nvPr>
         </p:nvSpPr>
-        <p:spPr/>
+        <p:spPr>
+          <a:xfrm>
+            <a:off x="6137695" y="373811"/>
+            <a:ext cx="5795513" cy="605317"/>
+          </a:xfrm>
+        </p:spPr>
         <p:txBody>
           <a:bodyPr/>
           <a:lstStyle/>
@@ -15374,56 +15379,33 @@
             <p:ph sz="half" idx="2"/>
           </p:nvPr>
         </p:nvSpPr>
-        <p:spPr/>
+        <p:spPr>
+          <a:xfrm>
+            <a:off x="4633103" y="1462703"/>
+            <a:ext cx="6512224" cy="1786580"/>
+          </a:xfrm>
+        </p:spPr>
         <p:txBody>
           <a:bodyPr>
-            <a:normAutofit fontScale="77500" lnSpcReduction="20000"/>
+            <a:noAutofit/>
           </a:bodyPr>
           <a:lstStyle/>
           <a:p>
-            <a:pPr marL="0" indent="0">
+            <a:pPr marL="0" indent="0" algn="just">
               <a:buNone/>
             </a:pPr>
             <a:r>
               <a:rPr lang="en-US" b="1" dirty="0"/>
-              <a:t>Main idea behind it</a:t>
+              <a:t>The main idea behind it</a:t>
             </a:r>
           </a:p>
           <a:p>
-            <a:pPr marL="0" indent="0">
+            <a:pPr marL="0" indent="0" algn="just">
               <a:buNone/>
             </a:pPr>
             <a:r>
               <a:rPr lang="en-US" dirty="0"/>
               <a:t>An IR led shines on a reflective/absorbing surface. A photoresistor then changes its resistance depending on the received IR radiation and the resulting voltage is then compared by an LM393 dual comparator chip.</a:t>
-            </a:r>
-          </a:p>
-          <a:p>
-            <a:pPr marL="0" indent="0">
-              <a:buNone/>
-            </a:pPr>
-            <a:r>
-              <a:rPr lang="en-US" b="1" dirty="0"/>
-              <a:t>Interface</a:t>
-            </a:r>
-            <a:br>
-              <a:rPr lang="en-US" dirty="0"/>
-            </a:br>
-            <a:br>
-              <a:rPr lang="en-US" dirty="0"/>
-            </a:br>
-            <a:r>
-              <a:rPr lang="en-US" dirty="0"/>
-              <a:t>A standard IR Tracking Sensor has a 3 Pin interface. VCC and GND for power suppling and a SIG pin for checking if the reflectance is beyond the threshold.</a:t>
-            </a:r>
-          </a:p>
-          <a:p>
-            <a:pPr marL="0" indent="0">
-              <a:buNone/>
-            </a:pPr>
-            <a:r>
-              <a:rPr lang="en-US" dirty="0"/>
-              <a:t>Our IR Tracking Sensor Module has also a fourth pin that allows the user to read the actual voltage signal of the sensor. However, we do not use that pin in our project.</a:t>
             </a:r>
             <a:endParaRPr lang="it-IT" dirty="0"/>
           </a:p>
@@ -15462,7 +15444,7 @@
         </p:blipFill>
         <p:spPr>
           <a:xfrm>
-            <a:off x="1658382" y="2096575"/>
+            <a:off x="329705" y="1523999"/>
             <a:ext cx="4437617" cy="3810001"/>
           </a:xfrm>
           <a:prstGeom prst="rect">
@@ -15470,6 +15452,284 @@
           </a:prstGeom>
         </p:spPr>
       </p:pic>
+      <p:sp>
+        <p:nvSpPr>
+          <p:cNvPr id="5" name="Segnaposto contenuto 3">
+            <a:extLst>
+              <a:ext uri="{FF2B5EF4-FFF2-40B4-BE49-F238E27FC236}">
+                <a16:creationId xmlns:a16="http://schemas.microsoft.com/office/drawing/2014/main" id="{AA7F360D-0CB1-43A4-80AE-BF2862495E7F}"/>
+              </a:ext>
+            </a:extLst>
+          </p:cNvPr>
+          <p:cNvSpPr txBox="1">
+            <a:spLocks/>
+          </p:cNvSpPr>
+          <p:nvPr/>
+        </p:nvSpPr>
+        <p:spPr>
+          <a:xfrm>
+            <a:off x="4633103" y="3369560"/>
+            <a:ext cx="7066426" cy="2737450"/>
+          </a:xfrm>
+          <a:prstGeom prst="rect">
+            <a:avLst/>
+          </a:prstGeom>
+        </p:spPr>
+        <p:txBody>
+          <a:bodyPr vert="horz" lIns="91440" tIns="45720" rIns="91440" bIns="45720" rtlCol="0">
+            <a:noAutofit/>
+          </a:bodyPr>
+          <a:lstStyle>
+            <a:lvl1pPr marL="228600" indent="-228600" algn="l" defTabSz="914400" rtl="0" eaLnBrk="1" latinLnBrk="0" hangingPunct="1">
+              <a:lnSpc>
+                <a:spcPct val="90000"/>
+              </a:lnSpc>
+              <a:spcBef>
+                <a:spcPts val="1800"/>
+              </a:spcBef>
+              <a:buClr>
+                <a:schemeClr val="accent1">
+                  <a:lumMod val="75000"/>
+                </a:schemeClr>
+              </a:buClr>
+              <a:buSzPct val="100000"/>
+              <a:buFont typeface="Arial" pitchFamily="34" charset="0"/>
+              <a:buChar char="▪"/>
+              <a:defRPr sz="2000" kern="1200">
+                <a:solidFill>
+                  <a:schemeClr val="tx1"/>
+                </a:solidFill>
+                <a:latin typeface="+mn-lt"/>
+                <a:ea typeface="+mn-ea"/>
+                <a:cs typeface="+mn-cs"/>
+              </a:defRPr>
+            </a:lvl1pPr>
+            <a:lvl2pPr marL="457200" indent="-182880" algn="l" defTabSz="914400" rtl="0" eaLnBrk="1" latinLnBrk="0" hangingPunct="1">
+              <a:lnSpc>
+                <a:spcPct val="90000"/>
+              </a:lnSpc>
+              <a:spcBef>
+                <a:spcPts val="1200"/>
+              </a:spcBef>
+              <a:buClr>
+                <a:schemeClr val="accent1">
+                  <a:lumMod val="75000"/>
+                </a:schemeClr>
+              </a:buClr>
+              <a:buSzPct val="100000"/>
+              <a:buFont typeface="Arial" pitchFamily="34" charset="0"/>
+              <a:buChar char="▪"/>
+              <a:defRPr sz="1800" kern="1200">
+                <a:solidFill>
+                  <a:schemeClr val="tx1"/>
+                </a:solidFill>
+                <a:latin typeface="+mn-lt"/>
+                <a:ea typeface="+mn-ea"/>
+                <a:cs typeface="+mn-cs"/>
+              </a:defRPr>
+            </a:lvl2pPr>
+            <a:lvl3pPr marL="685800" indent="-179388" algn="l" defTabSz="914400" rtl="0" eaLnBrk="1" latinLnBrk="0" hangingPunct="1">
+              <a:lnSpc>
+                <a:spcPct val="90000"/>
+              </a:lnSpc>
+              <a:spcBef>
+                <a:spcPts val="800"/>
+              </a:spcBef>
+              <a:buClr>
+                <a:schemeClr val="accent1">
+                  <a:lumMod val="75000"/>
+                </a:schemeClr>
+              </a:buClr>
+              <a:buSzPct val="100000"/>
+              <a:buFont typeface="Arial" pitchFamily="34" charset="0"/>
+              <a:buChar char="▪"/>
+              <a:defRPr sz="1600" kern="1200">
+                <a:solidFill>
+                  <a:schemeClr val="tx1"/>
+                </a:solidFill>
+                <a:latin typeface="+mn-lt"/>
+                <a:ea typeface="+mn-ea"/>
+                <a:cs typeface="+mn-cs"/>
+              </a:defRPr>
+            </a:lvl3pPr>
+            <a:lvl4pPr marL="914400" indent="-182880" algn="l" defTabSz="914400" rtl="0" eaLnBrk="1" latinLnBrk="0" hangingPunct="1">
+              <a:lnSpc>
+                <a:spcPct val="90000"/>
+              </a:lnSpc>
+              <a:spcBef>
+                <a:spcPts val="800"/>
+              </a:spcBef>
+              <a:buClr>
+                <a:schemeClr val="accent1">
+                  <a:lumMod val="75000"/>
+                </a:schemeClr>
+              </a:buClr>
+              <a:buSzPct val="100000"/>
+              <a:buFont typeface="Arial" pitchFamily="34" charset="0"/>
+              <a:buChar char="▪"/>
+              <a:defRPr sz="1400" kern="1200">
+                <a:solidFill>
+                  <a:schemeClr val="tx1"/>
+                </a:solidFill>
+                <a:latin typeface="+mn-lt"/>
+                <a:ea typeface="+mn-ea"/>
+                <a:cs typeface="+mn-cs"/>
+              </a:defRPr>
+            </a:lvl4pPr>
+            <a:lvl5pPr marL="1143000" indent="-179388" algn="l" defTabSz="914400" rtl="0" eaLnBrk="1" latinLnBrk="0" hangingPunct="1">
+              <a:lnSpc>
+                <a:spcPct val="90000"/>
+              </a:lnSpc>
+              <a:spcBef>
+                <a:spcPts val="600"/>
+              </a:spcBef>
+              <a:buClr>
+                <a:schemeClr val="accent1">
+                  <a:lumMod val="75000"/>
+                </a:schemeClr>
+              </a:buClr>
+              <a:buSzPct val="100000"/>
+              <a:buFont typeface="Arial" pitchFamily="34" charset="0"/>
+              <a:buChar char="▪"/>
+              <a:defRPr sz="1400" kern="1200">
+                <a:solidFill>
+                  <a:schemeClr val="tx1"/>
+                </a:solidFill>
+                <a:latin typeface="+mn-lt"/>
+                <a:ea typeface="+mn-ea"/>
+                <a:cs typeface="+mn-cs"/>
+              </a:defRPr>
+            </a:lvl5pPr>
+            <a:lvl6pPr marL="1371600" indent="-182880" algn="l" defTabSz="914400" rtl="0" eaLnBrk="1" latinLnBrk="0" hangingPunct="1">
+              <a:lnSpc>
+                <a:spcPct val="90000"/>
+              </a:lnSpc>
+              <a:spcBef>
+                <a:spcPts val="600"/>
+              </a:spcBef>
+              <a:buClr>
+                <a:schemeClr val="accent1">
+                  <a:lumMod val="75000"/>
+                </a:schemeClr>
+              </a:buClr>
+              <a:buSzPct val="100000"/>
+              <a:buFont typeface="Arial" pitchFamily="34" charset="0"/>
+              <a:buChar char="▪"/>
+              <a:defRPr sz="1800" kern="1200">
+                <a:solidFill>
+                  <a:schemeClr val="tx1"/>
+                </a:solidFill>
+                <a:latin typeface="+mn-lt"/>
+                <a:ea typeface="+mn-ea"/>
+                <a:cs typeface="+mn-cs"/>
+              </a:defRPr>
+            </a:lvl6pPr>
+            <a:lvl7pPr marL="1600200" indent="-179388" algn="l" defTabSz="914400" rtl="0" eaLnBrk="1" latinLnBrk="0" hangingPunct="1">
+              <a:lnSpc>
+                <a:spcPct val="90000"/>
+              </a:lnSpc>
+              <a:spcBef>
+                <a:spcPts val="600"/>
+              </a:spcBef>
+              <a:buClr>
+                <a:schemeClr val="accent1">
+                  <a:lumMod val="75000"/>
+                </a:schemeClr>
+              </a:buClr>
+              <a:buSzPct val="100000"/>
+              <a:buFont typeface="Arial" pitchFamily="34" charset="0"/>
+              <a:buChar char="▪"/>
+              <a:defRPr sz="1800" kern="1200">
+                <a:solidFill>
+                  <a:schemeClr val="tx1"/>
+                </a:solidFill>
+                <a:latin typeface="+mn-lt"/>
+                <a:ea typeface="+mn-ea"/>
+                <a:cs typeface="+mn-cs"/>
+              </a:defRPr>
+            </a:lvl7pPr>
+            <a:lvl8pPr marL="1828800" indent="-182880" algn="l" defTabSz="914400" rtl="0" eaLnBrk="1" latinLnBrk="0" hangingPunct="1">
+              <a:lnSpc>
+                <a:spcPct val="90000"/>
+              </a:lnSpc>
+              <a:spcBef>
+                <a:spcPts val="600"/>
+              </a:spcBef>
+              <a:buClr>
+                <a:schemeClr val="accent1">
+                  <a:lumMod val="75000"/>
+                </a:schemeClr>
+              </a:buClr>
+              <a:buSzPct val="100000"/>
+              <a:buFont typeface="Arial" pitchFamily="34" charset="0"/>
+              <a:buChar char="▪"/>
+              <a:defRPr sz="1800" kern="1200">
+                <a:solidFill>
+                  <a:schemeClr val="tx1"/>
+                </a:solidFill>
+                <a:latin typeface="+mn-lt"/>
+                <a:ea typeface="+mn-ea"/>
+                <a:cs typeface="+mn-cs"/>
+              </a:defRPr>
+            </a:lvl8pPr>
+            <a:lvl9pPr marL="1878012" indent="0" algn="l" defTabSz="914400" rtl="0" eaLnBrk="1" latinLnBrk="0" hangingPunct="1">
+              <a:lnSpc>
+                <a:spcPct val="90000"/>
+              </a:lnSpc>
+              <a:spcBef>
+                <a:spcPts val="600"/>
+              </a:spcBef>
+              <a:buClr>
+                <a:schemeClr val="accent1">
+                  <a:lumMod val="75000"/>
+                </a:schemeClr>
+              </a:buClr>
+              <a:buSzPct val="100000"/>
+              <a:buFont typeface="Arial" pitchFamily="34" charset="0"/>
+              <a:buNone/>
+              <a:defRPr sz="1800" kern="1200">
+                <a:solidFill>
+                  <a:schemeClr val="tx1"/>
+                </a:solidFill>
+                <a:latin typeface="+mn-lt"/>
+                <a:ea typeface="+mn-ea"/>
+                <a:cs typeface="+mn-cs"/>
+              </a:defRPr>
+            </a:lvl9pPr>
+          </a:lstStyle>
+          <a:p>
+            <a:pPr marL="0" indent="0">
+              <a:buFont typeface="Arial" pitchFamily="34" charset="0"/>
+              <a:buNone/>
+            </a:pPr>
+            <a:r>
+              <a:rPr lang="en-US" b="1" dirty="0"/>
+              <a:t>Interface</a:t>
+            </a:r>
+            <a:br>
+              <a:rPr lang="en-US" dirty="0"/>
+            </a:br>
+            <a:br>
+              <a:rPr lang="en-US" dirty="0"/>
+            </a:br>
+            <a:r>
+              <a:rPr lang="en-US" dirty="0"/>
+              <a:t>A standard IR Tracking Sensor has a 3 Pin interface. VCC and GND for power suppling and a SIG pin for checking if the reflectance is beyond the threshold.</a:t>
+            </a:r>
+          </a:p>
+          <a:p>
+            <a:pPr marL="0" indent="0">
+              <a:buFont typeface="Arial" pitchFamily="34" charset="0"/>
+              <a:buNone/>
+            </a:pPr>
+            <a:r>
+              <a:rPr lang="en-US" dirty="0"/>
+              <a:t>Our IR Tracking Sensor Module has also a fourth pin that allows the user to read the actual voltage signal of the sensor. However, we do not use that pin in our project.</a:t>
+            </a:r>
+            <a:endParaRPr lang="it-IT" dirty="0"/>
+          </a:p>
+        </p:txBody>
+      </p:sp>
     </p:spTree>
     <p:extLst>
       <p:ext uri="{BB962C8B-B14F-4D97-AF65-F5344CB8AC3E}">
@@ -15492,6 +15752,183 @@
       </p:transition>
     </mc:Fallback>
   </mc:AlternateContent>
+  <p:timing>
+    <p:tnLst>
+      <p:par>
+        <p:cTn id="1" dur="indefinite" restart="never" nodeType="tmRoot">
+          <p:childTnLst>
+            <p:seq concurrent="1" nextAc="seek">
+              <p:cTn id="2" dur="indefinite" nodeType="mainSeq">
+                <p:childTnLst>
+                  <p:par>
+                    <p:cTn id="3" fill="hold">
+                      <p:stCondLst>
+                        <p:cond delay="indefinite"/>
+                      </p:stCondLst>
+                      <p:childTnLst>
+                        <p:par>
+                          <p:cTn id="4" fill="hold">
+                            <p:stCondLst>
+                              <p:cond delay="0"/>
+                            </p:stCondLst>
+                            <p:childTnLst>
+                              <p:par>
+                                <p:cTn id="5" presetID="1" presetClass="entr" presetSubtype="0" fill="hold" grpId="0" nodeType="clickEffect">
+                                  <p:stCondLst>
+                                    <p:cond delay="0"/>
+                                  </p:stCondLst>
+                                  <p:childTnLst>
+                                    <p:set>
+                                      <p:cBhvr>
+                                        <p:cTn id="6" dur="1" fill="hold">
+                                          <p:stCondLst>
+                                            <p:cond delay="0"/>
+                                          </p:stCondLst>
+                                        </p:cTn>
+                                        <p:tgtEl>
+                                          <p:spTgt spid="4">
+                                            <p:txEl>
+                                              <p:pRg st="0" end="0"/>
+                                            </p:txEl>
+                                          </p:spTgt>
+                                        </p:tgtEl>
+                                        <p:attrNameLst>
+                                          <p:attrName>style.visibility</p:attrName>
+                                        </p:attrNameLst>
+                                      </p:cBhvr>
+                                      <p:to>
+                                        <p:strVal val="visible"/>
+                                      </p:to>
+                                    </p:set>
+                                  </p:childTnLst>
+                                </p:cTn>
+                              </p:par>
+                            </p:childTnLst>
+                          </p:cTn>
+                        </p:par>
+                      </p:childTnLst>
+                    </p:cTn>
+                  </p:par>
+                  <p:par>
+                    <p:cTn id="7" fill="hold">
+                      <p:stCondLst>
+                        <p:cond delay="indefinite"/>
+                      </p:stCondLst>
+                      <p:childTnLst>
+                        <p:par>
+                          <p:cTn id="8" fill="hold">
+                            <p:stCondLst>
+                              <p:cond delay="0"/>
+                            </p:stCondLst>
+                            <p:childTnLst>
+                              <p:par>
+                                <p:cTn id="9" presetID="1" presetClass="entr" presetSubtype="0" fill="hold" grpId="0" nodeType="clickEffect">
+                                  <p:stCondLst>
+                                    <p:cond delay="0"/>
+                                  </p:stCondLst>
+                                  <p:childTnLst>
+                                    <p:set>
+                                      <p:cBhvr>
+                                        <p:cTn id="10" dur="1" fill="hold">
+                                          <p:stCondLst>
+                                            <p:cond delay="0"/>
+                                          </p:stCondLst>
+                                        </p:cTn>
+                                        <p:tgtEl>
+                                          <p:spTgt spid="4">
+                                            <p:txEl>
+                                              <p:pRg st="1" end="1"/>
+                                            </p:txEl>
+                                          </p:spTgt>
+                                        </p:tgtEl>
+                                        <p:attrNameLst>
+                                          <p:attrName>style.visibility</p:attrName>
+                                        </p:attrNameLst>
+                                      </p:cBhvr>
+                                      <p:to>
+                                        <p:strVal val="visible"/>
+                                      </p:to>
+                                    </p:set>
+                                  </p:childTnLst>
+                                </p:cTn>
+                              </p:par>
+                            </p:childTnLst>
+                          </p:cTn>
+                        </p:par>
+                      </p:childTnLst>
+                    </p:cTn>
+                  </p:par>
+                  <p:par>
+                    <p:cTn id="11" fill="hold">
+                      <p:stCondLst>
+                        <p:cond delay="indefinite"/>
+                      </p:stCondLst>
+                      <p:childTnLst>
+                        <p:par>
+                          <p:cTn id="12" fill="hold">
+                            <p:stCondLst>
+                              <p:cond delay="0"/>
+                            </p:stCondLst>
+                            <p:childTnLst>
+                              <p:par>
+                                <p:cTn id="13" presetID="1" presetClass="entr" presetSubtype="0" fill="hold" grpId="0" nodeType="clickEffect">
+                                  <p:stCondLst>
+                                    <p:cond delay="0"/>
+                                  </p:stCondLst>
+                                  <p:childTnLst>
+                                    <p:set>
+                                      <p:cBhvr>
+                                        <p:cTn id="14" dur="1" fill="hold">
+                                          <p:stCondLst>
+                                            <p:cond delay="0"/>
+                                          </p:stCondLst>
+                                        </p:cTn>
+                                        <p:tgtEl>
+                                          <p:spTgt spid="5"/>
+                                        </p:tgtEl>
+                                        <p:attrNameLst>
+                                          <p:attrName>style.visibility</p:attrName>
+                                        </p:attrNameLst>
+                                      </p:cBhvr>
+                                      <p:to>
+                                        <p:strVal val="visible"/>
+                                      </p:to>
+                                    </p:set>
+                                  </p:childTnLst>
+                                </p:cTn>
+                              </p:par>
+                            </p:childTnLst>
+                          </p:cTn>
+                        </p:par>
+                      </p:childTnLst>
+                    </p:cTn>
+                  </p:par>
+                </p:childTnLst>
+              </p:cTn>
+              <p:prevCondLst>
+                <p:cond evt="onPrev" delay="0">
+                  <p:tgtEl>
+                    <p:sldTgt/>
+                  </p:tgtEl>
+                </p:cond>
+              </p:prevCondLst>
+              <p:nextCondLst>
+                <p:cond evt="onNext" delay="0">
+                  <p:tgtEl>
+                    <p:sldTgt/>
+                  </p:tgtEl>
+                </p:cond>
+              </p:nextCondLst>
+            </p:seq>
+          </p:childTnLst>
+        </p:cTn>
+      </p:par>
+    </p:tnLst>
+    <p:bldLst>
+      <p:bldP spid="4" grpId="0" build="p"/>
+      <p:bldP spid="5" grpId="0"/>
+    </p:bldLst>
+  </p:timing>
 </p:sld>
 </file>
 
@@ -15512,42 +15949,6 @@
           <a:chExt cx="0" cy="0"/>
         </a:xfrm>
       </p:grpSpPr>
-      <p:sp>
-        <p:nvSpPr>
-          <p:cNvPr id="2" name="Titolo 1">
-            <a:extLst>
-              <a:ext uri="{FF2B5EF4-FFF2-40B4-BE49-F238E27FC236}">
-                <a16:creationId xmlns:a16="http://schemas.microsoft.com/office/drawing/2014/main" id="{2150BD83-C161-4317-860A-DD46AC2D5030}"/>
-              </a:ext>
-            </a:extLst>
-          </p:cNvPr>
-          <p:cNvSpPr>
-            <a:spLocks noGrp="1"/>
-          </p:cNvSpPr>
-          <p:nvPr>
-            <p:ph type="title"/>
-          </p:nvPr>
-        </p:nvSpPr>
-        <p:spPr/>
-        <p:txBody>
-          <a:bodyPr/>
-          <a:lstStyle/>
-          <a:p>
-            <a:r>
-              <a:rPr lang="en-US" dirty="0"/>
-              <a:t>IR </a:t>
-            </a:r>
-            <a:r>
-              <a:rPr lang="en-US" dirty="0" err="1"/>
-              <a:t>Reciever</a:t>
-            </a:r>
-            <a:r>
-              <a:rPr lang="en-US" dirty="0"/>
-              <a:t> Module – Schematic</a:t>
-            </a:r>
-          </a:p>
-        </p:txBody>
-      </p:sp>
       <p:pic>
         <p:nvPicPr>
           <p:cNvPr id="7" name="Segnaposto contenuto 6">
@@ -15566,6 +15967,16 @@
         </p:nvPicPr>
         <p:blipFill>
           <a:blip r:embed="rId2">
+            <a:clrChange>
+              <a:clrFrom>
+                <a:srgbClr val="FFFFFF"/>
+              </a:clrFrom>
+              <a:clrTo>
+                <a:srgbClr val="FFFFFF">
+                  <a:alpha val="0"/>
+                </a:srgbClr>
+              </a:clrTo>
+            </a:clrChange>
             <a:extLst>
               <a:ext uri="{28A0092B-C50C-407E-A947-70E740481C1C}">
                 <a14:useLocalDpi xmlns:a14="http://schemas.microsoft.com/office/drawing/2010/main" val="0"/>
@@ -15578,8 +15989,8 @@
         </p:blipFill>
         <p:spPr>
           <a:xfrm>
-            <a:off x="473492" y="3016083"/>
-            <a:ext cx="2651734" cy="1968912"/>
+            <a:off x="397291" y="1543034"/>
+            <a:ext cx="2622337" cy="1947085"/>
           </a:xfrm>
         </p:spPr>
       </p:pic>
@@ -15599,14 +16010,19 @@
             <p:ph sz="half" idx="2"/>
           </p:nvPr>
         </p:nvSpPr>
-        <p:spPr/>
+        <p:spPr>
+          <a:xfrm>
+            <a:off x="6780776" y="1646238"/>
+            <a:ext cx="4572000" cy="3687762"/>
+          </a:xfrm>
+        </p:spPr>
         <p:txBody>
           <a:bodyPr>
-            <a:normAutofit fontScale="92500" lnSpcReduction="10000"/>
+            <a:noAutofit/>
           </a:bodyPr>
           <a:lstStyle/>
           <a:p>
-            <a:pPr marL="0" indent="0">
+            <a:pPr marL="0" indent="0" algn="just">
               <a:buNone/>
             </a:pPr>
             <a:r>
@@ -15615,7 +16031,7 @@
             </a:r>
           </a:p>
           <a:p>
-            <a:pPr marL="0" indent="0">
+            <a:pPr marL="0" indent="0" algn="just">
               <a:buNone/>
             </a:pPr>
             <a:r>
@@ -15624,7 +16040,7 @@
             </a:r>
           </a:p>
           <a:p>
-            <a:pPr marL="0" indent="0">
+            <a:pPr marL="0" indent="0" algn="just">
               <a:buNone/>
             </a:pPr>
             <a:r>
@@ -15633,7 +16049,7 @@
             </a:r>
           </a:p>
           <a:p>
-            <a:pPr marL="0" indent="0">
+            <a:pPr marL="0" indent="0" algn="just">
               <a:buNone/>
             </a:pPr>
             <a:r>
@@ -15665,15 +16081,26 @@
           <p:nvPr/>
         </p:nvPicPr>
         <p:blipFill>
-          <a:blip r:embed="rId3"/>
+          <a:blip r:embed="rId3">
+            <a:clrChange>
+              <a:clrFrom>
+                <a:srgbClr val="FFFFFF"/>
+              </a:clrFrom>
+              <a:clrTo>
+                <a:srgbClr val="FFFFFF">
+                  <a:alpha val="0"/>
+                </a:srgbClr>
+              </a:clrTo>
+            </a:clrChange>
+          </a:blip>
           <a:stretch>
             <a:fillRect/>
           </a:stretch>
         </p:blipFill>
         <p:spPr>
           <a:xfrm>
-            <a:off x="3353826" y="2653613"/>
-            <a:ext cx="2742174" cy="1550774"/>
+            <a:off x="2940491" y="2844113"/>
+            <a:ext cx="3197204" cy="1808106"/>
           </a:xfrm>
           <a:prstGeom prst="rect">
             <a:avLst/>
@@ -15695,21 +16122,206 @@
           <p:nvPr/>
         </p:nvPicPr>
         <p:blipFill>
-          <a:blip r:embed="rId4"/>
+          <a:blip r:embed="rId4">
+            <a:clrChange>
+              <a:clrFrom>
+                <a:srgbClr val="FFFFFF"/>
+              </a:clrFrom>
+              <a:clrTo>
+                <a:srgbClr val="FFFFFF">
+                  <a:alpha val="0"/>
+                </a:srgbClr>
+              </a:clrTo>
+            </a:clrChange>
+          </a:blip>
           <a:stretch>
             <a:fillRect/>
           </a:stretch>
         </p:blipFill>
         <p:spPr>
           <a:xfrm>
-            <a:off x="3559348" y="4535883"/>
-            <a:ext cx="2304210" cy="702916"/>
+            <a:off x="547895" y="4792945"/>
+            <a:ext cx="3547239" cy="1082110"/>
           </a:xfrm>
           <a:prstGeom prst="rect">
             <a:avLst/>
           </a:prstGeom>
         </p:spPr>
       </p:pic>
+      <p:sp>
+        <p:nvSpPr>
+          <p:cNvPr id="10" name="Titolo 1">
+            <a:extLst>
+              <a:ext uri="{FF2B5EF4-FFF2-40B4-BE49-F238E27FC236}">
+                <a16:creationId xmlns:a16="http://schemas.microsoft.com/office/drawing/2014/main" id="{5F009BDB-55E2-4F56-92EF-3D1AE1C2F994}"/>
+              </a:ext>
+            </a:extLst>
+          </p:cNvPr>
+          <p:cNvSpPr txBox="1">
+            <a:spLocks/>
+          </p:cNvSpPr>
+          <p:nvPr/>
+        </p:nvSpPr>
+        <p:spPr>
+          <a:xfrm>
+            <a:off x="166863" y="790290"/>
+            <a:ext cx="3673415" cy="496049"/>
+          </a:xfrm>
+          <a:prstGeom prst="rect">
+            <a:avLst/>
+          </a:prstGeom>
+        </p:spPr>
+        <p:txBody>
+          <a:bodyPr vert="horz" lIns="91440" tIns="45720" rIns="91440" bIns="45720" rtlCol="0" anchor="b">
+            <a:normAutofit fontScale="97500" lnSpcReduction="10000"/>
+          </a:bodyPr>
+          <a:lstStyle>
+            <a:lvl1pPr algn="l" defTabSz="914400" rtl="0" eaLnBrk="1" latinLnBrk="0" hangingPunct="1">
+              <a:lnSpc>
+                <a:spcPct val="90000"/>
+              </a:lnSpc>
+              <a:spcBef>
+                <a:spcPct val="0"/>
+              </a:spcBef>
+              <a:buNone/>
+              <a:defRPr sz="3200" b="1" kern="1200">
+                <a:solidFill>
+                  <a:schemeClr val="accent1">
+                    <a:lumMod val="75000"/>
+                  </a:schemeClr>
+                </a:solidFill>
+                <a:latin typeface="+mj-lt"/>
+                <a:ea typeface="+mj-ea"/>
+                <a:cs typeface="+mj-cs"/>
+              </a:defRPr>
+            </a:lvl1pPr>
+          </a:lstStyle>
+          <a:p>
+            <a:r>
+              <a:rPr lang="it-IT" b="0" dirty="0">
+                <a:ln w="0"/>
+                <a:solidFill>
+                  <a:schemeClr val="accent1"/>
+                </a:solidFill>
+                <a:effectLst>
+                  <a:outerShdw blurRad="38100" dist="25400" dir="5400000" algn="ctr" rotWithShape="0">
+                    <a:srgbClr val="6E747A">
+                      <a:alpha val="43000"/>
+                    </a:srgbClr>
+                  </a:outerShdw>
+                </a:effectLst>
+              </a:rPr>
+              <a:t>The </a:t>
+            </a:r>
+            <a:r>
+              <a:rPr lang="it-IT" b="0" dirty="0" err="1">
+                <a:ln w="0"/>
+                <a:solidFill>
+                  <a:schemeClr val="accent1"/>
+                </a:solidFill>
+                <a:effectLst>
+                  <a:outerShdw blurRad="38100" dist="25400" dir="5400000" algn="ctr" rotWithShape="0">
+                    <a:srgbClr val="6E747A">
+                      <a:alpha val="43000"/>
+                    </a:srgbClr>
+                  </a:outerShdw>
+                </a:effectLst>
+              </a:rPr>
+              <a:t>Schematics</a:t>
+            </a:r>
+            <a:r>
+              <a:rPr lang="it-IT" b="0" dirty="0">
+                <a:ln w="0"/>
+                <a:solidFill>
+                  <a:schemeClr val="accent1"/>
+                </a:solidFill>
+                <a:effectLst>
+                  <a:outerShdw blurRad="38100" dist="25400" dir="5400000" algn="ctr" rotWithShape="0">
+                    <a:srgbClr val="6E747A">
+                      <a:alpha val="43000"/>
+                    </a:srgbClr>
+                  </a:outerShdw>
+                </a:effectLst>
+              </a:rPr>
+              <a:t>:</a:t>
+            </a:r>
+            <a:endParaRPr lang="en-US" b="0" dirty="0">
+              <a:ln w="0"/>
+              <a:solidFill>
+                <a:schemeClr val="accent1"/>
+              </a:solidFill>
+              <a:effectLst>
+                <a:outerShdw blurRad="38100" dist="25400" dir="5400000" algn="ctr" rotWithShape="0">
+                  <a:srgbClr val="6E747A">
+                    <a:alpha val="43000"/>
+                  </a:srgbClr>
+                </a:outerShdw>
+              </a:effectLst>
+            </a:endParaRPr>
+          </a:p>
+        </p:txBody>
+      </p:sp>
+      <p:sp>
+        <p:nvSpPr>
+          <p:cNvPr id="11" name="Titolo 1">
+            <a:extLst>
+              <a:ext uri="{FF2B5EF4-FFF2-40B4-BE49-F238E27FC236}">
+                <a16:creationId xmlns:a16="http://schemas.microsoft.com/office/drawing/2014/main" id="{55BD1FFB-53B0-4B70-8993-D0B5C3411C65}"/>
+              </a:ext>
+            </a:extLst>
+          </p:cNvPr>
+          <p:cNvSpPr txBox="1">
+            <a:spLocks/>
+          </p:cNvSpPr>
+          <p:nvPr/>
+        </p:nvSpPr>
+        <p:spPr>
+          <a:xfrm>
+            <a:off x="6137695" y="373811"/>
+            <a:ext cx="5795513" cy="605317"/>
+          </a:xfrm>
+          <a:prstGeom prst="rect">
+            <a:avLst/>
+          </a:prstGeom>
+        </p:spPr>
+        <p:txBody>
+          <a:bodyPr vert="horz" lIns="91440" tIns="45720" rIns="91440" bIns="45720" rtlCol="0" anchor="b">
+            <a:normAutofit/>
+          </a:bodyPr>
+          <a:lstStyle>
+            <a:lvl1pPr algn="l" defTabSz="914400" rtl="0" eaLnBrk="1" latinLnBrk="0" hangingPunct="1">
+              <a:lnSpc>
+                <a:spcPct val="90000"/>
+              </a:lnSpc>
+              <a:spcBef>
+                <a:spcPct val="0"/>
+              </a:spcBef>
+              <a:buNone/>
+              <a:defRPr sz="3200" b="1" kern="1200">
+                <a:solidFill>
+                  <a:schemeClr val="accent1">
+                    <a:lumMod val="75000"/>
+                  </a:schemeClr>
+                </a:solidFill>
+                <a:latin typeface="+mj-lt"/>
+                <a:ea typeface="+mj-ea"/>
+                <a:cs typeface="+mj-cs"/>
+              </a:defRPr>
+            </a:lvl1pPr>
+          </a:lstStyle>
+          <a:p>
+            <a:r>
+              <a:rPr lang="it-IT" dirty="0"/>
+              <a:t>IR Receiver </a:t>
+            </a:r>
+            <a:r>
+              <a:rPr lang="it-IT" dirty="0" err="1"/>
+              <a:t>Module</a:t>
+            </a:r>
+            <a:endParaRPr lang="en-US" dirty="0"/>
+          </a:p>
+        </p:txBody>
+      </p:sp>
     </p:spTree>
     <p:extLst>
       <p:ext uri="{BB962C8B-B14F-4D97-AF65-F5344CB8AC3E}">
@@ -15752,34 +16364,6 @@
           <a:chExt cx="0" cy="0"/>
         </a:xfrm>
       </p:grpSpPr>
-      <p:sp>
-        <p:nvSpPr>
-          <p:cNvPr id="2" name="Titolo 1">
-            <a:extLst>
-              <a:ext uri="{FF2B5EF4-FFF2-40B4-BE49-F238E27FC236}">
-                <a16:creationId xmlns:a16="http://schemas.microsoft.com/office/drawing/2014/main" id="{7EFB7882-A5CB-4FED-BEE1-D0EC159FA0DE}"/>
-              </a:ext>
-            </a:extLst>
-          </p:cNvPr>
-          <p:cNvSpPr>
-            <a:spLocks noGrp="1"/>
-          </p:cNvSpPr>
-          <p:nvPr>
-            <p:ph type="title"/>
-          </p:nvPr>
-        </p:nvSpPr>
-        <p:spPr/>
-        <p:txBody>
-          <a:bodyPr/>
-          <a:lstStyle/>
-          <a:p>
-            <a:r>
-              <a:rPr lang="it-IT" dirty="0"/>
-              <a:t>The (Simple) Physics of a DC Motor</a:t>
-            </a:r>
-          </a:p>
-        </p:txBody>
-      </p:sp>
       <p:pic>
         <p:nvPicPr>
           <p:cNvPr id="5" name="Segnaposto contenuto 4">
@@ -15804,8 +16388,8 @@
         </p:blipFill>
         <p:spPr>
           <a:xfrm>
-            <a:off x="716484" y="2026075"/>
-            <a:ext cx="1987648" cy="1990277"/>
+            <a:off x="258791" y="133775"/>
+            <a:ext cx="3025824" cy="3029826"/>
           </a:xfrm>
           <a:prstGeom prst="rect">
             <a:avLst/>
@@ -15835,7 +16419,7 @@
           </a:bodyPr>
           <a:lstStyle/>
           <a:p>
-            <a:pPr marL="0" indent="0">
+            <a:pPr marL="0" indent="0" algn="just">
               <a:buNone/>
             </a:pPr>
             <a:r>
@@ -15844,7 +16428,7 @@
             </a:r>
           </a:p>
           <a:p>
-            <a:pPr marL="0" indent="0">
+            <a:pPr marL="0" indent="0" algn="just">
               <a:buNone/>
             </a:pPr>
             <a:r>
@@ -15853,7 +16437,7 @@
             </a:r>
           </a:p>
           <a:p>
-            <a:pPr marL="0" indent="0">
+            <a:pPr marL="0" indent="0" algn="just">
               <a:buNone/>
             </a:pPr>
             <a:r>
@@ -15879,6 +16463,16 @@
         </p:nvPicPr>
         <p:blipFill>
           <a:blip r:embed="rId3">
+            <a:clrChange>
+              <a:clrFrom>
+                <a:srgbClr val="FFFFFF"/>
+              </a:clrFrom>
+              <a:clrTo>
+                <a:srgbClr val="FFFFFF">
+                  <a:alpha val="0"/>
+                </a:srgbClr>
+              </a:clrTo>
+            </a:clrChange>
             <a:extLst>
               <a:ext uri="{28A0092B-C50C-407E-A947-70E740481C1C}">
                 <a14:useLocalDpi xmlns:a14="http://schemas.microsoft.com/office/drawing/2010/main" val="0"/>
@@ -15892,7 +16486,7 @@
         </p:blipFill>
         <p:spPr bwMode="auto">
           <a:xfrm>
-            <a:off x="3038832" y="2506398"/>
+            <a:off x="2624784" y="2466692"/>
             <a:ext cx="2816598" cy="1029633"/>
           </a:xfrm>
           <a:prstGeom prst="rect">
@@ -15939,8 +16533,8 @@
         </p:blipFill>
         <p:spPr bwMode="auto">
           <a:xfrm>
-            <a:off x="1504338" y="4052158"/>
-            <a:ext cx="3668377" cy="1534815"/>
+            <a:off x="551528" y="3829050"/>
+            <a:ext cx="4895503" cy="2048233"/>
           </a:xfrm>
           <a:prstGeom prst="rect">
             <a:avLst/>
@@ -15957,6 +16551,63 @@
           </a:extLst>
         </p:spPr>
       </p:pic>
+      <p:sp>
+        <p:nvSpPr>
+          <p:cNvPr id="7" name="Titolo 1">
+            <a:extLst>
+              <a:ext uri="{FF2B5EF4-FFF2-40B4-BE49-F238E27FC236}">
+                <a16:creationId xmlns:a16="http://schemas.microsoft.com/office/drawing/2014/main" id="{CED48133-940B-4944-B4EA-A799EB557069}"/>
+              </a:ext>
+            </a:extLst>
+          </p:cNvPr>
+          <p:cNvSpPr txBox="1">
+            <a:spLocks/>
+          </p:cNvSpPr>
+          <p:nvPr/>
+        </p:nvSpPr>
+        <p:spPr>
+          <a:xfrm>
+            <a:off x="4781551" y="373811"/>
+            <a:ext cx="7151658" cy="1353389"/>
+          </a:xfrm>
+          <a:prstGeom prst="rect">
+            <a:avLst/>
+          </a:prstGeom>
+        </p:spPr>
+        <p:txBody>
+          <a:bodyPr vert="horz" lIns="91440" tIns="45720" rIns="91440" bIns="45720" rtlCol="0" anchor="t">
+            <a:normAutofit/>
+          </a:bodyPr>
+          <a:lstStyle>
+            <a:lvl1pPr algn="l" defTabSz="914400" rtl="0" eaLnBrk="1" latinLnBrk="0" hangingPunct="1">
+              <a:lnSpc>
+                <a:spcPct val="90000"/>
+              </a:lnSpc>
+              <a:spcBef>
+                <a:spcPct val="0"/>
+              </a:spcBef>
+              <a:buNone/>
+              <a:defRPr sz="3200" b="1" kern="1200">
+                <a:solidFill>
+                  <a:schemeClr val="accent1">
+                    <a:lumMod val="75000"/>
+                  </a:schemeClr>
+                </a:solidFill>
+                <a:latin typeface="+mj-lt"/>
+                <a:ea typeface="+mj-ea"/>
+                <a:cs typeface="+mj-cs"/>
+              </a:defRPr>
+            </a:lvl1pPr>
+          </a:lstStyle>
+          <a:p>
+            <a:r>
+              <a:rPr lang="it-IT" dirty="0"/>
+              <a:t>The (Simple) Physics of a DC Motor</a:t>
+            </a:r>
+            <a:endParaRPr lang="en-US" dirty="0"/>
+          </a:p>
+        </p:txBody>
+      </p:sp>
     </p:spTree>
     <p:extLst>
       <p:ext uri="{BB962C8B-B14F-4D97-AF65-F5344CB8AC3E}">
@@ -15999,34 +16650,6 @@
           <a:chExt cx="0" cy="0"/>
         </a:xfrm>
       </p:grpSpPr>
-      <p:sp>
-        <p:nvSpPr>
-          <p:cNvPr id="2" name="Titolo 1">
-            <a:extLst>
-              <a:ext uri="{FF2B5EF4-FFF2-40B4-BE49-F238E27FC236}">
-                <a16:creationId xmlns:a16="http://schemas.microsoft.com/office/drawing/2014/main" id="{28F82B32-9754-4ACF-84F2-E4659B529AE8}"/>
-              </a:ext>
-            </a:extLst>
-          </p:cNvPr>
-          <p:cNvSpPr>
-            <a:spLocks noGrp="1"/>
-          </p:cNvSpPr>
-          <p:nvPr>
-            <p:ph type="title"/>
-          </p:nvPr>
-        </p:nvSpPr>
-        <p:spPr/>
-        <p:txBody>
-          <a:bodyPr/>
-          <a:lstStyle/>
-          <a:p>
-            <a:r>
-              <a:rPr lang="en-US" dirty="0"/>
-              <a:t>Controlling the Speed with PWM</a:t>
-            </a:r>
-          </a:p>
-        </p:txBody>
-      </p:sp>
       <p:pic>
         <p:nvPicPr>
           <p:cNvPr id="5" name="Segnaposto contenuto 4">
@@ -16044,7 +16667,18 @@
           </p:nvPr>
         </p:nvPicPr>
         <p:blipFill>
-          <a:blip r:embed="rId2"/>
+          <a:blip r:embed="rId2">
+            <a:clrChange>
+              <a:clrFrom>
+                <a:srgbClr val="FFFFFF"/>
+              </a:clrFrom>
+              <a:clrTo>
+                <a:srgbClr val="FFFFFF">
+                  <a:alpha val="0"/>
+                </a:srgbClr>
+              </a:clrTo>
+            </a:clrChange>
+          </a:blip>
           <a:stretch>
             <a:fillRect/>
           </a:stretch>
@@ -16075,10 +16709,15 @@
             <p:ph sz="half" idx="2"/>
           </p:nvPr>
         </p:nvSpPr>
-        <p:spPr/>
+        <p:spPr>
+          <a:xfrm>
+            <a:off x="6669391" y="704849"/>
+            <a:ext cx="4572000" cy="5372101"/>
+          </a:xfrm>
+        </p:spPr>
         <p:txBody>
           <a:bodyPr>
-            <a:normAutofit fontScale="85000" lnSpcReduction="10000"/>
+            <a:noAutofit/>
           </a:bodyPr>
           <a:lstStyle/>
           <a:p>
@@ -16171,6 +16810,103 @@
           </a:prstGeom>
         </p:spPr>
       </p:pic>
+      <p:sp>
+        <p:nvSpPr>
+          <p:cNvPr id="9" name="Titolo 1">
+            <a:extLst>
+              <a:ext uri="{FF2B5EF4-FFF2-40B4-BE49-F238E27FC236}">
+                <a16:creationId xmlns:a16="http://schemas.microsoft.com/office/drawing/2014/main" id="{973A5D03-B46B-4858-863A-997E6E8CBE46}"/>
+              </a:ext>
+            </a:extLst>
+          </p:cNvPr>
+          <p:cNvSpPr txBox="1">
+            <a:spLocks/>
+          </p:cNvSpPr>
+          <p:nvPr/>
+        </p:nvSpPr>
+        <p:spPr>
+          <a:xfrm>
+            <a:off x="206206" y="974440"/>
+            <a:ext cx="5637037" cy="496049"/>
+          </a:xfrm>
+          <a:prstGeom prst="rect">
+            <a:avLst/>
+          </a:prstGeom>
+        </p:spPr>
+        <p:txBody>
+          <a:bodyPr vert="horz" lIns="91440" tIns="45720" rIns="91440" bIns="45720" rtlCol="0" anchor="b">
+            <a:normAutofit fontScale="90000"/>
+          </a:bodyPr>
+          <a:lstStyle>
+            <a:lvl1pPr algn="l" defTabSz="914400" rtl="0" eaLnBrk="1" latinLnBrk="0" hangingPunct="1">
+              <a:lnSpc>
+                <a:spcPct val="90000"/>
+              </a:lnSpc>
+              <a:spcBef>
+                <a:spcPct val="0"/>
+              </a:spcBef>
+              <a:buNone/>
+              <a:defRPr sz="3200" b="1" kern="1200">
+                <a:solidFill>
+                  <a:schemeClr val="accent1">
+                    <a:lumMod val="75000"/>
+                  </a:schemeClr>
+                </a:solidFill>
+                <a:latin typeface="+mj-lt"/>
+                <a:ea typeface="+mj-ea"/>
+                <a:cs typeface="+mj-cs"/>
+              </a:defRPr>
+            </a:lvl1pPr>
+          </a:lstStyle>
+          <a:p>
+            <a:r>
+              <a:rPr lang="it-IT" b="0" dirty="0" err="1">
+                <a:ln w="0"/>
+                <a:solidFill>
+                  <a:schemeClr val="accent1"/>
+                </a:solidFill>
+                <a:effectLst>
+                  <a:outerShdw blurRad="38100" dist="25400" dir="5400000" algn="ctr" rotWithShape="0">
+                    <a:srgbClr val="6E747A">
+                      <a:alpha val="43000"/>
+                    </a:srgbClr>
+                  </a:outerShdw>
+                </a:effectLst>
+              </a:rPr>
+              <a:t>Controlling</a:t>
+            </a:r>
+            <a:r>
+              <a:rPr lang="it-IT" b="0" dirty="0">
+                <a:ln w="0"/>
+                <a:solidFill>
+                  <a:schemeClr val="accent1"/>
+                </a:solidFill>
+                <a:effectLst>
+                  <a:outerShdw blurRad="38100" dist="25400" dir="5400000" algn="ctr" rotWithShape="0">
+                    <a:srgbClr val="6E747A">
+                      <a:alpha val="43000"/>
+                    </a:srgbClr>
+                  </a:outerShdw>
+                </a:effectLst>
+              </a:rPr>
+              <a:t> the Speed with PWM:</a:t>
+            </a:r>
+            <a:endParaRPr lang="en-US" b="0" dirty="0">
+              <a:ln w="0"/>
+              <a:solidFill>
+                <a:schemeClr val="accent1"/>
+              </a:solidFill>
+              <a:effectLst>
+                <a:outerShdw blurRad="38100" dist="25400" dir="5400000" algn="ctr" rotWithShape="0">
+                  <a:srgbClr val="6E747A">
+                    <a:alpha val="43000"/>
+                  </a:srgbClr>
+                </a:outerShdw>
+              </a:effectLst>
+            </a:endParaRPr>
+          </a:p>
+        </p:txBody>
+      </p:sp>
     </p:spTree>
     <p:extLst>
       <p:ext uri="{BB962C8B-B14F-4D97-AF65-F5344CB8AC3E}">
@@ -16215,34 +16951,6 @@
       </p:grpSpPr>
       <p:sp>
         <p:nvSpPr>
-          <p:cNvPr id="2" name="Titolo 1">
-            <a:extLst>
-              <a:ext uri="{FF2B5EF4-FFF2-40B4-BE49-F238E27FC236}">
-                <a16:creationId xmlns:a16="http://schemas.microsoft.com/office/drawing/2014/main" id="{58D37BE1-7B10-432F-8F78-62B82A49FE6F}"/>
-              </a:ext>
-            </a:extLst>
-          </p:cNvPr>
-          <p:cNvSpPr>
-            <a:spLocks noGrp="1"/>
-          </p:cNvSpPr>
-          <p:nvPr>
-            <p:ph type="title"/>
-          </p:nvPr>
-        </p:nvSpPr>
-        <p:spPr/>
-        <p:txBody>
-          <a:bodyPr/>
-          <a:lstStyle/>
-          <a:p>
-            <a:r>
-              <a:rPr lang="en-US" dirty="0"/>
-              <a:t>Controlling Everything with One Module</a:t>
-            </a:r>
-          </a:p>
-        </p:txBody>
-      </p:sp>
-      <p:sp>
-        <p:nvSpPr>
           <p:cNvPr id="4" name="Segnaposto contenuto 3">
             <a:extLst>
               <a:ext uri="{FF2B5EF4-FFF2-40B4-BE49-F238E27FC236}">
@@ -16257,19 +16965,24 @@
             <p:ph sz="half" idx="2"/>
           </p:nvPr>
         </p:nvSpPr>
-        <p:spPr/>
+        <p:spPr>
+          <a:xfrm>
+            <a:off x="6625711" y="1910568"/>
+            <a:ext cx="4572000" cy="3810001"/>
+          </a:xfrm>
+        </p:spPr>
         <p:txBody>
           <a:bodyPr>
             <a:normAutofit fontScale="92500" lnSpcReduction="10000"/>
           </a:bodyPr>
           <a:lstStyle/>
           <a:p>
-            <a:pPr marL="0" indent="0">
+            <a:pPr marL="0" indent="0" algn="just">
               <a:buNone/>
             </a:pPr>
             <a:r>
               <a:rPr lang="en-US" dirty="0"/>
-              <a:t>In order to control both the PWM ‘voltage’ and the wheels’ direction (inverting the voltage means inverting the rotation), the most common module in amatorial projects is the </a:t>
+              <a:t>In order to control both the PWM ‘voltage’ and the wheels’ direction (inverting the voltage means inverting the rotation), the most common module in amateur projects is the </a:t>
             </a:r>
             <a:r>
               <a:rPr lang="en-US" b="1" dirty="0"/>
@@ -16281,7 +16994,7 @@
             </a:r>
           </a:p>
           <a:p>
-            <a:pPr marL="0" indent="0">
+            <a:pPr marL="0" indent="0" algn="just">
               <a:buNone/>
             </a:pPr>
             <a:r>
@@ -16290,7 +17003,7 @@
             </a:r>
           </a:p>
           <a:p>
-            <a:pPr marL="0" indent="0">
+            <a:pPr marL="0" indent="0" algn="just">
               <a:buNone/>
             </a:pPr>
             <a:r>
@@ -16362,7 +17075,18 @@
           <p:nvPr/>
         </p:nvPicPr>
         <p:blipFill>
-          <a:blip r:embed="rId3"/>
+          <a:blip r:embed="rId3">
+            <a:clrChange>
+              <a:clrFrom>
+                <a:srgbClr val="FFFFFF"/>
+              </a:clrFrom>
+              <a:clrTo>
+                <a:srgbClr val="FFFFFF">
+                  <a:alpha val="0"/>
+                </a:srgbClr>
+              </a:clrTo>
+            </a:clrChange>
+          </a:blip>
           <a:stretch>
             <a:fillRect/>
           </a:stretch>
@@ -16392,7 +17116,18 @@
           <p:nvPr/>
         </p:nvPicPr>
         <p:blipFill rotWithShape="1">
-          <a:blip r:embed="rId4"/>
+          <a:blip r:embed="rId4">
+            <a:clrChange>
+              <a:clrFrom>
+                <a:srgbClr val="FFFFFF"/>
+              </a:clrFrom>
+              <a:clrTo>
+                <a:srgbClr val="FFFFFF">
+                  <a:alpha val="0"/>
+                </a:srgbClr>
+              </a:clrTo>
+            </a:clrChange>
+          </a:blip>
           <a:srcRect t="3057"/>
           <a:stretch/>
         </p:blipFill>
@@ -16406,6 +17141,87 @@
           </a:prstGeom>
         </p:spPr>
       </p:pic>
+      <p:sp>
+        <p:nvSpPr>
+          <p:cNvPr id="7" name="Titolo 1">
+            <a:extLst>
+              <a:ext uri="{FF2B5EF4-FFF2-40B4-BE49-F238E27FC236}">
+                <a16:creationId xmlns:a16="http://schemas.microsoft.com/office/drawing/2014/main" id="{B2EBA42F-2891-43FF-B27E-36A3DD1D39A2}"/>
+              </a:ext>
+            </a:extLst>
+          </p:cNvPr>
+          <p:cNvSpPr txBox="1">
+            <a:spLocks/>
+          </p:cNvSpPr>
+          <p:nvPr/>
+        </p:nvSpPr>
+        <p:spPr>
+          <a:xfrm>
+            <a:off x="4781551" y="373811"/>
+            <a:ext cx="7151658" cy="1353389"/>
+          </a:xfrm>
+          <a:prstGeom prst="rect">
+            <a:avLst/>
+          </a:prstGeom>
+        </p:spPr>
+        <p:txBody>
+          <a:bodyPr vert="horz" lIns="91440" tIns="45720" rIns="91440" bIns="45720" rtlCol="0" anchor="t">
+            <a:normAutofit/>
+          </a:bodyPr>
+          <a:lstStyle>
+            <a:lvl1pPr algn="l" defTabSz="914400" rtl="0" eaLnBrk="1" latinLnBrk="0" hangingPunct="1">
+              <a:lnSpc>
+                <a:spcPct val="90000"/>
+              </a:lnSpc>
+              <a:spcBef>
+                <a:spcPct val="0"/>
+              </a:spcBef>
+              <a:buNone/>
+              <a:defRPr sz="3200" b="1" kern="1200">
+                <a:solidFill>
+                  <a:schemeClr val="accent1">
+                    <a:lumMod val="75000"/>
+                  </a:schemeClr>
+                </a:solidFill>
+                <a:latin typeface="+mj-lt"/>
+                <a:ea typeface="+mj-ea"/>
+                <a:cs typeface="+mj-cs"/>
+              </a:defRPr>
+            </a:lvl1pPr>
+          </a:lstStyle>
+          <a:p>
+            <a:r>
+              <a:rPr lang="it-IT" dirty="0"/>
+              <a:t>One </a:t>
+            </a:r>
+            <a:r>
+              <a:rPr lang="it-IT" dirty="0" err="1"/>
+              <a:t>module</a:t>
+            </a:r>
+            <a:r>
+              <a:rPr lang="it-IT" dirty="0"/>
+              <a:t> to control </a:t>
+            </a:r>
+            <a:r>
+              <a:rPr lang="it-IT" dirty="0" err="1"/>
+              <a:t>them</a:t>
+            </a:r>
+            <a:r>
+              <a:rPr lang="it-IT" dirty="0"/>
+              <a:t> </a:t>
+            </a:r>
+            <a:r>
+              <a:rPr lang="it-IT" dirty="0" err="1"/>
+              <a:t>all</a:t>
+            </a:r>
+            <a:r>
+              <a:rPr lang="it-IT" dirty="0"/>
+              <a:t>...</a:t>
+            </a:r>
+            <a:endParaRPr lang="en-US" dirty="0"/>
+          </a:p>
+        </p:txBody>
+      </p:sp>
     </p:spTree>
     <p:extLst>
       <p:ext uri="{BB962C8B-B14F-4D97-AF65-F5344CB8AC3E}">
@@ -16450,34 +17266,6 @@
       </p:grpSpPr>
       <p:sp>
         <p:nvSpPr>
-          <p:cNvPr id="2" name="Titolo 1">
-            <a:extLst>
-              <a:ext uri="{FF2B5EF4-FFF2-40B4-BE49-F238E27FC236}">
-                <a16:creationId xmlns:a16="http://schemas.microsoft.com/office/drawing/2014/main" id="{F78FF46E-D81C-416E-9047-5B7F39DC94D3}"/>
-              </a:ext>
-            </a:extLst>
-          </p:cNvPr>
-          <p:cNvSpPr>
-            <a:spLocks noGrp="1"/>
-          </p:cNvSpPr>
-          <p:nvPr>
-            <p:ph type="title"/>
-          </p:nvPr>
-        </p:nvSpPr>
-        <p:spPr/>
-        <p:txBody>
-          <a:bodyPr/>
-          <a:lstStyle/>
-          <a:p>
-            <a:r>
-              <a:rPr lang="en-US" dirty="0"/>
-              <a:t>Servomotors</a:t>
-            </a:r>
-          </a:p>
-        </p:txBody>
-      </p:sp>
-      <p:sp>
-        <p:nvSpPr>
           <p:cNvPr id="4" name="Segnaposto contenuto 3">
             <a:extLst>
               <a:ext uri="{FF2B5EF4-FFF2-40B4-BE49-F238E27FC236}">
@@ -16494,13 +17282,13 @@
         </p:nvSpPr>
         <p:spPr>
           <a:xfrm>
-            <a:off x="6324600" y="1981199"/>
-            <a:ext cx="4572000" cy="3810001"/>
+            <a:off x="6324600" y="1492251"/>
+            <a:ext cx="5197641" cy="4584700"/>
           </a:xfrm>
         </p:spPr>
         <p:txBody>
           <a:bodyPr>
-            <a:normAutofit fontScale="92500" lnSpcReduction="20000"/>
+            <a:noAutofit/>
           </a:bodyPr>
           <a:lstStyle/>
           <a:p>
@@ -16635,6 +17423,63 @@
           </a:extLst>
         </p:spPr>
       </p:pic>
+      <p:sp>
+        <p:nvSpPr>
+          <p:cNvPr id="6" name="Titolo 1">
+            <a:extLst>
+              <a:ext uri="{FF2B5EF4-FFF2-40B4-BE49-F238E27FC236}">
+                <a16:creationId xmlns:a16="http://schemas.microsoft.com/office/drawing/2014/main" id="{34D34E56-67AA-4E22-9D9A-00D71160F4D9}"/>
+              </a:ext>
+            </a:extLst>
+          </p:cNvPr>
+          <p:cNvSpPr txBox="1">
+            <a:spLocks/>
+          </p:cNvSpPr>
+          <p:nvPr/>
+        </p:nvSpPr>
+        <p:spPr>
+          <a:xfrm>
+            <a:off x="4781551" y="373811"/>
+            <a:ext cx="7151658" cy="1353389"/>
+          </a:xfrm>
+          <a:prstGeom prst="rect">
+            <a:avLst/>
+          </a:prstGeom>
+        </p:spPr>
+        <p:txBody>
+          <a:bodyPr vert="horz" lIns="91440" tIns="45720" rIns="91440" bIns="45720" rtlCol="0" anchor="t">
+            <a:normAutofit/>
+          </a:bodyPr>
+          <a:lstStyle>
+            <a:lvl1pPr algn="l" defTabSz="914400" rtl="0" eaLnBrk="1" latinLnBrk="0" hangingPunct="1">
+              <a:lnSpc>
+                <a:spcPct val="90000"/>
+              </a:lnSpc>
+              <a:spcBef>
+                <a:spcPct val="0"/>
+              </a:spcBef>
+              <a:buNone/>
+              <a:defRPr sz="3200" b="1" kern="1200">
+                <a:solidFill>
+                  <a:schemeClr val="accent1">
+                    <a:lumMod val="75000"/>
+                  </a:schemeClr>
+                </a:solidFill>
+                <a:latin typeface="+mj-lt"/>
+                <a:ea typeface="+mj-ea"/>
+                <a:cs typeface="+mj-cs"/>
+              </a:defRPr>
+            </a:lvl1pPr>
+          </a:lstStyle>
+          <a:p>
+            <a:pPr algn="r"/>
+            <a:r>
+              <a:rPr lang="en-US" dirty="0"/>
+              <a:t>Servomotors</a:t>
+            </a:r>
+          </a:p>
+        </p:txBody>
+      </p:sp>
     </p:spTree>
     <p:extLst>
       <p:ext uri="{BB962C8B-B14F-4D97-AF65-F5344CB8AC3E}">
@@ -16679,34 +17524,6 @@
       </p:grpSpPr>
       <p:sp>
         <p:nvSpPr>
-          <p:cNvPr id="2" name="Titolo 1">
-            <a:extLst>
-              <a:ext uri="{FF2B5EF4-FFF2-40B4-BE49-F238E27FC236}">
-                <a16:creationId xmlns:a16="http://schemas.microsoft.com/office/drawing/2014/main" id="{0166452C-4E3E-470A-9390-53DC0A235417}"/>
-              </a:ext>
-            </a:extLst>
-          </p:cNvPr>
-          <p:cNvSpPr>
-            <a:spLocks noGrp="1"/>
-          </p:cNvSpPr>
-          <p:nvPr>
-            <p:ph type="title"/>
-          </p:nvPr>
-        </p:nvSpPr>
-        <p:spPr/>
-        <p:txBody>
-          <a:bodyPr/>
-          <a:lstStyle/>
-          <a:p>
-            <a:r>
-              <a:rPr lang="en-US" dirty="0"/>
-              <a:t>Servomotors – How do they work?</a:t>
-            </a:r>
-          </a:p>
-        </p:txBody>
-      </p:sp>
-      <p:sp>
-        <p:nvSpPr>
           <p:cNvPr id="4" name="Segnaposto contenuto 3">
             <a:extLst>
               <a:ext uri="{FF2B5EF4-FFF2-40B4-BE49-F238E27FC236}">
@@ -16728,7 +17545,7 @@
           </a:bodyPr>
           <a:lstStyle/>
           <a:p>
-            <a:pPr marL="0" indent="0">
+            <a:pPr marL="0" indent="0" algn="just">
               <a:buNone/>
             </a:pPr>
             <a:r>
@@ -16737,7 +17554,7 @@
             </a:r>
           </a:p>
           <a:p>
-            <a:pPr marL="0" indent="0">
+            <a:pPr marL="0" indent="0" algn="just">
               <a:buNone/>
             </a:pPr>
             <a:r>
@@ -16746,7 +17563,7 @@
             </a:r>
           </a:p>
           <a:p>
-            <a:pPr marL="0" indent="0">
+            <a:pPr marL="0" indent="0" algn="just">
               <a:buNone/>
             </a:pPr>
             <a:r>
@@ -16772,6 +17589,16 @@
         </p:nvPicPr>
         <p:blipFill>
           <a:blip r:embed="rId2">
+            <a:clrChange>
+              <a:clrFrom>
+                <a:srgbClr val="FFFFFF"/>
+              </a:clrFrom>
+              <a:clrTo>
+                <a:srgbClr val="FFFFFF">
+                  <a:alpha val="0"/>
+                </a:srgbClr>
+              </a:clrTo>
+            </a:clrChange>
             <a:extLst>
               <a:ext uri="{28A0092B-C50C-407E-A947-70E740481C1C}">
                 <a14:useLocalDpi xmlns:a14="http://schemas.microsoft.com/office/drawing/2010/main" val="0"/>
@@ -16803,6 +17630,192 @@
           </a:extLst>
         </p:spPr>
       </p:pic>
+      <p:sp>
+        <p:nvSpPr>
+          <p:cNvPr id="5" name="Titolo 1">
+            <a:extLst>
+              <a:ext uri="{FF2B5EF4-FFF2-40B4-BE49-F238E27FC236}">
+                <a16:creationId xmlns:a16="http://schemas.microsoft.com/office/drawing/2014/main" id="{BA59DCD3-1226-4EE6-8FD4-CA12C3C570E2}"/>
+              </a:ext>
+            </a:extLst>
+          </p:cNvPr>
+          <p:cNvSpPr txBox="1">
+            <a:spLocks/>
+          </p:cNvSpPr>
+          <p:nvPr/>
+        </p:nvSpPr>
+        <p:spPr>
+          <a:xfrm>
+            <a:off x="4781551" y="373811"/>
+            <a:ext cx="7151658" cy="1353389"/>
+          </a:xfrm>
+          <a:prstGeom prst="rect">
+            <a:avLst/>
+          </a:prstGeom>
+        </p:spPr>
+        <p:txBody>
+          <a:bodyPr vert="horz" lIns="91440" tIns="45720" rIns="91440" bIns="45720" rtlCol="0" anchor="t">
+            <a:normAutofit/>
+          </a:bodyPr>
+          <a:lstStyle>
+            <a:lvl1pPr algn="l" defTabSz="914400" rtl="0" eaLnBrk="1" latinLnBrk="0" hangingPunct="1">
+              <a:lnSpc>
+                <a:spcPct val="90000"/>
+              </a:lnSpc>
+              <a:spcBef>
+                <a:spcPct val="0"/>
+              </a:spcBef>
+              <a:buNone/>
+              <a:defRPr sz="3200" b="1" kern="1200">
+                <a:solidFill>
+                  <a:schemeClr val="accent1">
+                    <a:lumMod val="75000"/>
+                  </a:schemeClr>
+                </a:solidFill>
+                <a:latin typeface="+mj-lt"/>
+                <a:ea typeface="+mj-ea"/>
+                <a:cs typeface="+mj-cs"/>
+              </a:defRPr>
+            </a:lvl1pPr>
+          </a:lstStyle>
+          <a:p>
+            <a:pPr algn="r"/>
+            <a:r>
+              <a:rPr lang="en-US" dirty="0"/>
+              <a:t>Servomotors</a:t>
+            </a:r>
+          </a:p>
+        </p:txBody>
+      </p:sp>
+      <p:sp>
+        <p:nvSpPr>
+          <p:cNvPr id="6" name="Titolo 1">
+            <a:extLst>
+              <a:ext uri="{FF2B5EF4-FFF2-40B4-BE49-F238E27FC236}">
+                <a16:creationId xmlns:a16="http://schemas.microsoft.com/office/drawing/2014/main" id="{1E953B17-182A-44C0-BBC1-66FC986D31D9}"/>
+              </a:ext>
+            </a:extLst>
+          </p:cNvPr>
+          <p:cNvSpPr txBox="1">
+            <a:spLocks/>
+          </p:cNvSpPr>
+          <p:nvPr/>
+        </p:nvSpPr>
+        <p:spPr>
+          <a:xfrm>
+            <a:off x="206206" y="974440"/>
+            <a:ext cx="5637037" cy="496049"/>
+          </a:xfrm>
+          <a:prstGeom prst="rect">
+            <a:avLst/>
+          </a:prstGeom>
+        </p:spPr>
+        <p:txBody>
+          <a:bodyPr vert="horz" lIns="91440" tIns="45720" rIns="91440" bIns="45720" rtlCol="0" anchor="b">
+            <a:normAutofit fontScale="90000"/>
+          </a:bodyPr>
+          <a:lstStyle>
+            <a:lvl1pPr algn="l" defTabSz="914400" rtl="0" eaLnBrk="1" latinLnBrk="0" hangingPunct="1">
+              <a:lnSpc>
+                <a:spcPct val="90000"/>
+              </a:lnSpc>
+              <a:spcBef>
+                <a:spcPct val="0"/>
+              </a:spcBef>
+              <a:buNone/>
+              <a:defRPr sz="3200" b="1" kern="1200">
+                <a:solidFill>
+                  <a:schemeClr val="accent1">
+                    <a:lumMod val="75000"/>
+                  </a:schemeClr>
+                </a:solidFill>
+                <a:latin typeface="+mj-lt"/>
+                <a:ea typeface="+mj-ea"/>
+                <a:cs typeface="+mj-cs"/>
+              </a:defRPr>
+            </a:lvl1pPr>
+          </a:lstStyle>
+          <a:p>
+            <a:r>
+              <a:rPr lang="it-IT" b="0" dirty="0" err="1">
+                <a:ln w="0"/>
+                <a:solidFill>
+                  <a:schemeClr val="accent1"/>
+                </a:solidFill>
+                <a:effectLst>
+                  <a:outerShdw blurRad="38100" dist="25400" dir="5400000" algn="ctr" rotWithShape="0">
+                    <a:srgbClr val="6E747A">
+                      <a:alpha val="43000"/>
+                    </a:srgbClr>
+                  </a:outerShdw>
+                </a:effectLst>
+              </a:rPr>
+              <a:t>ServoMotors</a:t>
+            </a:r>
+            <a:r>
+              <a:rPr lang="it-IT" b="0" dirty="0">
+                <a:ln w="0"/>
+                <a:solidFill>
+                  <a:schemeClr val="accent1"/>
+                </a:solidFill>
+                <a:effectLst>
+                  <a:outerShdw blurRad="38100" dist="25400" dir="5400000" algn="ctr" rotWithShape="0">
+                    <a:srgbClr val="6E747A">
+                      <a:alpha val="43000"/>
+                    </a:srgbClr>
+                  </a:outerShdw>
+                </a:effectLst>
+              </a:rPr>
+              <a:t>: </a:t>
+            </a:r>
+            <a:r>
+              <a:rPr lang="it-IT" b="0" dirty="0" err="1">
+                <a:ln w="0"/>
+                <a:solidFill>
+                  <a:schemeClr val="accent1"/>
+                </a:solidFill>
+                <a:effectLst>
+                  <a:outerShdw blurRad="38100" dist="25400" dir="5400000" algn="ctr" rotWithShape="0">
+                    <a:srgbClr val="6E747A">
+                      <a:alpha val="43000"/>
+                    </a:srgbClr>
+                  </a:outerShdw>
+                </a:effectLst>
+              </a:rPr>
+              <a:t>how</a:t>
+            </a:r>
+            <a:r>
+              <a:rPr lang="it-IT" b="0" dirty="0">
+                <a:ln w="0"/>
+                <a:solidFill>
+                  <a:schemeClr val="accent1"/>
+                </a:solidFill>
+                <a:effectLst>
+                  <a:outerShdw blurRad="38100" dist="25400" dir="5400000" algn="ctr" rotWithShape="0">
+                    <a:srgbClr val="6E747A">
+                      <a:alpha val="43000"/>
+                    </a:srgbClr>
+                  </a:outerShdw>
+                </a:effectLst>
+              </a:rPr>
+              <a:t> do they work?</a:t>
+            </a:r>
+            <a:endParaRPr lang="en-US" b="0" dirty="0">
+              <a:ln w="0"/>
+              <a:solidFill>
+                <a:schemeClr val="accent1"/>
+              </a:solidFill>
+              <a:effectLst>
+                <a:outerShdw blurRad="38100" dist="25400" dir="5400000" algn="ctr" rotWithShape="0">
+                  <a:srgbClr val="6E747A">
+                    <a:alpha val="43000"/>
+                  </a:srgbClr>
+                </a:outerShdw>
+              </a:effectLst>
+            </a:endParaRPr>
+          </a:p>
+        </p:txBody>
+      </p:sp>
     </p:spTree>
     <p:extLst>
       <p:ext uri="{BB962C8B-B14F-4D97-AF65-F5344CB8AC3E}">
@@ -16861,19 +17874,79 @@
             <p:ph type="title"/>
           </p:nvPr>
         </p:nvSpPr>
-        <p:spPr/>
+        <p:spPr>
+          <a:xfrm>
+            <a:off x="185913" y="498190"/>
+            <a:ext cx="3673415" cy="496049"/>
+          </a:xfrm>
+        </p:spPr>
         <p:txBody>
-          <a:bodyPr/>
+          <a:bodyPr>
+            <a:normAutofit fontScale="90000"/>
+          </a:bodyPr>
           <a:lstStyle/>
           <a:p>
             <a:r>
-              <a:rPr lang="it-IT" dirty="0"/>
-              <a:t>IR Tracking Sensor </a:t>
-            </a:r>
-            <a:r>
-              <a:rPr lang="en-US" dirty="0"/>
-              <a:t>Module – Schematics</a:t>
-            </a:r>
+              <a:rPr lang="it-IT" b="0" dirty="0">
+                <a:ln w="0"/>
+                <a:solidFill>
+                  <a:schemeClr val="accent1"/>
+                </a:solidFill>
+                <a:effectLst>
+                  <a:outerShdw blurRad="38100" dist="25400" dir="5400000" algn="ctr" rotWithShape="0">
+                    <a:srgbClr val="6E747A">
+                      <a:alpha val="43000"/>
+                    </a:srgbClr>
+                  </a:outerShdw>
+                </a:effectLst>
+              </a:rPr>
+              <a:t>The </a:t>
+            </a:r>
+            <a:r>
+              <a:rPr lang="it-IT" b="0" dirty="0" err="1">
+                <a:ln w="0"/>
+                <a:solidFill>
+                  <a:schemeClr val="accent1"/>
+                </a:solidFill>
+                <a:effectLst>
+                  <a:outerShdw blurRad="38100" dist="25400" dir="5400000" algn="ctr" rotWithShape="0">
+                    <a:srgbClr val="6E747A">
+                      <a:alpha val="43000"/>
+                    </a:srgbClr>
+                  </a:outerShdw>
+                </a:effectLst>
+              </a:rPr>
+              <a:t>Schematics</a:t>
+            </a:r>
+            <a:r>
+              <a:rPr lang="it-IT" b="0" dirty="0">
+                <a:ln w="0"/>
+                <a:solidFill>
+                  <a:schemeClr val="accent1"/>
+                </a:solidFill>
+                <a:effectLst>
+                  <a:outerShdw blurRad="38100" dist="25400" dir="5400000" algn="ctr" rotWithShape="0">
+                    <a:srgbClr val="6E747A">
+                      <a:alpha val="43000"/>
+                    </a:srgbClr>
+                  </a:outerShdw>
+                </a:effectLst>
+              </a:rPr>
+              <a:t>:</a:t>
+            </a:r>
+            <a:endParaRPr lang="en-US" b="0" dirty="0">
+              <a:ln w="0"/>
+              <a:solidFill>
+                <a:schemeClr val="accent1"/>
+              </a:solidFill>
+              <a:effectLst>
+                <a:outerShdw blurRad="38100" dist="25400" dir="5400000" algn="ctr" rotWithShape="0">
+                  <a:srgbClr val="6E747A">
+                    <a:alpha val="43000"/>
+                  </a:srgbClr>
+                </a:outerShdw>
+              </a:effectLst>
+            </a:endParaRPr>
           </a:p>
         </p:txBody>
       </p:sp>
@@ -16895,63 +17968,112 @@
         </p:nvSpPr>
         <p:spPr>
           <a:xfrm>
-            <a:off x="6324599" y="1981199"/>
-            <a:ext cx="5113421" cy="4372948"/>
+            <a:off x="5906219" y="1152219"/>
+            <a:ext cx="6101751" cy="4595005"/>
           </a:xfrm>
         </p:spPr>
         <p:txBody>
           <a:bodyPr>
-            <a:normAutofit fontScale="92500" lnSpcReduction="20000"/>
+            <a:noAutofit/>
           </a:bodyPr>
           <a:lstStyle/>
           <a:p>
-            <a:pPr marL="0" indent="0">
+            <a:pPr marL="0" indent="0" algn="just">
               <a:buNone/>
             </a:pPr>
             <a:r>
               <a:rPr lang="en-US" b="1" dirty="0"/>
-              <a:t>Observations on the schematics</a:t>
-            </a:r>
-            <a:br>
+              <a:t>Block A </a:t>
+            </a:r>
+            <a:r>
+              <a:rPr lang="en-US" dirty="0"/>
+              <a:t>contains the U2 module that has the IR led and the </a:t>
+            </a:r>
+            <a:r>
               <a:rPr lang="en-US" b="1" dirty="0"/>
-            </a:br>
-            <a:br>
-              <a:rPr lang="en-US" b="1" dirty="0"/>
-            </a:br>
+              <a:t>Photoresistor</a:t>
+            </a:r>
             <a:r>
               <a:rPr lang="en-US" dirty="0"/>
-              <a:t>Block A contains the U2 module that has the IR led and the Photoresistor.</a:t>
+              <a:t>.</a:t>
             </a:r>
           </a:p>
           <a:p>
-            <a:pPr marL="0" indent="0">
+            <a:pPr marL="0" indent="0" algn="just">
               <a:buNone/>
             </a:pPr>
             <a:r>
+              <a:rPr lang="en-US" b="1" dirty="0"/>
+              <a:t>Block B </a:t>
+            </a:r>
+            <a:r>
               <a:rPr lang="en-US" dirty="0"/>
-              <a:t>Block B contains a simple comparing circuit with two status led (D1 and D2) and one potentiometer R3 for manual regulating the threshold of the entire sensor. </a:t>
+              <a:t>contains a simple </a:t>
+            </a:r>
+            <a:r>
+              <a:rPr lang="en-US" b="1" dirty="0"/>
+              <a:t>comparing circuit </a:t>
+            </a:r>
+            <a:r>
+              <a:rPr lang="en-US" dirty="0"/>
+              <a:t>with two status led (</a:t>
+            </a:r>
+            <a:r>
+              <a:rPr lang="en-US" b="1" dirty="0"/>
+              <a:t>D1</a:t>
+            </a:r>
+            <a:r>
+              <a:rPr lang="en-US" dirty="0"/>
+              <a:t> and </a:t>
+            </a:r>
+            <a:r>
+              <a:rPr lang="en-US" b="1" dirty="0"/>
+              <a:t>D2</a:t>
+            </a:r>
+            <a:r>
+              <a:rPr lang="en-US" dirty="0"/>
+              <a:t>) and one </a:t>
+            </a:r>
+            <a:r>
+              <a:rPr lang="en-US" b="1" dirty="0"/>
+              <a:t>potentiometer</a:t>
+            </a:r>
+            <a:r>
+              <a:rPr lang="en-US" dirty="0"/>
+              <a:t> </a:t>
+            </a:r>
+            <a:r>
+              <a:rPr lang="en-US" b="1" dirty="0"/>
+              <a:t>R3</a:t>
+            </a:r>
+            <a:r>
+              <a:rPr lang="en-US" dirty="0"/>
+              <a:t> for manual regulating the threshold of the entire sensor. </a:t>
+            </a:r>
+          </a:p>
+          <a:p>
+            <a:pPr marL="0" indent="0" algn="just">
+              <a:buNone/>
+            </a:pPr>
+            <a:r>
+              <a:rPr lang="en-US" b="1" dirty="0"/>
+              <a:t>D1</a:t>
+            </a:r>
+            <a:r>
+              <a:rPr lang="en-US" dirty="0"/>
+              <a:t> indicates whether the sensor is powered up or not. D2 indicates if the signal is positive (</a:t>
+            </a:r>
+            <a:r>
+              <a:rPr lang="en-US" b="1" dirty="0"/>
+              <a:t>SIG=VCC</a:t>
+            </a:r>
+            <a:r>
+              <a:rPr lang="en-US" dirty="0"/>
+              <a:t>).</a:t>
             </a:r>
             <a:br>
               <a:rPr lang="en-US" dirty="0"/>
             </a:br>
-            <a:r>
-              <a:rPr lang="en-US" dirty="0"/>
-              <a:t>D1 indicates whether the sensor is powered up or not. D2 indicates if the signal is positive (SIG=VCC).</a:t>
-            </a:r>
-            <a:br>
-              <a:rPr lang="en-US" dirty="0"/>
-            </a:br>
-            <a:r>
-              <a:rPr lang="en-US" dirty="0"/>
-              <a:t>LM393 is constituted by 2 standard low offset voltage comparators (only one is used) that returns VCC as +VCC and GND as -VCC, working indeed as a sort of Boolean operator. </a:t>
-            </a:r>
-            <a:br>
-              <a:rPr lang="en-US" dirty="0"/>
-            </a:br>
-            <a:r>
-              <a:rPr lang="en-US" dirty="0"/>
-              <a:t>Capacitors C1 and C2 are placed in order to maintain SIG and 1IN- stable in case of power supplying problems.</a:t>
-            </a:r>
             <a:br>
               <a:rPr lang="en-US" dirty="0"/>
             </a:br>
@@ -16983,8 +18105,165 @@
         </p:blipFill>
         <p:spPr>
           <a:xfrm>
-            <a:off x="622985" y="2433136"/>
+            <a:off x="375695" y="1152219"/>
             <a:ext cx="5244416" cy="2523875"/>
+          </a:xfrm>
+          <a:prstGeom prst="rect">
+            <a:avLst/>
+          </a:prstGeom>
+        </p:spPr>
+      </p:pic>
+      <p:sp>
+        <p:nvSpPr>
+          <p:cNvPr id="6" name="Titolo 1">
+            <a:extLst>
+              <a:ext uri="{FF2B5EF4-FFF2-40B4-BE49-F238E27FC236}">
+                <a16:creationId xmlns:a16="http://schemas.microsoft.com/office/drawing/2014/main" id="{A5B0E9F7-77C7-43CB-A461-E8681926316B}"/>
+              </a:ext>
+            </a:extLst>
+          </p:cNvPr>
+          <p:cNvSpPr txBox="1">
+            <a:spLocks/>
+          </p:cNvSpPr>
+          <p:nvPr/>
+        </p:nvSpPr>
+        <p:spPr>
+          <a:xfrm>
+            <a:off x="6137695" y="373811"/>
+            <a:ext cx="5795513" cy="605317"/>
+          </a:xfrm>
+          <a:prstGeom prst="rect">
+            <a:avLst/>
+          </a:prstGeom>
+        </p:spPr>
+        <p:txBody>
+          <a:bodyPr vert="horz" lIns="91440" tIns="45720" rIns="91440" bIns="45720" rtlCol="0" anchor="b">
+            <a:normAutofit/>
+          </a:bodyPr>
+          <a:lstStyle>
+            <a:lvl1pPr algn="l" defTabSz="914400" rtl="0" eaLnBrk="1" latinLnBrk="0" hangingPunct="1">
+              <a:lnSpc>
+                <a:spcPct val="90000"/>
+              </a:lnSpc>
+              <a:spcBef>
+                <a:spcPct val="0"/>
+              </a:spcBef>
+              <a:buNone/>
+              <a:defRPr sz="3200" b="1" kern="1200">
+                <a:solidFill>
+                  <a:schemeClr val="accent1">
+                    <a:lumMod val="75000"/>
+                  </a:schemeClr>
+                </a:solidFill>
+                <a:latin typeface="+mj-lt"/>
+                <a:ea typeface="+mj-ea"/>
+                <a:cs typeface="+mj-cs"/>
+              </a:defRPr>
+            </a:lvl1pPr>
+          </a:lstStyle>
+          <a:p>
+            <a:r>
+              <a:rPr lang="it-IT" dirty="0"/>
+              <a:t>IR Tracking Sensor </a:t>
+            </a:r>
+            <a:r>
+              <a:rPr lang="en-US" dirty="0"/>
+              <a:t>Module</a:t>
+            </a:r>
+          </a:p>
+        </p:txBody>
+      </p:sp>
+      <p:sp>
+        <p:nvSpPr>
+          <p:cNvPr id="3" name="CasellaDiTesto 2">
+            <a:extLst>
+              <a:ext uri="{FF2B5EF4-FFF2-40B4-BE49-F238E27FC236}">
+                <a16:creationId xmlns:a16="http://schemas.microsoft.com/office/drawing/2014/main" id="{6A856B9A-7B03-47EB-9C29-0513401C839B}"/>
+              </a:ext>
+            </a:extLst>
+          </p:cNvPr>
+          <p:cNvSpPr txBox="1"/>
+          <p:nvPr/>
+        </p:nvSpPr>
+        <p:spPr>
+          <a:xfrm>
+            <a:off x="253761" y="3834075"/>
+            <a:ext cx="5583446" cy="2554545"/>
+          </a:xfrm>
+          <a:prstGeom prst="rect">
+            <a:avLst/>
+          </a:prstGeom>
+          <a:noFill/>
+        </p:spPr>
+        <p:txBody>
+          <a:bodyPr wrap="square" rtlCol="0">
+            <a:spAutoFit/>
+          </a:bodyPr>
+          <a:lstStyle/>
+          <a:p>
+            <a:pPr algn="just"/>
+            <a:r>
+              <a:rPr lang="en-US" sz="2000" b="1" dirty="0"/>
+              <a:t>LM393</a:t>
+            </a:r>
+            <a:r>
+              <a:rPr lang="en-US" sz="2000" dirty="0"/>
+              <a:t> is constituted by 2 standard low offset voltage comparators (only one is used) that returns VCC as +VCC and GND as -VCC, working indeed as a sort of Boolean operator. </a:t>
+            </a:r>
+            <a:br>
+              <a:rPr lang="en-US" sz="2000" dirty="0"/>
+            </a:br>
+            <a:r>
+              <a:rPr lang="en-US" sz="2000" dirty="0"/>
+              <a:t>Capacitors C1 and C2 are placed in order to maintain SIG and 1IN- stable in case of power supplying problems.</a:t>
+            </a:r>
+          </a:p>
+          <a:p>
+            <a:pPr algn="just"/>
+            <a:endParaRPr lang="en-US" sz="2000" dirty="0"/>
+          </a:p>
+        </p:txBody>
+      </p:sp>
+      <p:pic>
+        <p:nvPicPr>
+          <p:cNvPr id="10" name="Immagine 9">
+            <a:extLst>
+              <a:ext uri="{FF2B5EF4-FFF2-40B4-BE49-F238E27FC236}">
+                <a16:creationId xmlns:a16="http://schemas.microsoft.com/office/drawing/2014/main" id="{635AD889-3F70-4487-AF3B-6DFC4C2040CE}"/>
+              </a:ext>
+            </a:extLst>
+          </p:cNvPr>
+          <p:cNvPicPr>
+            <a:picLocks noChangeAspect="1"/>
+          </p:cNvPicPr>
+          <p:nvPr/>
+        </p:nvPicPr>
+        <p:blipFill>
+          <a:blip r:embed="rId3">
+            <a:clrChange>
+              <a:clrFrom>
+                <a:srgbClr val="FFFFFF"/>
+              </a:clrFrom>
+              <a:clrTo>
+                <a:srgbClr val="FFFFFF">
+                  <a:alpha val="0"/>
+                </a:srgbClr>
+              </a:clrTo>
+            </a:clrChange>
+            <a:extLst>
+              <a:ext uri="{28A0092B-C50C-407E-A947-70E740481C1C}">
+                <a14:useLocalDpi xmlns:a14="http://schemas.microsoft.com/office/drawing/2010/main" val="0"/>
+              </a:ext>
+            </a:extLst>
+          </a:blip>
+          <a:stretch>
+            <a:fillRect/>
+          </a:stretch>
+        </p:blipFill>
+        <p:spPr>
+          <a:xfrm>
+            <a:off x="6862315" y="4279305"/>
+            <a:ext cx="2907100" cy="1674274"/>
           </a:xfrm>
           <a:prstGeom prst="rect">
             <a:avLst/>
@@ -17013,6 +18292,267 @@
       </p:transition>
     </mc:Fallback>
   </mc:AlternateContent>
+  <p:timing>
+    <p:tnLst>
+      <p:par>
+        <p:cTn id="1" dur="indefinite" restart="never" nodeType="tmRoot">
+          <p:childTnLst>
+            <p:seq concurrent="1" nextAc="seek">
+              <p:cTn id="2" dur="indefinite" nodeType="mainSeq">
+                <p:childTnLst>
+                  <p:par>
+                    <p:cTn id="3" fill="hold">
+                      <p:stCondLst>
+                        <p:cond delay="indefinite"/>
+                      </p:stCondLst>
+                      <p:childTnLst>
+                        <p:par>
+                          <p:cTn id="4" fill="hold">
+                            <p:stCondLst>
+                              <p:cond delay="0"/>
+                            </p:stCondLst>
+                            <p:childTnLst>
+                              <p:par>
+                                <p:cTn id="5" presetID="1" presetClass="entr" presetSubtype="0" fill="hold" grpId="0" nodeType="clickEffect">
+                                  <p:stCondLst>
+                                    <p:cond delay="0"/>
+                                  </p:stCondLst>
+                                  <p:childTnLst>
+                                    <p:set>
+                                      <p:cBhvr>
+                                        <p:cTn id="6" dur="1" fill="hold">
+                                          <p:stCondLst>
+                                            <p:cond delay="0"/>
+                                          </p:stCondLst>
+                                        </p:cTn>
+                                        <p:tgtEl>
+                                          <p:spTgt spid="4">
+                                            <p:txEl>
+                                              <p:pRg st="0" end="0"/>
+                                            </p:txEl>
+                                          </p:spTgt>
+                                        </p:tgtEl>
+                                        <p:attrNameLst>
+                                          <p:attrName>style.visibility</p:attrName>
+                                        </p:attrNameLst>
+                                      </p:cBhvr>
+                                      <p:to>
+                                        <p:strVal val="visible"/>
+                                      </p:to>
+                                    </p:set>
+                                  </p:childTnLst>
+                                </p:cTn>
+                              </p:par>
+                            </p:childTnLst>
+                          </p:cTn>
+                        </p:par>
+                      </p:childTnLst>
+                    </p:cTn>
+                  </p:par>
+                  <p:par>
+                    <p:cTn id="7" fill="hold">
+                      <p:stCondLst>
+                        <p:cond delay="indefinite"/>
+                      </p:stCondLst>
+                      <p:childTnLst>
+                        <p:par>
+                          <p:cTn id="8" fill="hold">
+                            <p:stCondLst>
+                              <p:cond delay="0"/>
+                            </p:stCondLst>
+                            <p:childTnLst>
+                              <p:par>
+                                <p:cTn id="9" presetID="1" presetClass="entr" presetSubtype="0" fill="hold" grpId="0" nodeType="clickEffect">
+                                  <p:stCondLst>
+                                    <p:cond delay="0"/>
+                                  </p:stCondLst>
+                                  <p:childTnLst>
+                                    <p:set>
+                                      <p:cBhvr>
+                                        <p:cTn id="10" dur="1" fill="hold">
+                                          <p:stCondLst>
+                                            <p:cond delay="0"/>
+                                          </p:stCondLst>
+                                        </p:cTn>
+                                        <p:tgtEl>
+                                          <p:spTgt spid="4">
+                                            <p:txEl>
+                                              <p:pRg st="1" end="1"/>
+                                            </p:txEl>
+                                          </p:spTgt>
+                                        </p:tgtEl>
+                                        <p:attrNameLst>
+                                          <p:attrName>style.visibility</p:attrName>
+                                        </p:attrNameLst>
+                                      </p:cBhvr>
+                                      <p:to>
+                                        <p:strVal val="visible"/>
+                                      </p:to>
+                                    </p:set>
+                                  </p:childTnLst>
+                                </p:cTn>
+                              </p:par>
+                            </p:childTnLst>
+                          </p:cTn>
+                        </p:par>
+                      </p:childTnLst>
+                    </p:cTn>
+                  </p:par>
+                  <p:par>
+                    <p:cTn id="11" fill="hold">
+                      <p:stCondLst>
+                        <p:cond delay="indefinite"/>
+                      </p:stCondLst>
+                      <p:childTnLst>
+                        <p:par>
+                          <p:cTn id="12" fill="hold">
+                            <p:stCondLst>
+                              <p:cond delay="0"/>
+                            </p:stCondLst>
+                            <p:childTnLst>
+                              <p:par>
+                                <p:cTn id="13" presetID="1" presetClass="entr" presetSubtype="0" fill="hold" grpId="0" nodeType="clickEffect">
+                                  <p:stCondLst>
+                                    <p:cond delay="0"/>
+                                  </p:stCondLst>
+                                  <p:childTnLst>
+                                    <p:set>
+                                      <p:cBhvr>
+                                        <p:cTn id="14" dur="1" fill="hold">
+                                          <p:stCondLst>
+                                            <p:cond delay="0"/>
+                                          </p:stCondLst>
+                                        </p:cTn>
+                                        <p:tgtEl>
+                                          <p:spTgt spid="4">
+                                            <p:txEl>
+                                              <p:pRg st="2" end="2"/>
+                                            </p:txEl>
+                                          </p:spTgt>
+                                        </p:tgtEl>
+                                        <p:attrNameLst>
+                                          <p:attrName>style.visibility</p:attrName>
+                                        </p:attrNameLst>
+                                      </p:cBhvr>
+                                      <p:to>
+                                        <p:strVal val="visible"/>
+                                      </p:to>
+                                    </p:set>
+                                  </p:childTnLst>
+                                </p:cTn>
+                              </p:par>
+                            </p:childTnLst>
+                          </p:cTn>
+                        </p:par>
+                      </p:childTnLst>
+                    </p:cTn>
+                  </p:par>
+                  <p:par>
+                    <p:cTn id="15" fill="hold">
+                      <p:stCondLst>
+                        <p:cond delay="indefinite"/>
+                      </p:stCondLst>
+                      <p:childTnLst>
+                        <p:par>
+                          <p:cTn id="16" fill="hold">
+                            <p:stCondLst>
+                              <p:cond delay="0"/>
+                            </p:stCondLst>
+                            <p:childTnLst>
+                              <p:par>
+                                <p:cTn id="17" presetID="1" presetClass="entr" presetSubtype="0" fill="hold" grpId="0" nodeType="clickEffect">
+                                  <p:stCondLst>
+                                    <p:cond delay="0"/>
+                                  </p:stCondLst>
+                                  <p:childTnLst>
+                                    <p:set>
+                                      <p:cBhvr>
+                                        <p:cTn id="18" dur="1" fill="hold">
+                                          <p:stCondLst>
+                                            <p:cond delay="0"/>
+                                          </p:stCondLst>
+                                        </p:cTn>
+                                        <p:tgtEl>
+                                          <p:spTgt spid="3"/>
+                                        </p:tgtEl>
+                                        <p:attrNameLst>
+                                          <p:attrName>style.visibility</p:attrName>
+                                        </p:attrNameLst>
+                                      </p:cBhvr>
+                                      <p:to>
+                                        <p:strVal val="visible"/>
+                                      </p:to>
+                                    </p:set>
+                                  </p:childTnLst>
+                                </p:cTn>
+                              </p:par>
+                              <p:par>
+                                <p:cTn id="19" presetID="10" presetClass="entr" presetSubtype="0" fill="hold" nodeType="withEffect">
+                                  <p:stCondLst>
+                                    <p:cond delay="0"/>
+                                  </p:stCondLst>
+                                  <p:childTnLst>
+                                    <p:set>
+                                      <p:cBhvr>
+                                        <p:cTn id="20" dur="1" fill="hold">
+                                          <p:stCondLst>
+                                            <p:cond delay="0"/>
+                                          </p:stCondLst>
+                                        </p:cTn>
+                                        <p:tgtEl>
+                                          <p:spTgt spid="10"/>
+                                        </p:tgtEl>
+                                        <p:attrNameLst>
+                                          <p:attrName>style.visibility</p:attrName>
+                                        </p:attrNameLst>
+                                      </p:cBhvr>
+                                      <p:to>
+                                        <p:strVal val="visible"/>
+                                      </p:to>
+                                    </p:set>
+                                    <p:animEffect transition="in" filter="fade">
+                                      <p:cBhvr>
+                                        <p:cTn id="21" dur="500"/>
+                                        <p:tgtEl>
+                                          <p:spTgt spid="10"/>
+                                        </p:tgtEl>
+                                      </p:cBhvr>
+                                    </p:animEffect>
+                                  </p:childTnLst>
+                                </p:cTn>
+                              </p:par>
+                            </p:childTnLst>
+                          </p:cTn>
+                        </p:par>
+                      </p:childTnLst>
+                    </p:cTn>
+                  </p:par>
+                </p:childTnLst>
+              </p:cTn>
+              <p:prevCondLst>
+                <p:cond evt="onPrev" delay="0">
+                  <p:tgtEl>
+                    <p:sldTgt/>
+                  </p:tgtEl>
+                </p:cond>
+              </p:prevCondLst>
+              <p:nextCondLst>
+                <p:cond evt="onNext" delay="0">
+                  <p:tgtEl>
+                    <p:sldTgt/>
+                  </p:tgtEl>
+                </p:cond>
+              </p:nextCondLst>
+            </p:seq>
+          </p:childTnLst>
+        </p:cTn>
+      </p:par>
+    </p:tnLst>
+    <p:bldLst>
+      <p:bldP spid="4" grpId="0" build="p"/>
+      <p:bldP spid="3" grpId="0"/>
+    </p:bldLst>
+  </p:timing>
 </p:sld>
 </file>
 
@@ -17033,43 +18573,6 @@
           <a:chExt cx="0" cy="0"/>
         </a:xfrm>
       </p:grpSpPr>
-      <p:sp>
-        <p:nvSpPr>
-          <p:cNvPr id="2" name="Titolo 1">
-            <a:extLst>
-              <a:ext uri="{FF2B5EF4-FFF2-40B4-BE49-F238E27FC236}">
-                <a16:creationId xmlns:a16="http://schemas.microsoft.com/office/drawing/2014/main" id="{EA107276-60BB-4DFF-A6DF-F2208B06CDF1}"/>
-              </a:ext>
-            </a:extLst>
-          </p:cNvPr>
-          <p:cNvSpPr>
-            <a:spLocks noGrp="1"/>
-          </p:cNvSpPr>
-          <p:nvPr>
-            <p:ph type="title"/>
-          </p:nvPr>
-        </p:nvSpPr>
-        <p:spPr/>
-        <p:txBody>
-          <a:bodyPr/>
-          <a:lstStyle/>
-          <a:p>
-            <a:r>
-              <a:rPr lang="it-IT" i="1" dirty="0"/>
-              <a:t>HC-SR04 </a:t>
-            </a:r>
-            <a:r>
-              <a:rPr lang="it-IT" i="1" dirty="0" err="1"/>
-              <a:t>Echo</a:t>
-            </a:r>
-            <a:r>
-              <a:rPr lang="it-IT" i="1" dirty="0"/>
-              <a:t> Locator</a:t>
-            </a:r>
-            <a:endParaRPr lang="it-IT" dirty="0"/>
-          </a:p>
-        </p:txBody>
-      </p:sp>
       <p:pic>
         <p:nvPicPr>
           <p:cNvPr id="5" name="Segnaposto contenuto 4">
@@ -17153,7 +18656,7 @@
         </p:blipFill>
         <p:spPr>
           <a:xfrm>
-            <a:off x="1676400" y="1981200"/>
+            <a:off x="791980" y="1524000"/>
             <a:ext cx="3810000" cy="3810000"/>
           </a:xfrm>
           <a:prstGeom prst="rect">
@@ -17177,70 +18680,448 @@
             <p:ph sz="half" idx="2"/>
           </p:nvPr>
         </p:nvSpPr>
-        <p:spPr/>
+        <p:spPr>
+          <a:xfrm>
+            <a:off x="5573760" y="1047948"/>
+            <a:ext cx="6359448" cy="2122359"/>
+          </a:xfrm>
+        </p:spPr>
         <p:txBody>
           <a:bodyPr>
-            <a:normAutofit fontScale="85000" lnSpcReduction="20000"/>
+            <a:noAutofit/>
           </a:bodyPr>
           <a:lstStyle/>
           <a:p>
-            <a:pPr marL="0" indent="0">
+            <a:pPr marL="0" indent="0" algn="just">
               <a:buNone/>
             </a:pPr>
             <a:r>
               <a:rPr lang="en-US" b="1" dirty="0"/>
               <a:t>Main idea behind it</a:t>
             </a:r>
-            <a:br>
+          </a:p>
+          <a:p>
+            <a:pPr marL="0" indent="0" algn="just">
+              <a:buNone/>
+            </a:pPr>
+            <a:r>
+              <a:rPr lang="en-US" dirty="0"/>
+              <a:t>The sensor emits ultrasonic soundwaves to determine the distance of an object from </a:t>
+            </a:r>
+            <a:r>
               <a:rPr lang="en-US" b="1" dirty="0"/>
-            </a:br>
-            <a:br>
+              <a:t>2cm</a:t>
+            </a:r>
+            <a:r>
+              <a:rPr lang="en-US" dirty="0"/>
+              <a:t> to </a:t>
+            </a:r>
+            <a:r>
               <a:rPr lang="en-US" b="1" dirty="0"/>
-            </a:br>
+              <a:t>400cm</a:t>
+            </a:r>
             <a:r>
               <a:rPr lang="en-US" dirty="0"/>
-              <a:t>The sensor emits ultrasonic soundwaves to determine the distance of an object from 2cm to 400cm with a resolution of 0.3cm and a measuring angle of 30 degrees.</a:t>
-            </a:r>
-            <a:br>
+              <a:t> with a resolution of </a:t>
+            </a:r>
+            <a:r>
+              <a:rPr lang="en-US" b="1" dirty="0"/>
+              <a:t>0.3cm</a:t>
+            </a:r>
+            <a:r>
               <a:rPr lang="en-US" dirty="0"/>
-            </a:br>
-            <a:br>
-              <a:rPr lang="en-US" dirty="0"/>
-            </a:br>
+              <a:t> and a measuring angle of </a:t>
+            </a:r>
+            <a:r>
+              <a:rPr lang="en-US" b="1" dirty="0"/>
+              <a:t>30 degrees.</a:t>
+            </a:r>
+            <a:endParaRPr lang="it-IT" b="1" dirty="0"/>
+          </a:p>
+        </p:txBody>
+      </p:sp>
+      <p:sp>
+        <p:nvSpPr>
+          <p:cNvPr id="6" name="Titolo 1">
+            <a:extLst>
+              <a:ext uri="{FF2B5EF4-FFF2-40B4-BE49-F238E27FC236}">
+                <a16:creationId xmlns:a16="http://schemas.microsoft.com/office/drawing/2014/main" id="{DE7BB2CB-10FC-4750-ACCD-860B7DE84AC4}"/>
+              </a:ext>
+            </a:extLst>
+          </p:cNvPr>
+          <p:cNvSpPr txBox="1">
+            <a:spLocks/>
+          </p:cNvSpPr>
+          <p:nvPr/>
+        </p:nvSpPr>
+        <p:spPr>
+          <a:xfrm>
+            <a:off x="6137695" y="373811"/>
+            <a:ext cx="5795513" cy="605317"/>
+          </a:xfrm>
+          <a:prstGeom prst="rect">
+            <a:avLst/>
+          </a:prstGeom>
+        </p:spPr>
+        <p:txBody>
+          <a:bodyPr vert="horz" lIns="91440" tIns="45720" rIns="91440" bIns="45720" rtlCol="0" anchor="b">
+            <a:normAutofit/>
+          </a:bodyPr>
+          <a:lstStyle>
+            <a:lvl1pPr algn="l" defTabSz="914400" rtl="0" eaLnBrk="1" latinLnBrk="0" hangingPunct="1">
+              <a:lnSpc>
+                <a:spcPct val="90000"/>
+              </a:lnSpc>
+              <a:spcBef>
+                <a:spcPct val="0"/>
+              </a:spcBef>
+              <a:buNone/>
+              <a:defRPr sz="3200" b="1" kern="1200">
+                <a:solidFill>
+                  <a:schemeClr val="accent1">
+                    <a:lumMod val="75000"/>
+                  </a:schemeClr>
+                </a:solidFill>
+                <a:latin typeface="+mj-lt"/>
+                <a:ea typeface="+mj-ea"/>
+                <a:cs typeface="+mj-cs"/>
+              </a:defRPr>
+            </a:lvl1pPr>
+          </a:lstStyle>
+          <a:p>
+            <a:r>
+              <a:rPr lang="it-IT" dirty="0"/>
+              <a:t>HC-SR04 </a:t>
+            </a:r>
+            <a:r>
+              <a:rPr lang="it-IT" dirty="0" err="1"/>
+              <a:t>Echo</a:t>
+            </a:r>
+            <a:r>
+              <a:rPr lang="it-IT" dirty="0"/>
+              <a:t> Locator</a:t>
+            </a:r>
+            <a:endParaRPr lang="en-US" dirty="0"/>
+          </a:p>
+        </p:txBody>
+      </p:sp>
+      <p:sp>
+        <p:nvSpPr>
+          <p:cNvPr id="8" name="Segnaposto contenuto 3">
+            <a:extLst>
+              <a:ext uri="{FF2B5EF4-FFF2-40B4-BE49-F238E27FC236}">
+                <a16:creationId xmlns:a16="http://schemas.microsoft.com/office/drawing/2014/main" id="{64FC676B-C7A6-4DCB-9A42-54BF5C75A8F0}"/>
+              </a:ext>
+            </a:extLst>
+          </p:cNvPr>
+          <p:cNvSpPr txBox="1">
+            <a:spLocks/>
+          </p:cNvSpPr>
+          <p:nvPr/>
+        </p:nvSpPr>
+        <p:spPr>
+          <a:xfrm>
+            <a:off x="5573760" y="2849381"/>
+            <a:ext cx="6359448" cy="3296585"/>
+          </a:xfrm>
+          <a:prstGeom prst="rect">
+            <a:avLst/>
+          </a:prstGeom>
+        </p:spPr>
+        <p:txBody>
+          <a:bodyPr vert="horz" lIns="91440" tIns="45720" rIns="91440" bIns="45720" rtlCol="0">
+            <a:noAutofit/>
+          </a:bodyPr>
+          <a:lstStyle>
+            <a:lvl1pPr marL="228600" indent="-228600" algn="l" defTabSz="914400" rtl="0" eaLnBrk="1" latinLnBrk="0" hangingPunct="1">
+              <a:lnSpc>
+                <a:spcPct val="90000"/>
+              </a:lnSpc>
+              <a:spcBef>
+                <a:spcPts val="1800"/>
+              </a:spcBef>
+              <a:buClr>
+                <a:schemeClr val="accent1">
+                  <a:lumMod val="75000"/>
+                </a:schemeClr>
+              </a:buClr>
+              <a:buSzPct val="100000"/>
+              <a:buFont typeface="Arial" pitchFamily="34" charset="0"/>
+              <a:buChar char="▪"/>
+              <a:defRPr sz="2000" kern="1200">
+                <a:solidFill>
+                  <a:schemeClr val="tx1"/>
+                </a:solidFill>
+                <a:latin typeface="+mn-lt"/>
+                <a:ea typeface="+mn-ea"/>
+                <a:cs typeface="+mn-cs"/>
+              </a:defRPr>
+            </a:lvl1pPr>
+            <a:lvl2pPr marL="457200" indent="-182880" algn="l" defTabSz="914400" rtl="0" eaLnBrk="1" latinLnBrk="0" hangingPunct="1">
+              <a:lnSpc>
+                <a:spcPct val="90000"/>
+              </a:lnSpc>
+              <a:spcBef>
+                <a:spcPts val="1200"/>
+              </a:spcBef>
+              <a:buClr>
+                <a:schemeClr val="accent1">
+                  <a:lumMod val="75000"/>
+                </a:schemeClr>
+              </a:buClr>
+              <a:buSzPct val="100000"/>
+              <a:buFont typeface="Arial" pitchFamily="34" charset="0"/>
+              <a:buChar char="▪"/>
+              <a:defRPr sz="1800" kern="1200">
+                <a:solidFill>
+                  <a:schemeClr val="tx1"/>
+                </a:solidFill>
+                <a:latin typeface="+mn-lt"/>
+                <a:ea typeface="+mn-ea"/>
+                <a:cs typeface="+mn-cs"/>
+              </a:defRPr>
+            </a:lvl2pPr>
+            <a:lvl3pPr marL="685800" indent="-179388" algn="l" defTabSz="914400" rtl="0" eaLnBrk="1" latinLnBrk="0" hangingPunct="1">
+              <a:lnSpc>
+                <a:spcPct val="90000"/>
+              </a:lnSpc>
+              <a:spcBef>
+                <a:spcPts val="800"/>
+              </a:spcBef>
+              <a:buClr>
+                <a:schemeClr val="accent1">
+                  <a:lumMod val="75000"/>
+                </a:schemeClr>
+              </a:buClr>
+              <a:buSzPct val="100000"/>
+              <a:buFont typeface="Arial" pitchFamily="34" charset="0"/>
+              <a:buChar char="▪"/>
+              <a:defRPr sz="1600" kern="1200">
+                <a:solidFill>
+                  <a:schemeClr val="tx1"/>
+                </a:solidFill>
+                <a:latin typeface="+mn-lt"/>
+                <a:ea typeface="+mn-ea"/>
+                <a:cs typeface="+mn-cs"/>
+              </a:defRPr>
+            </a:lvl3pPr>
+            <a:lvl4pPr marL="914400" indent="-182880" algn="l" defTabSz="914400" rtl="0" eaLnBrk="1" latinLnBrk="0" hangingPunct="1">
+              <a:lnSpc>
+                <a:spcPct val="90000"/>
+              </a:lnSpc>
+              <a:spcBef>
+                <a:spcPts val="800"/>
+              </a:spcBef>
+              <a:buClr>
+                <a:schemeClr val="accent1">
+                  <a:lumMod val="75000"/>
+                </a:schemeClr>
+              </a:buClr>
+              <a:buSzPct val="100000"/>
+              <a:buFont typeface="Arial" pitchFamily="34" charset="0"/>
+              <a:buChar char="▪"/>
+              <a:defRPr sz="1400" kern="1200">
+                <a:solidFill>
+                  <a:schemeClr val="tx1"/>
+                </a:solidFill>
+                <a:latin typeface="+mn-lt"/>
+                <a:ea typeface="+mn-ea"/>
+                <a:cs typeface="+mn-cs"/>
+              </a:defRPr>
+            </a:lvl4pPr>
+            <a:lvl5pPr marL="1143000" indent="-179388" algn="l" defTabSz="914400" rtl="0" eaLnBrk="1" latinLnBrk="0" hangingPunct="1">
+              <a:lnSpc>
+                <a:spcPct val="90000"/>
+              </a:lnSpc>
+              <a:spcBef>
+                <a:spcPts val="600"/>
+              </a:spcBef>
+              <a:buClr>
+                <a:schemeClr val="accent1">
+                  <a:lumMod val="75000"/>
+                </a:schemeClr>
+              </a:buClr>
+              <a:buSzPct val="100000"/>
+              <a:buFont typeface="Arial" pitchFamily="34" charset="0"/>
+              <a:buChar char="▪"/>
+              <a:defRPr sz="1400" kern="1200">
+                <a:solidFill>
+                  <a:schemeClr val="tx1"/>
+                </a:solidFill>
+                <a:latin typeface="+mn-lt"/>
+                <a:ea typeface="+mn-ea"/>
+                <a:cs typeface="+mn-cs"/>
+              </a:defRPr>
+            </a:lvl5pPr>
+            <a:lvl6pPr marL="1371600" indent="-182880" algn="l" defTabSz="914400" rtl="0" eaLnBrk="1" latinLnBrk="0" hangingPunct="1">
+              <a:lnSpc>
+                <a:spcPct val="90000"/>
+              </a:lnSpc>
+              <a:spcBef>
+                <a:spcPts val="600"/>
+              </a:spcBef>
+              <a:buClr>
+                <a:schemeClr val="accent1">
+                  <a:lumMod val="75000"/>
+                </a:schemeClr>
+              </a:buClr>
+              <a:buSzPct val="100000"/>
+              <a:buFont typeface="Arial" pitchFamily="34" charset="0"/>
+              <a:buChar char="▪"/>
+              <a:defRPr sz="1800" kern="1200">
+                <a:solidFill>
+                  <a:schemeClr val="tx1"/>
+                </a:solidFill>
+                <a:latin typeface="+mn-lt"/>
+                <a:ea typeface="+mn-ea"/>
+                <a:cs typeface="+mn-cs"/>
+              </a:defRPr>
+            </a:lvl6pPr>
+            <a:lvl7pPr marL="1600200" indent="-179388" algn="l" defTabSz="914400" rtl="0" eaLnBrk="1" latinLnBrk="0" hangingPunct="1">
+              <a:lnSpc>
+                <a:spcPct val="90000"/>
+              </a:lnSpc>
+              <a:spcBef>
+                <a:spcPts val="600"/>
+              </a:spcBef>
+              <a:buClr>
+                <a:schemeClr val="accent1">
+                  <a:lumMod val="75000"/>
+                </a:schemeClr>
+              </a:buClr>
+              <a:buSzPct val="100000"/>
+              <a:buFont typeface="Arial" pitchFamily="34" charset="0"/>
+              <a:buChar char="▪"/>
+              <a:defRPr sz="1800" kern="1200">
+                <a:solidFill>
+                  <a:schemeClr val="tx1"/>
+                </a:solidFill>
+                <a:latin typeface="+mn-lt"/>
+                <a:ea typeface="+mn-ea"/>
+                <a:cs typeface="+mn-cs"/>
+              </a:defRPr>
+            </a:lvl7pPr>
+            <a:lvl8pPr marL="1828800" indent="-182880" algn="l" defTabSz="914400" rtl="0" eaLnBrk="1" latinLnBrk="0" hangingPunct="1">
+              <a:lnSpc>
+                <a:spcPct val="90000"/>
+              </a:lnSpc>
+              <a:spcBef>
+                <a:spcPts val="600"/>
+              </a:spcBef>
+              <a:buClr>
+                <a:schemeClr val="accent1">
+                  <a:lumMod val="75000"/>
+                </a:schemeClr>
+              </a:buClr>
+              <a:buSzPct val="100000"/>
+              <a:buFont typeface="Arial" pitchFamily="34" charset="0"/>
+              <a:buChar char="▪"/>
+              <a:defRPr sz="1800" kern="1200">
+                <a:solidFill>
+                  <a:schemeClr val="tx1"/>
+                </a:solidFill>
+                <a:latin typeface="+mn-lt"/>
+                <a:ea typeface="+mn-ea"/>
+                <a:cs typeface="+mn-cs"/>
+              </a:defRPr>
+            </a:lvl8pPr>
+            <a:lvl9pPr marL="1878012" indent="0" algn="l" defTabSz="914400" rtl="0" eaLnBrk="1" latinLnBrk="0" hangingPunct="1">
+              <a:lnSpc>
+                <a:spcPct val="90000"/>
+              </a:lnSpc>
+              <a:spcBef>
+                <a:spcPts val="600"/>
+              </a:spcBef>
+              <a:buClr>
+                <a:schemeClr val="accent1">
+                  <a:lumMod val="75000"/>
+                </a:schemeClr>
+              </a:buClr>
+              <a:buSzPct val="100000"/>
+              <a:buFont typeface="Arial" pitchFamily="34" charset="0"/>
+              <a:buNone/>
+              <a:defRPr sz="1800" kern="1200">
+                <a:solidFill>
+                  <a:schemeClr val="tx1"/>
+                </a:solidFill>
+                <a:latin typeface="+mn-lt"/>
+                <a:ea typeface="+mn-ea"/>
+                <a:cs typeface="+mn-cs"/>
+              </a:defRPr>
+            </a:lvl9pPr>
+          </a:lstStyle>
+          <a:p>
+            <a:pPr marL="0" indent="0" algn="just">
+              <a:buFont typeface="Arial" pitchFamily="34" charset="0"/>
+              <a:buNone/>
+            </a:pPr>
             <a:r>
               <a:rPr lang="en-US" b="1" dirty="0"/>
               <a:t>Main notes on interface and functionality</a:t>
             </a:r>
-            <a:br>
-              <a:rPr lang="en-US" b="1" dirty="0"/>
-            </a:br>
-            <a:br>
-              <a:rPr lang="en-US" b="1" dirty="0"/>
-            </a:br>
-            <a:r>
-              <a:rPr lang="en-US" dirty="0"/>
-              <a:t>The sensor has an interface of 4 pins (VCC, Trig, Echo, GND). Whenever the Trig pin is set on HIGH, the transmitter (left piezo) sends the high-frequency soundwave. Whenever the receiver (right piezo) detects the echo of the soundwave, the Echo pin sets on HIGH.</a:t>
-            </a:r>
           </a:p>
           <a:p>
-            <a:pPr marL="0" indent="0">
+            <a:pPr marL="0" indent="0" algn="just">
+              <a:buFont typeface="Arial" pitchFamily="34" charset="0"/>
               <a:buNone/>
             </a:pPr>
             <a:r>
               <a:rPr lang="en-US" dirty="0"/>
-              <a:t>You can send and read signals to the sensor manually setting up triggers and delays of 5-10</a:t>
-            </a:r>
-            <a:r>
-              <a:rPr lang="el-GR" dirty="0"/>
+              <a:t>The sensor has an interface of 4 pins (</a:t>
+            </a:r>
+            <a:r>
+              <a:rPr lang="en-US" b="1" dirty="0"/>
+              <a:t>VCC, Trig, Echo, GND</a:t>
+            </a:r>
+            <a:r>
+              <a:rPr lang="en-US" dirty="0"/>
+              <a:t>). Whenever the Trig pin is set on HIGH, the </a:t>
+            </a:r>
+            <a:r>
+              <a:rPr lang="en-US" b="1" dirty="0"/>
+              <a:t>transmitter</a:t>
+            </a:r>
+            <a:r>
+              <a:rPr lang="en-US" dirty="0"/>
+              <a:t> (left piezo) sends the high-frequency soundwave. Whenever the receiver (right piezo) detects the echo of the soundwave, the Echo pin sets on HIGH.</a:t>
+            </a:r>
+          </a:p>
+          <a:p>
+            <a:pPr marL="0" indent="0" algn="just">
+              <a:buFont typeface="Arial" pitchFamily="34" charset="0"/>
+              <a:buNone/>
+            </a:pPr>
+            <a:r>
+              <a:rPr lang="en-US" dirty="0"/>
+              <a:t>You can send and read signals to the sensor manually setting up </a:t>
+            </a:r>
+            <a:r>
+              <a:rPr lang="en-US" b="1" dirty="0"/>
+              <a:t>triggers</a:t>
+            </a:r>
+            <a:r>
+              <a:rPr lang="en-US" dirty="0"/>
+              <a:t> and </a:t>
+            </a:r>
+            <a:r>
+              <a:rPr lang="en-US" b="1" dirty="0"/>
+              <a:t>delays of 5-10</a:t>
+            </a:r>
+            <a:r>
+              <a:rPr lang="el-GR" b="1" dirty="0"/>
               <a:t>μ</a:t>
             </a:r>
             <a:r>
-              <a:rPr lang="it-IT" dirty="0"/>
+              <a:rPr lang="it-IT" b="1" dirty="0"/>
               <a:t>s</a:t>
             </a:r>
             <a:r>
+              <a:rPr lang="en-US" b="1" dirty="0"/>
+              <a:t> </a:t>
+            </a:r>
+            <a:r>
               <a:rPr lang="en-US" dirty="0"/>
-              <a:t> with a standard Arduino Board</a:t>
+              <a:t>with a standard Arduino Board</a:t>
             </a:r>
             <a:r>
               <a:rPr lang="en-US" b="1" dirty="0"/>
@@ -17292,47 +19173,6 @@
           <a:chExt cx="0" cy="0"/>
         </a:xfrm>
       </p:grpSpPr>
-      <p:sp>
-        <p:nvSpPr>
-          <p:cNvPr id="2" name="Titolo 1">
-            <a:extLst>
-              <a:ext uri="{FF2B5EF4-FFF2-40B4-BE49-F238E27FC236}">
-                <a16:creationId xmlns:a16="http://schemas.microsoft.com/office/drawing/2014/main" id="{5E9BB70B-919C-458F-871D-1C7B37E4A9C9}"/>
-              </a:ext>
-            </a:extLst>
-          </p:cNvPr>
-          <p:cNvSpPr>
-            <a:spLocks noGrp="1"/>
-          </p:cNvSpPr>
-          <p:nvPr>
-            <p:ph type="title"/>
-          </p:nvPr>
-        </p:nvSpPr>
-        <p:spPr/>
-        <p:txBody>
-          <a:bodyPr/>
-          <a:lstStyle/>
-          <a:p>
-            <a:r>
-              <a:rPr lang="it-IT" i="1" dirty="0"/>
-              <a:t>HC-SR04 </a:t>
-            </a:r>
-            <a:r>
-              <a:rPr lang="it-IT" i="1" dirty="0" err="1"/>
-              <a:t>Echo</a:t>
-            </a:r>
-            <a:r>
-              <a:rPr lang="it-IT" i="1" dirty="0"/>
-              <a:t> Locator – </a:t>
-            </a:r>
-            <a:r>
-              <a:rPr lang="en-US" i="1" dirty="0"/>
-              <a:t>Schematic</a:t>
-            </a:r>
-            <a:endParaRPr lang="en-US" dirty="0"/>
-          </a:p>
-        </p:txBody>
-      </p:sp>
       <p:pic>
         <p:nvPicPr>
           <p:cNvPr id="5" name="Segnaposto contenuto 4" descr="Immagine che contiene testo, mappa&#10;&#10;Descrizione generata automaticamente">
@@ -17351,6 +19191,16 @@
         </p:nvPicPr>
         <p:blipFill>
           <a:blip r:embed="rId2">
+            <a:clrChange>
+              <a:clrFrom>
+                <a:srgbClr val="FFFFFF"/>
+              </a:clrFrom>
+              <a:clrTo>
+                <a:srgbClr val="FFFFFF">
+                  <a:alpha val="0"/>
+                </a:srgbClr>
+              </a:clrTo>
+            </a:clrChange>
             <a:extLst>
               <a:ext uri="{28A0092B-C50C-407E-A947-70E740481C1C}">
                 <a14:useLocalDpi xmlns:a14="http://schemas.microsoft.com/office/drawing/2010/main" val="0"/>
@@ -17363,11 +19213,189 @@
         </p:blipFill>
         <p:spPr>
           <a:xfrm>
-            <a:off x="1595020" y="1582737"/>
-            <a:ext cx="9001959" cy="4358092"/>
+            <a:off x="946466" y="1056806"/>
+            <a:ext cx="10382458" cy="5026429"/>
           </a:xfrm>
         </p:spPr>
       </p:pic>
+      <p:sp>
+        <p:nvSpPr>
+          <p:cNvPr id="4" name="Titolo 1">
+            <a:extLst>
+              <a:ext uri="{FF2B5EF4-FFF2-40B4-BE49-F238E27FC236}">
+                <a16:creationId xmlns:a16="http://schemas.microsoft.com/office/drawing/2014/main" id="{D63E040D-34BF-4D60-A884-276AF6052B0B}"/>
+              </a:ext>
+            </a:extLst>
+          </p:cNvPr>
+          <p:cNvSpPr txBox="1">
+            <a:spLocks/>
+          </p:cNvSpPr>
+          <p:nvPr/>
+        </p:nvSpPr>
+        <p:spPr>
+          <a:xfrm>
+            <a:off x="6137695" y="373811"/>
+            <a:ext cx="5795513" cy="605317"/>
+          </a:xfrm>
+          <a:prstGeom prst="rect">
+            <a:avLst/>
+          </a:prstGeom>
+        </p:spPr>
+        <p:txBody>
+          <a:bodyPr vert="horz" lIns="91440" tIns="45720" rIns="91440" bIns="45720" rtlCol="0" anchor="b">
+            <a:normAutofit/>
+          </a:bodyPr>
+          <a:lstStyle>
+            <a:lvl1pPr algn="l" defTabSz="914400" rtl="0" eaLnBrk="1" latinLnBrk="0" hangingPunct="1">
+              <a:lnSpc>
+                <a:spcPct val="90000"/>
+              </a:lnSpc>
+              <a:spcBef>
+                <a:spcPct val="0"/>
+              </a:spcBef>
+              <a:buNone/>
+              <a:defRPr sz="3200" b="1" kern="1200">
+                <a:solidFill>
+                  <a:schemeClr val="accent1">
+                    <a:lumMod val="75000"/>
+                  </a:schemeClr>
+                </a:solidFill>
+                <a:latin typeface="+mj-lt"/>
+                <a:ea typeface="+mj-ea"/>
+                <a:cs typeface="+mj-cs"/>
+              </a:defRPr>
+            </a:lvl1pPr>
+          </a:lstStyle>
+          <a:p>
+            <a:r>
+              <a:rPr lang="it-IT" dirty="0"/>
+              <a:t>HC-SR04 </a:t>
+            </a:r>
+            <a:r>
+              <a:rPr lang="it-IT" dirty="0" err="1"/>
+              <a:t>Echo</a:t>
+            </a:r>
+            <a:r>
+              <a:rPr lang="it-IT" dirty="0"/>
+              <a:t> Locator</a:t>
+            </a:r>
+            <a:endParaRPr lang="en-US" dirty="0"/>
+          </a:p>
+        </p:txBody>
+      </p:sp>
+      <p:sp>
+        <p:nvSpPr>
+          <p:cNvPr id="6" name="Titolo 1">
+            <a:extLst>
+              <a:ext uri="{FF2B5EF4-FFF2-40B4-BE49-F238E27FC236}">
+                <a16:creationId xmlns:a16="http://schemas.microsoft.com/office/drawing/2014/main" id="{FFC619AC-7707-479E-84FD-7A11F4594555}"/>
+              </a:ext>
+            </a:extLst>
+          </p:cNvPr>
+          <p:cNvSpPr txBox="1">
+            <a:spLocks/>
+          </p:cNvSpPr>
+          <p:nvPr/>
+        </p:nvSpPr>
+        <p:spPr>
+          <a:xfrm>
+            <a:off x="185913" y="498190"/>
+            <a:ext cx="3673415" cy="496049"/>
+          </a:xfrm>
+          <a:prstGeom prst="rect">
+            <a:avLst/>
+          </a:prstGeom>
+        </p:spPr>
+        <p:txBody>
+          <a:bodyPr vert="horz" lIns="91440" tIns="45720" rIns="91440" bIns="45720" rtlCol="0" anchor="b">
+            <a:normAutofit fontScale="97500" lnSpcReduction="10000"/>
+          </a:bodyPr>
+          <a:lstStyle>
+            <a:lvl1pPr algn="l" defTabSz="914400" rtl="0" eaLnBrk="1" latinLnBrk="0" hangingPunct="1">
+              <a:lnSpc>
+                <a:spcPct val="90000"/>
+              </a:lnSpc>
+              <a:spcBef>
+                <a:spcPct val="0"/>
+              </a:spcBef>
+              <a:buNone/>
+              <a:defRPr sz="3200" b="1" kern="1200">
+                <a:solidFill>
+                  <a:schemeClr val="accent1">
+                    <a:lumMod val="75000"/>
+                  </a:schemeClr>
+                </a:solidFill>
+                <a:latin typeface="+mj-lt"/>
+                <a:ea typeface="+mj-ea"/>
+                <a:cs typeface="+mj-cs"/>
+              </a:defRPr>
+            </a:lvl1pPr>
+          </a:lstStyle>
+          <a:p>
+            <a:r>
+              <a:rPr lang="it-IT" b="0" dirty="0">
+                <a:ln w="0"/>
+                <a:solidFill>
+                  <a:schemeClr val="accent1"/>
+                </a:solidFill>
+                <a:effectLst>
+                  <a:outerShdw blurRad="38100" dist="25400" dir="5400000" algn="ctr" rotWithShape="0">
+                    <a:srgbClr val="6E747A">
+                      <a:alpha val="43000"/>
+                    </a:srgbClr>
+                  </a:outerShdw>
+                </a:effectLst>
+              </a:rPr>
+              <a:t>The </a:t>
+            </a:r>
+            <a:r>
+              <a:rPr lang="it-IT" b="0" dirty="0" err="1">
+                <a:ln w="0"/>
+                <a:solidFill>
+                  <a:schemeClr val="accent1"/>
+                </a:solidFill>
+                <a:effectLst>
+                  <a:outerShdw blurRad="38100" dist="25400" dir="5400000" algn="ctr" rotWithShape="0">
+                    <a:srgbClr val="6E747A">
+                      <a:alpha val="43000"/>
+                    </a:srgbClr>
+                  </a:outerShdw>
+                </a:effectLst>
+              </a:rPr>
+              <a:t>Schematics</a:t>
+            </a:r>
+            <a:r>
+              <a:rPr lang="it-IT" b="0" dirty="0">
+                <a:ln w="0"/>
+                <a:solidFill>
+                  <a:schemeClr val="accent1"/>
+                </a:solidFill>
+                <a:effectLst>
+                  <a:outerShdw blurRad="38100" dist="25400" dir="5400000" algn="ctr" rotWithShape="0">
+                    <a:srgbClr val="6E747A">
+                      <a:alpha val="43000"/>
+                    </a:srgbClr>
+                  </a:outerShdw>
+                </a:effectLst>
+              </a:rPr>
+              <a:t>:</a:t>
+            </a:r>
+            <a:endParaRPr lang="en-US" b="0" dirty="0">
+              <a:ln w="0"/>
+              <a:solidFill>
+                <a:schemeClr val="accent1"/>
+              </a:solidFill>
+              <a:effectLst>
+                <a:outerShdw blurRad="38100" dist="25400" dir="5400000" algn="ctr" rotWithShape="0">
+                  <a:srgbClr val="6E747A">
+                    <a:alpha val="43000"/>
+                  </a:srgbClr>
+                </a:outerShdw>
+              </a:effectLst>
+            </a:endParaRPr>
+          </a:p>
+        </p:txBody>
+      </p:sp>
     </p:spTree>
     <p:extLst>
       <p:ext uri="{BB962C8B-B14F-4D97-AF65-F5344CB8AC3E}">
@@ -17412,35 +19440,6 @@
       </p:grpSpPr>
       <p:sp>
         <p:nvSpPr>
-          <p:cNvPr id="2" name="Titolo 1">
-            <a:extLst>
-              <a:ext uri="{FF2B5EF4-FFF2-40B4-BE49-F238E27FC236}">
-                <a16:creationId xmlns:a16="http://schemas.microsoft.com/office/drawing/2014/main" id="{17A37FF2-594D-459E-BB41-C1F57E1F7194}"/>
-              </a:ext>
-            </a:extLst>
-          </p:cNvPr>
-          <p:cNvSpPr>
-            <a:spLocks noGrp="1"/>
-          </p:cNvSpPr>
-          <p:nvPr>
-            <p:ph type="title"/>
-          </p:nvPr>
-        </p:nvSpPr>
-        <p:spPr/>
-        <p:txBody>
-          <a:bodyPr/>
-          <a:lstStyle/>
-          <a:p>
-            <a:r>
-              <a:rPr lang="en-US" i="1" dirty="0"/>
-              <a:t>HC-SR04 Echo Locator – Schematic Analysis</a:t>
-            </a:r>
-            <a:endParaRPr lang="en-US" dirty="0"/>
-          </a:p>
-        </p:txBody>
-      </p:sp>
-      <p:sp>
-        <p:nvSpPr>
           <p:cNvPr id="3" name="Segnaposto contenuto 2">
             <a:extLst>
               <a:ext uri="{FF2B5EF4-FFF2-40B4-BE49-F238E27FC236}">
@@ -17455,10 +19454,15 @@
             <p:ph idx="1"/>
           </p:nvPr>
         </p:nvSpPr>
-        <p:spPr/>
+        <p:spPr>
+          <a:xfrm>
+            <a:off x="397238" y="1576466"/>
+            <a:ext cx="5592581" cy="4022360"/>
+          </a:xfrm>
+        </p:spPr>
         <p:txBody>
           <a:bodyPr>
-            <a:normAutofit fontScale="70000" lnSpcReduction="20000"/>
+            <a:noAutofit/>
           </a:bodyPr>
           <a:lstStyle/>
           <a:p>
@@ -17482,15 +19486,7 @@
           <a:p>
             <a:r>
               <a:rPr lang="en-US" dirty="0"/>
-              <a:t>Interface with </a:t>
-            </a:r>
-            <a:r>
-              <a:rPr lang="en-US" dirty="0" err="1"/>
-              <a:t>Trigh</a:t>
-            </a:r>
-            <a:r>
-              <a:rPr lang="en-US" dirty="0"/>
-              <a:t> an Echo pins</a:t>
+              <a:t>Interface with Trig an Echo pins</a:t>
             </a:r>
           </a:p>
           <a:p>
@@ -17509,40 +19505,475 @@
             <a:r>
               <a:rPr lang="en-US" dirty="0"/>
               <a:t>Receiving processed signal as a Rising edge interrupt</a:t>
+            </a:r>
+            <a:endParaRPr lang="en-US" b="1" dirty="0"/>
+          </a:p>
+          <a:p>
+            <a:endParaRPr lang="en-US" dirty="0"/>
+          </a:p>
+          <a:p>
+            <a:endParaRPr lang="en-US" dirty="0"/>
+          </a:p>
+        </p:txBody>
+      </p:sp>
+      <p:sp>
+        <p:nvSpPr>
+          <p:cNvPr id="4" name="Titolo 1">
+            <a:extLst>
+              <a:ext uri="{FF2B5EF4-FFF2-40B4-BE49-F238E27FC236}">
+                <a16:creationId xmlns:a16="http://schemas.microsoft.com/office/drawing/2014/main" id="{C4CDF19C-4DC9-42A7-AB6B-FB8C536A8650}"/>
+              </a:ext>
+            </a:extLst>
+          </p:cNvPr>
+          <p:cNvSpPr txBox="1">
+            <a:spLocks/>
+          </p:cNvSpPr>
+          <p:nvPr/>
+        </p:nvSpPr>
+        <p:spPr>
+          <a:xfrm>
+            <a:off x="6137695" y="373811"/>
+            <a:ext cx="5795513" cy="605317"/>
+          </a:xfrm>
+          <a:prstGeom prst="rect">
+            <a:avLst/>
+          </a:prstGeom>
+        </p:spPr>
+        <p:txBody>
+          <a:bodyPr vert="horz" lIns="91440" tIns="45720" rIns="91440" bIns="45720" rtlCol="0" anchor="b">
+            <a:normAutofit/>
+          </a:bodyPr>
+          <a:lstStyle>
+            <a:lvl1pPr algn="l" defTabSz="914400" rtl="0" eaLnBrk="1" latinLnBrk="0" hangingPunct="1">
+              <a:lnSpc>
+                <a:spcPct val="90000"/>
+              </a:lnSpc>
+              <a:spcBef>
+                <a:spcPct val="0"/>
+              </a:spcBef>
+              <a:buNone/>
+              <a:defRPr sz="3200" b="1" kern="1200">
+                <a:solidFill>
+                  <a:schemeClr val="accent1">
+                    <a:lumMod val="75000"/>
+                  </a:schemeClr>
+                </a:solidFill>
+                <a:latin typeface="+mj-lt"/>
+                <a:ea typeface="+mj-ea"/>
+                <a:cs typeface="+mj-cs"/>
+              </a:defRPr>
+            </a:lvl1pPr>
+          </a:lstStyle>
+          <a:p>
+            <a:r>
+              <a:rPr lang="it-IT" dirty="0"/>
+              <a:t>HC-SR04 </a:t>
+            </a:r>
+            <a:r>
+              <a:rPr lang="it-IT" dirty="0" err="1"/>
+              <a:t>Echo</a:t>
+            </a:r>
+            <a:r>
+              <a:rPr lang="it-IT" dirty="0"/>
+              <a:t> Locator</a:t>
+            </a:r>
+            <a:endParaRPr lang="en-US" dirty="0"/>
+          </a:p>
+        </p:txBody>
+      </p:sp>
+      <p:sp>
+        <p:nvSpPr>
+          <p:cNvPr id="5" name="Titolo 1">
+            <a:extLst>
+              <a:ext uri="{FF2B5EF4-FFF2-40B4-BE49-F238E27FC236}">
+                <a16:creationId xmlns:a16="http://schemas.microsoft.com/office/drawing/2014/main" id="{08682F5A-78EA-4108-818C-0C2824933AE1}"/>
+              </a:ext>
+            </a:extLst>
+          </p:cNvPr>
+          <p:cNvSpPr txBox="1">
+            <a:spLocks/>
+          </p:cNvSpPr>
+          <p:nvPr/>
+        </p:nvSpPr>
+        <p:spPr>
+          <a:xfrm>
+            <a:off x="185913" y="498190"/>
+            <a:ext cx="3673415" cy="496049"/>
+          </a:xfrm>
+          <a:prstGeom prst="rect">
+            <a:avLst/>
+          </a:prstGeom>
+        </p:spPr>
+        <p:txBody>
+          <a:bodyPr vert="horz" lIns="91440" tIns="45720" rIns="91440" bIns="45720" rtlCol="0" anchor="b">
+            <a:normAutofit fontScale="97500" lnSpcReduction="10000"/>
+          </a:bodyPr>
+          <a:lstStyle>
+            <a:lvl1pPr algn="l" defTabSz="914400" rtl="0" eaLnBrk="1" latinLnBrk="0" hangingPunct="1">
+              <a:lnSpc>
+                <a:spcPct val="90000"/>
+              </a:lnSpc>
+              <a:spcBef>
+                <a:spcPct val="0"/>
+              </a:spcBef>
+              <a:buNone/>
+              <a:defRPr sz="3200" b="1" kern="1200">
+                <a:solidFill>
+                  <a:schemeClr val="accent1">
+                    <a:lumMod val="75000"/>
+                  </a:schemeClr>
+                </a:solidFill>
+                <a:latin typeface="+mj-lt"/>
+                <a:ea typeface="+mj-ea"/>
+                <a:cs typeface="+mj-cs"/>
+              </a:defRPr>
+            </a:lvl1pPr>
+          </a:lstStyle>
+          <a:p>
+            <a:r>
+              <a:rPr lang="it-IT" b="0" dirty="0">
+                <a:ln w="0"/>
+                <a:solidFill>
+                  <a:schemeClr val="accent1"/>
+                </a:solidFill>
+                <a:effectLst>
+                  <a:outerShdw blurRad="38100" dist="25400" dir="5400000" algn="ctr" rotWithShape="0">
+                    <a:srgbClr val="6E747A">
+                      <a:alpha val="43000"/>
+                    </a:srgbClr>
+                  </a:outerShdw>
+                </a:effectLst>
+              </a:rPr>
+              <a:t>The </a:t>
+            </a:r>
+            <a:r>
+              <a:rPr lang="it-IT" b="0" dirty="0" err="1">
+                <a:ln w="0"/>
+                <a:solidFill>
+                  <a:schemeClr val="accent1"/>
+                </a:solidFill>
+                <a:effectLst>
+                  <a:outerShdw blurRad="38100" dist="25400" dir="5400000" algn="ctr" rotWithShape="0">
+                    <a:srgbClr val="6E747A">
+                      <a:alpha val="43000"/>
+                    </a:srgbClr>
+                  </a:outerShdw>
+                </a:effectLst>
+              </a:rPr>
+              <a:t>Schematics</a:t>
+            </a:r>
+            <a:r>
+              <a:rPr lang="it-IT" b="0" dirty="0">
+                <a:ln w="0"/>
+                <a:solidFill>
+                  <a:schemeClr val="accent1"/>
+                </a:solidFill>
+                <a:effectLst>
+                  <a:outerShdw blurRad="38100" dist="25400" dir="5400000" algn="ctr" rotWithShape="0">
+                    <a:srgbClr val="6E747A">
+                      <a:alpha val="43000"/>
+                    </a:srgbClr>
+                  </a:outerShdw>
+                </a:effectLst>
+              </a:rPr>
+              <a:t>:</a:t>
+            </a:r>
+            <a:endParaRPr lang="en-US" b="0" dirty="0">
+              <a:ln w="0"/>
+              <a:solidFill>
+                <a:schemeClr val="accent1"/>
+              </a:solidFill>
+              <a:effectLst>
+                <a:outerShdw blurRad="38100" dist="25400" dir="5400000" algn="ctr" rotWithShape="0">
+                  <a:srgbClr val="6E747A">
+                    <a:alpha val="43000"/>
+                  </a:srgbClr>
+                </a:outerShdw>
+              </a:effectLst>
+            </a:endParaRPr>
+          </a:p>
+        </p:txBody>
+      </p:sp>
+      <p:sp>
+        <p:nvSpPr>
+          <p:cNvPr id="8" name="Segnaposto contenuto 2">
+            <a:extLst>
+              <a:ext uri="{FF2B5EF4-FFF2-40B4-BE49-F238E27FC236}">
+                <a16:creationId xmlns:a16="http://schemas.microsoft.com/office/drawing/2014/main" id="{8C61A642-4CE6-46B9-879F-47C56ABD8C85}"/>
+              </a:ext>
+            </a:extLst>
+          </p:cNvPr>
+          <p:cNvSpPr txBox="1">
+            <a:spLocks/>
+          </p:cNvSpPr>
+          <p:nvPr/>
+        </p:nvSpPr>
+        <p:spPr>
+          <a:xfrm>
+            <a:off x="6202183" y="1576466"/>
+            <a:ext cx="5592581" cy="3809999"/>
+          </a:xfrm>
+          <a:prstGeom prst="rect">
+            <a:avLst/>
+          </a:prstGeom>
+        </p:spPr>
+        <p:txBody>
+          <a:bodyPr vert="horz" lIns="91440" tIns="45720" rIns="91440" bIns="45720" rtlCol="0">
+            <a:noAutofit/>
+          </a:bodyPr>
+          <a:lstStyle>
+            <a:lvl1pPr marL="228600" indent="-228600" algn="l" defTabSz="914400" rtl="0" eaLnBrk="1" latinLnBrk="0" hangingPunct="1">
+              <a:lnSpc>
+                <a:spcPct val="90000"/>
+              </a:lnSpc>
+              <a:spcBef>
+                <a:spcPts val="1800"/>
+              </a:spcBef>
+              <a:buClr>
+                <a:schemeClr val="accent1">
+                  <a:lumMod val="75000"/>
+                </a:schemeClr>
+              </a:buClr>
+              <a:buSzPct val="100000"/>
+              <a:buFont typeface="Arial" pitchFamily="34" charset="0"/>
+              <a:buChar char="▪"/>
+              <a:defRPr sz="2000" kern="1200">
+                <a:solidFill>
+                  <a:schemeClr val="tx1"/>
+                </a:solidFill>
+                <a:latin typeface="+mn-lt"/>
+                <a:ea typeface="+mn-ea"/>
+                <a:cs typeface="+mn-cs"/>
+              </a:defRPr>
+            </a:lvl1pPr>
+            <a:lvl2pPr marL="457200" indent="-182880" algn="l" defTabSz="914400" rtl="0" eaLnBrk="1" latinLnBrk="0" hangingPunct="1">
+              <a:lnSpc>
+                <a:spcPct val="90000"/>
+              </a:lnSpc>
+              <a:spcBef>
+                <a:spcPts val="1200"/>
+              </a:spcBef>
+              <a:buClr>
+                <a:schemeClr val="accent1">
+                  <a:lumMod val="75000"/>
+                </a:schemeClr>
+              </a:buClr>
+              <a:buSzPct val="100000"/>
+              <a:buFont typeface="Arial" pitchFamily="34" charset="0"/>
+              <a:buChar char="▪"/>
+              <a:defRPr sz="1800" kern="1200">
+                <a:solidFill>
+                  <a:schemeClr val="tx1"/>
+                </a:solidFill>
+                <a:latin typeface="+mn-lt"/>
+                <a:ea typeface="+mn-ea"/>
+                <a:cs typeface="+mn-cs"/>
+              </a:defRPr>
+            </a:lvl2pPr>
+            <a:lvl3pPr marL="685800" indent="-179388" algn="l" defTabSz="914400" rtl="0" eaLnBrk="1" latinLnBrk="0" hangingPunct="1">
+              <a:lnSpc>
+                <a:spcPct val="90000"/>
+              </a:lnSpc>
+              <a:spcBef>
+                <a:spcPts val="800"/>
+              </a:spcBef>
+              <a:buClr>
+                <a:schemeClr val="accent1">
+                  <a:lumMod val="75000"/>
+                </a:schemeClr>
+              </a:buClr>
+              <a:buSzPct val="100000"/>
+              <a:buFont typeface="Arial" pitchFamily="34" charset="0"/>
+              <a:buChar char="▪"/>
+              <a:defRPr sz="1600" kern="1200">
+                <a:solidFill>
+                  <a:schemeClr val="tx1"/>
+                </a:solidFill>
+                <a:latin typeface="+mn-lt"/>
+                <a:ea typeface="+mn-ea"/>
+                <a:cs typeface="+mn-cs"/>
+              </a:defRPr>
+            </a:lvl3pPr>
+            <a:lvl4pPr marL="914400" indent="-182880" algn="l" defTabSz="914400" rtl="0" eaLnBrk="1" latinLnBrk="0" hangingPunct="1">
+              <a:lnSpc>
+                <a:spcPct val="90000"/>
+              </a:lnSpc>
+              <a:spcBef>
+                <a:spcPts val="800"/>
+              </a:spcBef>
+              <a:buClr>
+                <a:schemeClr val="accent1">
+                  <a:lumMod val="75000"/>
+                </a:schemeClr>
+              </a:buClr>
+              <a:buSzPct val="100000"/>
+              <a:buFont typeface="Arial" pitchFamily="34" charset="0"/>
+              <a:buChar char="▪"/>
+              <a:defRPr sz="1400" kern="1200">
+                <a:solidFill>
+                  <a:schemeClr val="tx1"/>
+                </a:solidFill>
+                <a:latin typeface="+mn-lt"/>
+                <a:ea typeface="+mn-ea"/>
+                <a:cs typeface="+mn-cs"/>
+              </a:defRPr>
+            </a:lvl4pPr>
+            <a:lvl5pPr marL="1143000" indent="-179388" algn="l" defTabSz="914400" rtl="0" eaLnBrk="1" latinLnBrk="0" hangingPunct="1">
+              <a:lnSpc>
+                <a:spcPct val="90000"/>
+              </a:lnSpc>
+              <a:spcBef>
+                <a:spcPts val="600"/>
+              </a:spcBef>
+              <a:buClr>
+                <a:schemeClr val="accent1">
+                  <a:lumMod val="75000"/>
+                </a:schemeClr>
+              </a:buClr>
+              <a:buSzPct val="100000"/>
+              <a:buFont typeface="Arial" pitchFamily="34" charset="0"/>
+              <a:buChar char="▪"/>
+              <a:defRPr sz="1400" kern="1200">
+                <a:solidFill>
+                  <a:schemeClr val="tx1"/>
+                </a:solidFill>
+                <a:latin typeface="+mn-lt"/>
+                <a:ea typeface="+mn-ea"/>
+                <a:cs typeface="+mn-cs"/>
+              </a:defRPr>
+            </a:lvl5pPr>
+            <a:lvl6pPr marL="1371600" indent="-182880" algn="l" defTabSz="914400" rtl="0" eaLnBrk="1" latinLnBrk="0" hangingPunct="1">
+              <a:lnSpc>
+                <a:spcPct val="90000"/>
+              </a:lnSpc>
+              <a:spcBef>
+                <a:spcPts val="600"/>
+              </a:spcBef>
+              <a:buClr>
+                <a:schemeClr val="accent1">
+                  <a:lumMod val="75000"/>
+                </a:schemeClr>
+              </a:buClr>
+              <a:buSzPct val="100000"/>
+              <a:buFont typeface="Arial" pitchFamily="34" charset="0"/>
+              <a:buChar char="▪"/>
+              <a:defRPr sz="1400" kern="1200">
+                <a:solidFill>
+                  <a:schemeClr val="tx1"/>
+                </a:solidFill>
+                <a:latin typeface="+mn-lt"/>
+                <a:ea typeface="+mn-ea"/>
+                <a:cs typeface="+mn-cs"/>
+              </a:defRPr>
+            </a:lvl6pPr>
+            <a:lvl7pPr marL="1600200" indent="-179388" algn="l" defTabSz="914400" rtl="0" eaLnBrk="1" latinLnBrk="0" hangingPunct="1">
+              <a:lnSpc>
+                <a:spcPct val="90000"/>
+              </a:lnSpc>
+              <a:spcBef>
+                <a:spcPts val="600"/>
+              </a:spcBef>
+              <a:buClr>
+                <a:schemeClr val="accent1">
+                  <a:lumMod val="75000"/>
+                </a:schemeClr>
+              </a:buClr>
+              <a:buSzPct val="100000"/>
+              <a:buFont typeface="Arial" pitchFamily="34" charset="0"/>
+              <a:buChar char="▪"/>
+              <a:defRPr sz="1400" kern="1200">
+                <a:solidFill>
+                  <a:schemeClr val="tx1"/>
+                </a:solidFill>
+                <a:latin typeface="+mn-lt"/>
+                <a:ea typeface="+mn-ea"/>
+                <a:cs typeface="+mn-cs"/>
+              </a:defRPr>
+            </a:lvl7pPr>
+            <a:lvl8pPr marL="1828800" indent="-182880" algn="l" defTabSz="914400" rtl="0" eaLnBrk="1" latinLnBrk="0" hangingPunct="1">
+              <a:lnSpc>
+                <a:spcPct val="90000"/>
+              </a:lnSpc>
+              <a:spcBef>
+                <a:spcPts val="600"/>
+              </a:spcBef>
+              <a:buClr>
+                <a:schemeClr val="accent1">
+                  <a:lumMod val="75000"/>
+                </a:schemeClr>
+              </a:buClr>
+              <a:buSzPct val="100000"/>
+              <a:buFont typeface="Arial" pitchFamily="34" charset="0"/>
+              <a:buChar char="▪"/>
+              <a:defRPr sz="1400" kern="1200">
+                <a:solidFill>
+                  <a:schemeClr val="tx1"/>
+                </a:solidFill>
+                <a:latin typeface="+mn-lt"/>
+                <a:ea typeface="+mn-ea"/>
+                <a:cs typeface="+mn-cs"/>
+              </a:defRPr>
+            </a:lvl8pPr>
+            <a:lvl9pPr marL="1878012" indent="0" algn="l" defTabSz="914400" rtl="0" eaLnBrk="1" latinLnBrk="0" hangingPunct="1">
+              <a:lnSpc>
+                <a:spcPct val="90000"/>
+              </a:lnSpc>
+              <a:spcBef>
+                <a:spcPts val="600"/>
+              </a:spcBef>
+              <a:buClr>
+                <a:schemeClr val="accent1">
+                  <a:lumMod val="75000"/>
+                </a:schemeClr>
+              </a:buClr>
+              <a:buSzPct val="100000"/>
+              <a:buFont typeface="Arial" pitchFamily="34" charset="0"/>
+              <a:buNone/>
+              <a:defRPr sz="1400" kern="1200">
+                <a:solidFill>
+                  <a:schemeClr val="tx1"/>
+                </a:solidFill>
+                <a:latin typeface="+mn-lt"/>
+                <a:ea typeface="+mn-ea"/>
+                <a:cs typeface="+mn-cs"/>
+              </a:defRPr>
+            </a:lvl9pPr>
+          </a:lstStyle>
+          <a:p>
+            <a:pPr marL="0" indent="0">
+              <a:buFont typeface="Arial" pitchFamily="34" charset="0"/>
+              <a:buNone/>
+            </a:pPr>
+            <a:r>
+              <a:rPr lang="en-US" b="1" dirty="0"/>
+              <a:t>Transmitter U3 (MAX232):</a:t>
+            </a:r>
+          </a:p>
+          <a:p>
+            <a:r>
+              <a:rPr lang="en-US" dirty="0"/>
+              <a:t>Voltage drive to TX transducer from the antiphase TX signals from the micro (U1)</a:t>
             </a:r>
           </a:p>
           <a:p>
             <a:pPr marL="0" indent="0">
+              <a:buFont typeface="Arial" pitchFamily="34" charset="0"/>
               <a:buNone/>
             </a:pPr>
             <a:r>
               <a:rPr lang="en-US" b="1" dirty="0"/>
-              <a:t>Transmitter U3 (MAX232):</a:t>
+              <a:t>Receiver U2 (LM324):</a:t>
             </a:r>
           </a:p>
           <a:p>
             <a:r>
               <a:rPr lang="en-US" dirty="0"/>
-              <a:t>Voltage drive to TX transducer from the antiphase TX signals from the micro (U1)</a:t>
+              <a:t>Quad op-amp (low grade 1MHz unity gain bandwidth device)</a:t>
             </a:r>
           </a:p>
           <a:p>
             <a:pPr marL="0" indent="0">
-              <a:buNone/>
-            </a:pPr>
-            <a:r>
-              <a:rPr lang="en-US" b="1" dirty="0"/>
-              <a:t>Receiver U2 (LM324):</a:t>
-            </a:r>
-          </a:p>
-          <a:p>
-            <a:r>
-              <a:rPr lang="en-US" dirty="0"/>
-              <a:t>Quad op-amp (low grade 1MHz unity gain bandwidth device)</a:t>
-            </a:r>
-          </a:p>
-          <a:p>
-            <a:pPr marL="0" indent="0">
+              <a:buFont typeface="Arial" pitchFamily="34" charset="0"/>
               <a:buNone/>
             </a:pPr>
             <a:endParaRPr lang="en-US" b="1" dirty="0"/>
@@ -17599,34 +20030,6 @@
       </p:grpSpPr>
       <p:sp>
         <p:nvSpPr>
-          <p:cNvPr id="2" name="Titolo 1">
-            <a:extLst>
-              <a:ext uri="{FF2B5EF4-FFF2-40B4-BE49-F238E27FC236}">
-                <a16:creationId xmlns:a16="http://schemas.microsoft.com/office/drawing/2014/main" id="{61B5CE4B-EBB3-4372-9295-8CA3D98CD9AA}"/>
-              </a:ext>
-            </a:extLst>
-          </p:cNvPr>
-          <p:cNvSpPr>
-            <a:spLocks noGrp="1"/>
-          </p:cNvSpPr>
-          <p:nvPr>
-            <p:ph type="title"/>
-          </p:nvPr>
-        </p:nvSpPr>
-        <p:spPr/>
-        <p:txBody>
-          <a:bodyPr/>
-          <a:lstStyle/>
-          <a:p>
-            <a:r>
-              <a:rPr lang="en-US" dirty="0"/>
-              <a:t>Some more notes about the LM324</a:t>
-            </a:r>
-          </a:p>
-        </p:txBody>
-      </p:sp>
-      <p:sp>
-        <p:nvSpPr>
           <p:cNvPr id="6" name="Segnaposto contenuto 5">
             <a:extLst>
               <a:ext uri="{FF2B5EF4-FFF2-40B4-BE49-F238E27FC236}">
@@ -17641,73 +20044,400 @@
             <p:ph idx="1"/>
           </p:nvPr>
         </p:nvSpPr>
-        <p:spPr/>
+        <p:spPr>
+          <a:xfrm>
+            <a:off x="6533326" y="3071431"/>
+            <a:ext cx="4038603" cy="1927790"/>
+          </a:xfrm>
+        </p:spPr>
         <p:txBody>
           <a:bodyPr>
             <a:normAutofit/>
           </a:bodyPr>
           <a:lstStyle/>
           <a:p>
-            <a:pPr marL="0" indent="0">
+            <a:pPr marL="0" indent="0" algn="just">
               <a:buNone/>
             </a:pPr>
             <a:r>
               <a:rPr lang="en-US" dirty="0"/>
-              <a:t>The receiver is a chain of three op-amps as small signal stages, the final stage is a variable threshold </a:t>
-            </a:r>
-            <a:r>
-              <a:rPr lang="en-US" dirty="0" err="1"/>
-              <a:t>hysteris</a:t>
+              <a:t>The last op-amp stage is a </a:t>
+            </a:r>
+            <a:r>
+              <a:rPr lang="en-US" b="1" dirty="0"/>
+              <a:t>variable threshold hysteresis comparator</a:t>
             </a:r>
             <a:r>
               <a:rPr lang="en-US" dirty="0"/>
-              <a:t> comparator with output switch.</a:t>
-            </a:r>
+              <a:t> with output switch, the output witch is formed by a transistor in </a:t>
+            </a:r>
+            <a:r>
+              <a:rPr lang="en-US" b="1" dirty="0"/>
+              <a:t>U3</a:t>
+            </a:r>
+            <a:r>
+              <a:rPr lang="en-US" dirty="0"/>
+              <a:t> and pullup resistor </a:t>
+            </a:r>
+            <a:r>
+              <a:rPr lang="en-US" b="1" dirty="0"/>
+              <a:t>R17</a:t>
+            </a:r>
+            <a:r>
+              <a:rPr lang="en-US" dirty="0"/>
+              <a:t>.</a:t>
+            </a:r>
+            <a:endParaRPr lang="it-IT" dirty="0"/>
           </a:p>
+        </p:txBody>
+      </p:sp>
+      <p:sp>
+        <p:nvSpPr>
+          <p:cNvPr id="3" name="CasellaDiTesto 2">
+            <a:extLst>
+              <a:ext uri="{FF2B5EF4-FFF2-40B4-BE49-F238E27FC236}">
+                <a16:creationId xmlns:a16="http://schemas.microsoft.com/office/drawing/2014/main" id="{BEC11C1C-9839-41BF-B4DA-ECFA2DEE5B65}"/>
+              </a:ext>
+            </a:extLst>
+          </p:cNvPr>
+          <p:cNvSpPr txBox="1"/>
+          <p:nvPr/>
+        </p:nvSpPr>
+        <p:spPr>
+          <a:xfrm>
+            <a:off x="1257300" y="1517862"/>
+            <a:ext cx="4041723" cy="1631216"/>
+          </a:xfrm>
+          <a:prstGeom prst="rect">
+            <a:avLst/>
+          </a:prstGeom>
+          <a:noFill/>
+        </p:spPr>
+        <p:txBody>
+          <a:bodyPr wrap="square" rtlCol="0">
+            <a:spAutoFit/>
+          </a:bodyPr>
+          <a:lstStyle/>
           <a:p>
-            <a:pPr marL="0" indent="0">
+            <a:pPr algn="just"/>
+            <a:r>
+              <a:rPr lang="en-US" sz="2000" dirty="0"/>
+              <a:t>The </a:t>
+            </a:r>
+            <a:r>
+              <a:rPr lang="en-US" sz="2000" b="1" dirty="0"/>
+              <a:t>receiver</a:t>
+            </a:r>
+            <a:r>
+              <a:rPr lang="en-US" sz="2000" dirty="0"/>
+              <a:t> is a chain of </a:t>
+            </a:r>
+            <a:r>
+              <a:rPr lang="en-US" sz="2000" b="1" dirty="0"/>
+              <a:t>three op-amps</a:t>
+            </a:r>
+            <a:r>
+              <a:rPr lang="en-US" sz="2000" dirty="0"/>
+              <a:t> as small signal stages, the final stage is a variable threshold hysteresis comparator with output switch.</a:t>
+            </a:r>
+          </a:p>
+        </p:txBody>
+      </p:sp>
+      <p:sp>
+        <p:nvSpPr>
+          <p:cNvPr id="5" name="Titolo 1">
+            <a:extLst>
+              <a:ext uri="{FF2B5EF4-FFF2-40B4-BE49-F238E27FC236}">
+                <a16:creationId xmlns:a16="http://schemas.microsoft.com/office/drawing/2014/main" id="{EF9586F5-BBBE-4ABC-B381-F464A8BDD2E0}"/>
+              </a:ext>
+            </a:extLst>
+          </p:cNvPr>
+          <p:cNvSpPr txBox="1">
+            <a:spLocks/>
+          </p:cNvSpPr>
+          <p:nvPr/>
+        </p:nvSpPr>
+        <p:spPr>
+          <a:xfrm>
+            <a:off x="6137695" y="373811"/>
+            <a:ext cx="5795513" cy="605317"/>
+          </a:xfrm>
+          <a:prstGeom prst="rect">
+            <a:avLst/>
+          </a:prstGeom>
+        </p:spPr>
+        <p:txBody>
+          <a:bodyPr vert="horz" lIns="91440" tIns="45720" rIns="91440" bIns="45720" rtlCol="0" anchor="b">
+            <a:normAutofit/>
+          </a:bodyPr>
+          <a:lstStyle>
+            <a:lvl1pPr algn="l" defTabSz="914400" rtl="0" eaLnBrk="1" latinLnBrk="0" hangingPunct="1">
+              <a:lnSpc>
+                <a:spcPct val="90000"/>
+              </a:lnSpc>
+              <a:spcBef>
+                <a:spcPct val="0"/>
+              </a:spcBef>
               <a:buNone/>
-            </a:pPr>
-            <a:r>
-              <a:rPr lang="en-US" dirty="0"/>
-              <a:t>First stage (U2D, R1 and R2) is an inverting amplifier of the RX transducer signal, with gain around 5.6 (allowing for tolerances). The output is attenuated with reference to mid-rail by R3 and R4.</a:t>
-            </a:r>
+              <a:defRPr sz="3200" b="1" kern="1200">
+                <a:solidFill>
+                  <a:schemeClr val="accent1">
+                    <a:lumMod val="75000"/>
+                  </a:schemeClr>
+                </a:solidFill>
+                <a:latin typeface="+mj-lt"/>
+                <a:ea typeface="+mj-ea"/>
+                <a:cs typeface="+mj-cs"/>
+              </a:defRPr>
+            </a:lvl1pPr>
+          </a:lstStyle>
+          <a:p>
+            <a:r>
+              <a:rPr lang="it-IT" dirty="0"/>
+              <a:t>HC-SR04 </a:t>
+            </a:r>
+            <a:r>
+              <a:rPr lang="it-IT" dirty="0" err="1"/>
+              <a:t>Echo</a:t>
+            </a:r>
+            <a:r>
+              <a:rPr lang="it-IT" dirty="0"/>
+              <a:t> Locator</a:t>
+            </a:r>
+            <a:endParaRPr lang="en-US" dirty="0"/>
           </a:p>
+        </p:txBody>
+      </p:sp>
+      <p:sp>
+        <p:nvSpPr>
+          <p:cNvPr id="7" name="Titolo 1">
+            <a:extLst>
+              <a:ext uri="{FF2B5EF4-FFF2-40B4-BE49-F238E27FC236}">
+                <a16:creationId xmlns:a16="http://schemas.microsoft.com/office/drawing/2014/main" id="{FE79FFC4-20B2-4000-B809-A30E3CAB23B1}"/>
+              </a:ext>
+            </a:extLst>
+          </p:cNvPr>
+          <p:cNvSpPr txBox="1">
+            <a:spLocks/>
+          </p:cNvSpPr>
+          <p:nvPr/>
+        </p:nvSpPr>
+        <p:spPr>
+          <a:xfrm>
+            <a:off x="185913" y="498190"/>
+            <a:ext cx="3673415" cy="496049"/>
+          </a:xfrm>
+          <a:prstGeom prst="rect">
+            <a:avLst/>
+          </a:prstGeom>
+        </p:spPr>
+        <p:txBody>
+          <a:bodyPr vert="horz" lIns="91440" tIns="45720" rIns="91440" bIns="45720" rtlCol="0" anchor="b">
+            <a:normAutofit fontScale="97500" lnSpcReduction="10000"/>
+          </a:bodyPr>
+          <a:lstStyle>
+            <a:lvl1pPr algn="l" defTabSz="914400" rtl="0" eaLnBrk="1" latinLnBrk="0" hangingPunct="1">
+              <a:lnSpc>
+                <a:spcPct val="90000"/>
+              </a:lnSpc>
+              <a:spcBef>
+                <a:spcPct val="0"/>
+              </a:spcBef>
+              <a:buNone/>
+              <a:defRPr sz="3200" b="1" kern="1200">
+                <a:solidFill>
+                  <a:schemeClr val="accent1">
+                    <a:lumMod val="75000"/>
+                  </a:schemeClr>
+                </a:solidFill>
+                <a:latin typeface="+mj-lt"/>
+                <a:ea typeface="+mj-ea"/>
+                <a:cs typeface="+mj-cs"/>
+              </a:defRPr>
+            </a:lvl1pPr>
+          </a:lstStyle>
           <a:p>
-            <a:pPr marL="0" indent="0">
-              <a:buNone/>
-            </a:pPr>
-            <a:r>
-              <a:rPr lang="en-US" dirty="0"/>
-              <a:t>Second stage (U2C, C2, C3 and R5) is a bandpass filter, centered around 40 kHz, the frequency of the emitted pulses.</a:t>
-            </a:r>
+            <a:r>
+              <a:rPr lang="it-IT" b="0" dirty="0">
+                <a:ln w="0"/>
+                <a:solidFill>
+                  <a:schemeClr val="accent1"/>
+                </a:solidFill>
+                <a:effectLst>
+                  <a:outerShdw blurRad="38100" dist="25400" dir="5400000" algn="ctr" rotWithShape="0">
+                    <a:srgbClr val="6E747A">
+                      <a:alpha val="43000"/>
+                    </a:srgbClr>
+                  </a:outerShdw>
+                </a:effectLst>
+              </a:rPr>
+              <a:t>More notes</a:t>
+            </a:r>
+            <a:endParaRPr lang="en-US" b="0" dirty="0">
+              <a:ln w="0"/>
+              <a:solidFill>
+                <a:schemeClr val="accent1"/>
+              </a:solidFill>
+              <a:effectLst>
+                <a:outerShdw blurRad="38100" dist="25400" dir="5400000" algn="ctr" rotWithShape="0">
+                  <a:srgbClr val="6E747A">
+                    <a:alpha val="43000"/>
+                  </a:srgbClr>
+                </a:outerShdw>
+              </a:effectLst>
+            </a:endParaRPr>
           </a:p>
+        </p:txBody>
+      </p:sp>
+      <p:sp>
+        <p:nvSpPr>
+          <p:cNvPr id="11" name="CasellaDiTesto 10">
+            <a:extLst>
+              <a:ext uri="{FF2B5EF4-FFF2-40B4-BE49-F238E27FC236}">
+                <a16:creationId xmlns:a16="http://schemas.microsoft.com/office/drawing/2014/main" id="{94B865DC-DE20-4EE7-ABC8-1AC764C4B13D}"/>
+              </a:ext>
+            </a:extLst>
+          </p:cNvPr>
+          <p:cNvSpPr txBox="1"/>
+          <p:nvPr/>
+        </p:nvSpPr>
+        <p:spPr>
+          <a:xfrm>
+            <a:off x="1257299" y="3229239"/>
+            <a:ext cx="4038603" cy="2246769"/>
+          </a:xfrm>
+          <a:prstGeom prst="rect">
+            <a:avLst/>
+          </a:prstGeom>
+          <a:noFill/>
+        </p:spPr>
+        <p:txBody>
+          <a:bodyPr wrap="square" rtlCol="0">
+            <a:spAutoFit/>
+          </a:bodyPr>
+          <a:lstStyle/>
           <a:p>
-            <a:pPr marL="0" indent="0">
-              <a:buNone/>
-            </a:pPr>
-            <a:r>
-              <a:rPr lang="en-US" dirty="0"/>
-              <a:t>Third stage (U2B, R6 and R7) is another amplifier with gain of approximately 10.</a:t>
+            <a:pPr algn="just"/>
+            <a:r>
+              <a:rPr lang="en-US" sz="2000" dirty="0"/>
+              <a:t>First stage (</a:t>
+            </a:r>
+            <a:r>
+              <a:rPr lang="en-US" sz="2000" b="1" dirty="0"/>
+              <a:t>U2D</a:t>
+            </a:r>
+            <a:r>
+              <a:rPr lang="en-US" sz="2000" dirty="0"/>
+              <a:t>, </a:t>
+            </a:r>
+            <a:r>
+              <a:rPr lang="en-US" sz="2000" b="1" dirty="0"/>
+              <a:t>R1</a:t>
+            </a:r>
+            <a:r>
+              <a:rPr lang="en-US" sz="2000" dirty="0"/>
+              <a:t> and </a:t>
+            </a:r>
+            <a:r>
+              <a:rPr lang="en-US" sz="2000" b="1" dirty="0"/>
+              <a:t>R2</a:t>
+            </a:r>
+            <a:r>
+              <a:rPr lang="en-US" sz="2000" dirty="0"/>
+              <a:t>) is an inverting amplifier of the </a:t>
+            </a:r>
+            <a:r>
+              <a:rPr lang="en-US" sz="2000" b="1" dirty="0"/>
+              <a:t>RX transducer signal</a:t>
+            </a:r>
+            <a:r>
+              <a:rPr lang="en-US" sz="2000" dirty="0"/>
+              <a:t>, with gain around 5.6 (allowing for tolerances). The output is attenuated with reference to mid-rail by </a:t>
+            </a:r>
+            <a:r>
+              <a:rPr lang="en-US" sz="2000" b="1" dirty="0"/>
+              <a:t>R3</a:t>
+            </a:r>
+            <a:r>
+              <a:rPr lang="en-US" sz="2000" dirty="0"/>
+              <a:t> and </a:t>
+            </a:r>
+            <a:r>
+              <a:rPr lang="en-US" sz="2000" b="1" dirty="0"/>
+              <a:t>R4</a:t>
+            </a:r>
+            <a:r>
+              <a:rPr lang="en-US" sz="2000" dirty="0"/>
+              <a:t>.</a:t>
             </a:r>
           </a:p>
+        </p:txBody>
+      </p:sp>
+      <p:sp>
+        <p:nvSpPr>
+          <p:cNvPr id="12" name="CasellaDiTesto 11">
+            <a:extLst>
+              <a:ext uri="{FF2B5EF4-FFF2-40B4-BE49-F238E27FC236}">
+                <a16:creationId xmlns:a16="http://schemas.microsoft.com/office/drawing/2014/main" id="{048F486D-BE42-4A05-8A92-0B46F05D7D0E}"/>
+              </a:ext>
+            </a:extLst>
+          </p:cNvPr>
+          <p:cNvSpPr txBox="1"/>
+          <p:nvPr/>
+        </p:nvSpPr>
+        <p:spPr>
+          <a:xfrm>
+            <a:off x="6530208" y="1982557"/>
+            <a:ext cx="3977898" cy="1015663"/>
+          </a:xfrm>
+          <a:prstGeom prst="rect">
+            <a:avLst/>
+          </a:prstGeom>
+          <a:noFill/>
+        </p:spPr>
+        <p:txBody>
+          <a:bodyPr wrap="square" rtlCol="0">
+            <a:spAutoFit/>
+          </a:bodyPr>
+          <a:lstStyle/>
           <a:p>
-            <a:pPr marL="0" indent="0">
-              <a:buNone/>
-            </a:pPr>
-            <a:r>
-              <a:rPr lang="en-US" dirty="0"/>
-              <a:t>The last op-amp stage is a variable threshold </a:t>
-            </a:r>
-            <a:r>
-              <a:rPr lang="en-US" dirty="0" err="1"/>
-              <a:t>hysteris</a:t>
-            </a:r>
-            <a:r>
-              <a:rPr lang="en-US" dirty="0"/>
-              <a:t> comparator with output switch, the output witch is formed by a transistor in U3 and pullup resistor R17.</a:t>
-            </a:r>
-            <a:endParaRPr lang="it-IT" dirty="0"/>
+            <a:pPr algn="just"/>
+            <a:r>
+              <a:rPr lang="en-US" sz="2000" dirty="0"/>
+              <a:t>Third stage (</a:t>
+            </a:r>
+            <a:r>
+              <a:rPr lang="en-US" sz="2000" b="1" dirty="0"/>
+              <a:t>U2B</a:t>
+            </a:r>
+            <a:r>
+              <a:rPr lang="en-US" sz="2000" dirty="0"/>
+              <a:t>, </a:t>
+            </a:r>
+            <a:r>
+              <a:rPr lang="en-US" sz="2000" b="1" dirty="0"/>
+              <a:t>R6</a:t>
+            </a:r>
+            <a:r>
+              <a:rPr lang="en-US" sz="2000" dirty="0"/>
+              <a:t> and </a:t>
+            </a:r>
+            <a:r>
+              <a:rPr lang="en-US" sz="2000" b="1" dirty="0"/>
+              <a:t>R7</a:t>
+            </a:r>
+            <a:r>
+              <a:rPr lang="en-US" sz="2000" dirty="0"/>
+              <a:t>) is another amplifier with gain of approximately </a:t>
+            </a:r>
+            <a:r>
+              <a:rPr lang="en-US" sz="2000" b="1" dirty="0"/>
+              <a:t>10</a:t>
+            </a:r>
+            <a:r>
+              <a:rPr lang="en-US" sz="2000" dirty="0"/>
+              <a:t>.</a:t>
+            </a:r>
           </a:p>
         </p:txBody>
       </p:sp>
@@ -17829,14 +20559,19 @@
             <p:ph sz="half" idx="2"/>
           </p:nvPr>
         </p:nvSpPr>
-        <p:spPr/>
+        <p:spPr>
+          <a:xfrm>
+            <a:off x="6474502" y="1246681"/>
+            <a:ext cx="4572000" cy="4816840"/>
+          </a:xfrm>
+        </p:spPr>
         <p:txBody>
           <a:bodyPr>
-            <a:normAutofit fontScale="92500" lnSpcReduction="20000"/>
+            <a:noAutofit/>
           </a:bodyPr>
           <a:lstStyle/>
           <a:p>
-            <a:pPr marL="0" indent="0">
+            <a:pPr marL="0" indent="0" algn="just">
               <a:buNone/>
             </a:pPr>
             <a:r>
@@ -17845,16 +20580,32 @@
             </a:r>
           </a:p>
           <a:p>
-            <a:pPr marL="0" indent="0">
+            <a:pPr marL="0" indent="0" algn="just">
               <a:buNone/>
             </a:pPr>
             <a:r>
               <a:rPr lang="en-US" dirty="0"/>
-              <a:t>Whenever the module is powered and the trigger is set off, a membrane vibrates at a fixed frequency (Active Buzzer) generating a precise sound wave.</a:t>
+              <a:t>Whenever the module is powered and the trigger is set off, a membrane vibrates at a </a:t>
+            </a:r>
+            <a:r>
+              <a:rPr lang="en-US" b="1" dirty="0"/>
+              <a:t>fixed frequency </a:t>
+            </a:r>
+            <a:r>
+              <a:rPr lang="en-US" dirty="0"/>
+              <a:t>(</a:t>
+            </a:r>
+            <a:r>
+              <a:rPr lang="en-US" b="1" dirty="0"/>
+              <a:t>Active Buzze</a:t>
+            </a:r>
+            <a:r>
+              <a:rPr lang="en-US" dirty="0"/>
+              <a:t>r) generating a precise sound wave.</a:t>
             </a:r>
           </a:p>
           <a:p>
-            <a:pPr marL="0" indent="0">
+            <a:pPr marL="0" indent="0" algn="just">
               <a:buNone/>
             </a:pPr>
             <a:r>
@@ -17863,7 +20614,7 @@
             </a:r>
           </a:p>
           <a:p>
-            <a:pPr marL="0" indent="0">
+            <a:pPr marL="0" indent="0" algn="just">
               <a:buNone/>
             </a:pPr>
             <a:r>
@@ -17872,12 +20623,20 @@
             </a:r>
           </a:p>
           <a:p>
-            <a:pPr marL="0" indent="0">
+            <a:pPr marL="0" indent="0" algn="just">
               <a:buNone/>
             </a:pPr>
             <a:r>
               <a:rPr lang="en-US" dirty="0"/>
-              <a:t>If this were a Passive Buzzer, there would be no I/O pin, but we would had to give the precise sound frequency through the VCC and GND pins.</a:t>
+              <a:t>If this were a </a:t>
+            </a:r>
+            <a:r>
+              <a:rPr lang="en-US" b="1" dirty="0"/>
+              <a:t>Passive Buzzer</a:t>
+            </a:r>
+            <a:r>
+              <a:rPr lang="en-US" dirty="0"/>
+              <a:t>, there would be no I/O pin, but we would had to give the precise sound frequency through the VCC and GND pins.</a:t>
             </a:r>
           </a:p>
         </p:txBody>
@@ -17969,14 +20728,25 @@
           </p:nvPr>
         </p:nvPicPr>
         <p:blipFill>
-          <a:blip r:embed="rId2"/>
+          <a:blip r:embed="rId2">
+            <a:clrChange>
+              <a:clrFrom>
+                <a:srgbClr val="FFFBF8"/>
+              </a:clrFrom>
+              <a:clrTo>
+                <a:srgbClr val="FFFBF8">
+                  <a:alpha val="0"/>
+                </a:srgbClr>
+              </a:clrTo>
+            </a:clrChange>
+          </a:blip>
           <a:stretch>
             <a:fillRect/>
           </a:stretch>
         </p:blipFill>
         <p:spPr>
           <a:xfrm>
-            <a:off x="1295400" y="2124075"/>
+            <a:off x="785734" y="1981199"/>
             <a:ext cx="4572000" cy="3524250"/>
           </a:xfrm>
           <a:prstGeom prst="rect">
@@ -18005,7 +20775,7 @@
           <a:bodyPr/>
           <a:lstStyle/>
           <a:p>
-            <a:pPr marL="0" indent="0">
+            <a:pPr marL="0" indent="0" algn="just">
               <a:buNone/>
             </a:pPr>
             <a:r>
@@ -18014,16 +20784,32 @@
             </a:r>
           </a:p>
           <a:p>
-            <a:pPr marL="0" indent="0">
+            <a:pPr marL="0" indent="0" algn="just">
               <a:buNone/>
             </a:pPr>
             <a:r>
               <a:rPr lang="en-US" dirty="0"/>
-              <a:t>The circuit is simply constituted by a resistance and a transistor that acts as a switch on the I/O pin (nr. 2 connection).</a:t>
+              <a:t>The circuit is simply constituted by a </a:t>
+            </a:r>
+            <a:r>
+              <a:rPr lang="en-US" b="1" dirty="0"/>
+              <a:t>resistance</a:t>
+            </a:r>
+            <a:r>
+              <a:rPr lang="en-US" dirty="0"/>
+              <a:t> and a </a:t>
+            </a:r>
+            <a:r>
+              <a:rPr lang="en-US" b="1" dirty="0"/>
+              <a:t>transistor</a:t>
+            </a:r>
+            <a:r>
+              <a:rPr lang="en-US" dirty="0"/>
+              <a:t> that acts as a switch on the I/O pin (nr. 2 connection).</a:t>
             </a:r>
           </a:p>
           <a:p>
-            <a:pPr marL="0" indent="0">
+            <a:pPr marL="0" indent="0" algn="just">
               <a:buNone/>
             </a:pPr>
             <a:r>
@@ -18075,47 +20861,6 @@
           <a:chExt cx="0" cy="0"/>
         </a:xfrm>
       </p:grpSpPr>
-      <p:sp>
-        <p:nvSpPr>
-          <p:cNvPr id="2" name="Titolo 1">
-            <a:extLst>
-              <a:ext uri="{FF2B5EF4-FFF2-40B4-BE49-F238E27FC236}">
-                <a16:creationId xmlns:a16="http://schemas.microsoft.com/office/drawing/2014/main" id="{A34C9528-226F-4EFB-8463-01D17570DC70}"/>
-              </a:ext>
-            </a:extLst>
-          </p:cNvPr>
-          <p:cNvSpPr>
-            <a:spLocks noGrp="1"/>
-          </p:cNvSpPr>
-          <p:nvPr>
-            <p:ph type="title"/>
-          </p:nvPr>
-        </p:nvSpPr>
-        <p:spPr/>
-        <p:txBody>
-          <a:bodyPr/>
-          <a:lstStyle/>
-          <a:p>
-            <a:r>
-              <a:rPr lang="it-IT" dirty="0"/>
-              <a:t>IR </a:t>
-            </a:r>
-            <a:r>
-              <a:rPr lang="it-IT" dirty="0" err="1"/>
-              <a:t>Reciever</a:t>
-            </a:r>
-            <a:r>
-              <a:rPr lang="it-IT" dirty="0"/>
-              <a:t> </a:t>
-            </a:r>
-            <a:r>
-              <a:rPr lang="it-IT" dirty="0" err="1"/>
-              <a:t>Module</a:t>
-            </a:r>
-            <a:endParaRPr lang="en-US" dirty="0"/>
-          </a:p>
-        </p:txBody>
-      </p:sp>
       <p:pic>
         <p:nvPicPr>
           <p:cNvPr id="5" name="Segnaposto contenuto 4">
@@ -18164,14 +20909,19 @@
             <p:ph sz="half" idx="2"/>
           </p:nvPr>
         </p:nvSpPr>
-        <p:spPr/>
+        <p:spPr>
+          <a:xfrm>
+            <a:off x="6384560" y="1386952"/>
+            <a:ext cx="4572000" cy="4241855"/>
+          </a:xfrm>
+        </p:spPr>
         <p:txBody>
           <a:bodyPr>
-            <a:normAutofit lnSpcReduction="10000"/>
+            <a:noAutofit/>
           </a:bodyPr>
           <a:lstStyle/>
           <a:p>
-            <a:pPr marL="0" indent="0">
+            <a:pPr marL="0" indent="0" algn="just">
               <a:buNone/>
             </a:pPr>
             <a:r>
@@ -18180,7 +20930,7 @@
             </a:r>
           </a:p>
           <a:p>
-            <a:pPr marL="0" indent="0">
+            <a:pPr marL="0" indent="0" algn="just">
               <a:buNone/>
             </a:pPr>
             <a:r>
@@ -18237,7 +20987,7 @@
             </a:r>
           </a:p>
           <a:p>
-            <a:pPr marL="0" indent="0">
+            <a:pPr marL="0" indent="0" algn="just">
               <a:buNone/>
             </a:pPr>
             <a:r>
@@ -18287,7 +21037,7 @@
             <a:endParaRPr lang="en-US" dirty="0"/>
           </a:p>
           <a:p>
-            <a:pPr marL="0" indent="0">
+            <a:pPr marL="0" indent="0" algn="just">
               <a:buNone/>
             </a:pPr>
             <a:r>
@@ -18296,7 +21046,7 @@
             </a:r>
           </a:p>
           <a:p>
-            <a:pPr marL="0" indent="0">
+            <a:pPr marL="0" indent="0" algn="just">
               <a:buNone/>
             </a:pPr>
             <a:r>
@@ -18330,9 +21080,70 @@
             <a:endParaRPr lang="en-US" dirty="0"/>
           </a:p>
           <a:p>
-            <a:pPr marL="0" indent="0">
+            <a:pPr marL="0" indent="0" algn="just">
               <a:buNone/>
             </a:pPr>
+            <a:endParaRPr lang="en-US" dirty="0"/>
+          </a:p>
+        </p:txBody>
+      </p:sp>
+      <p:sp>
+        <p:nvSpPr>
+          <p:cNvPr id="6" name="Titolo 1">
+            <a:extLst>
+              <a:ext uri="{FF2B5EF4-FFF2-40B4-BE49-F238E27FC236}">
+                <a16:creationId xmlns:a16="http://schemas.microsoft.com/office/drawing/2014/main" id="{E6E5CD23-17AA-4E88-AE38-0A648F952C8D}"/>
+              </a:ext>
+            </a:extLst>
+          </p:cNvPr>
+          <p:cNvSpPr txBox="1">
+            <a:spLocks/>
+          </p:cNvSpPr>
+          <p:nvPr/>
+        </p:nvSpPr>
+        <p:spPr>
+          <a:xfrm>
+            <a:off x="6137695" y="373811"/>
+            <a:ext cx="5795513" cy="605317"/>
+          </a:xfrm>
+          <a:prstGeom prst="rect">
+            <a:avLst/>
+          </a:prstGeom>
+        </p:spPr>
+        <p:txBody>
+          <a:bodyPr vert="horz" lIns="91440" tIns="45720" rIns="91440" bIns="45720" rtlCol="0" anchor="b">
+            <a:normAutofit/>
+          </a:bodyPr>
+          <a:lstStyle>
+            <a:lvl1pPr algn="l" defTabSz="914400" rtl="0" eaLnBrk="1" latinLnBrk="0" hangingPunct="1">
+              <a:lnSpc>
+                <a:spcPct val="90000"/>
+              </a:lnSpc>
+              <a:spcBef>
+                <a:spcPct val="0"/>
+              </a:spcBef>
+              <a:buNone/>
+              <a:defRPr sz="3200" b="1" kern="1200">
+                <a:solidFill>
+                  <a:schemeClr val="accent1">
+                    <a:lumMod val="75000"/>
+                  </a:schemeClr>
+                </a:solidFill>
+                <a:latin typeface="+mj-lt"/>
+                <a:ea typeface="+mj-ea"/>
+                <a:cs typeface="+mj-cs"/>
+              </a:defRPr>
+            </a:lvl1pPr>
+          </a:lstStyle>
+          <a:p>
+            <a:r>
+              <a:rPr lang="it-IT" dirty="0"/>
+              <a:t>IR Receiver </a:t>
+            </a:r>
+            <a:r>
+              <a:rPr lang="it-IT" dirty="0" err="1"/>
+              <a:t>Module</a:t>
+            </a:r>
             <a:endParaRPr lang="en-US" dirty="0"/>
           </a:p>
         </p:txBody>
